--- a/Resonant_Frequencies_WS1/Resonant Frequencies WS1.pptx
+++ b/Resonant_Frequencies_WS1/Resonant Frequencies WS1.pptx
@@ -6,12 +6,20 @@
   </p:sldMasterIdLst>
   <p:sldIdLst>
     <p:sldId id="256" r:id="rId2"/>
-    <p:sldId id="257" r:id="rId3"/>
+    <p:sldId id="271" r:id="rId3"/>
     <p:sldId id="258" r:id="rId4"/>
     <p:sldId id="259" r:id="rId5"/>
-    <p:sldId id="262" r:id="rId6"/>
-    <p:sldId id="260" r:id="rId7"/>
-    <p:sldId id="261" r:id="rId8"/>
+    <p:sldId id="260" r:id="rId6"/>
+    <p:sldId id="261" r:id="rId7"/>
+    <p:sldId id="268" r:id="rId8"/>
+    <p:sldId id="264" r:id="rId9"/>
+    <p:sldId id="263" r:id="rId10"/>
+    <p:sldId id="267" r:id="rId11"/>
+    <p:sldId id="265" r:id="rId12"/>
+    <p:sldId id="266" r:id="rId13"/>
+    <p:sldId id="270" r:id="rId14"/>
+    <p:sldId id="269" r:id="rId15"/>
+    <p:sldId id="257" r:id="rId16"/>
   </p:sldIdLst>
   <p:sldSz cx="12192000" cy="6858000"/>
   <p:notesSz cx="6858000" cy="9144000"/>
@@ -417,7 +425,7 @@
           <a:p>
             <a:fld id="{300EF211-2BFB-6B4A-8ED9-E264860AF635}" type="datetimeFigureOut">
               <a:rPr lang="nl-NL" smtClean="0"/>
-              <a:t>12-11-2025</a:t>
+              <a:t>25-11-2025</a:t>
             </a:fld>
             <a:endParaRPr lang="nl-NL"/>
           </a:p>
@@ -587,7 +595,7 @@
           <a:p>
             <a:fld id="{300EF211-2BFB-6B4A-8ED9-E264860AF635}" type="datetimeFigureOut">
               <a:rPr lang="nl-NL" smtClean="0"/>
-              <a:t>12-11-2025</a:t>
+              <a:t>25-11-2025</a:t>
             </a:fld>
             <a:endParaRPr lang="nl-NL"/>
           </a:p>
@@ -767,7 +775,7 @@
           <a:p>
             <a:fld id="{300EF211-2BFB-6B4A-8ED9-E264860AF635}" type="datetimeFigureOut">
               <a:rPr lang="nl-NL" smtClean="0"/>
-              <a:t>12-11-2025</a:t>
+              <a:t>25-11-2025</a:t>
             </a:fld>
             <a:endParaRPr lang="nl-NL"/>
           </a:p>
@@ -937,7 +945,7 @@
           <a:p>
             <a:fld id="{300EF211-2BFB-6B4A-8ED9-E264860AF635}" type="datetimeFigureOut">
               <a:rPr lang="nl-NL" smtClean="0"/>
-              <a:t>12-11-2025</a:t>
+              <a:t>25-11-2025</a:t>
             </a:fld>
             <a:endParaRPr lang="nl-NL"/>
           </a:p>
@@ -1183,7 +1191,7 @@
           <a:p>
             <a:fld id="{300EF211-2BFB-6B4A-8ED9-E264860AF635}" type="datetimeFigureOut">
               <a:rPr lang="nl-NL" smtClean="0"/>
-              <a:t>12-11-2025</a:t>
+              <a:t>25-11-2025</a:t>
             </a:fld>
             <a:endParaRPr lang="nl-NL"/>
           </a:p>
@@ -1415,7 +1423,7 @@
           <a:p>
             <a:fld id="{300EF211-2BFB-6B4A-8ED9-E264860AF635}" type="datetimeFigureOut">
               <a:rPr lang="nl-NL" smtClean="0"/>
-              <a:t>12-11-2025</a:t>
+              <a:t>25-11-2025</a:t>
             </a:fld>
             <a:endParaRPr lang="nl-NL"/>
           </a:p>
@@ -1782,7 +1790,7 @@
           <a:p>
             <a:fld id="{300EF211-2BFB-6B4A-8ED9-E264860AF635}" type="datetimeFigureOut">
               <a:rPr lang="nl-NL" smtClean="0"/>
-              <a:t>12-11-2025</a:t>
+              <a:t>25-11-2025</a:t>
             </a:fld>
             <a:endParaRPr lang="nl-NL"/>
           </a:p>
@@ -1900,7 +1908,7 @@
           <a:p>
             <a:fld id="{300EF211-2BFB-6B4A-8ED9-E264860AF635}" type="datetimeFigureOut">
               <a:rPr lang="nl-NL" smtClean="0"/>
-              <a:t>12-11-2025</a:t>
+              <a:t>25-11-2025</a:t>
             </a:fld>
             <a:endParaRPr lang="nl-NL"/>
           </a:p>
@@ -1995,7 +2003,7 @@
           <a:p>
             <a:fld id="{300EF211-2BFB-6B4A-8ED9-E264860AF635}" type="datetimeFigureOut">
               <a:rPr lang="nl-NL" smtClean="0"/>
-              <a:t>12-11-2025</a:t>
+              <a:t>25-11-2025</a:t>
             </a:fld>
             <a:endParaRPr lang="nl-NL"/>
           </a:p>
@@ -2272,7 +2280,7 @@
           <a:p>
             <a:fld id="{300EF211-2BFB-6B4A-8ED9-E264860AF635}" type="datetimeFigureOut">
               <a:rPr lang="nl-NL" smtClean="0"/>
-              <a:t>12-11-2025</a:t>
+              <a:t>25-11-2025</a:t>
             </a:fld>
             <a:endParaRPr lang="nl-NL"/>
           </a:p>
@@ -2529,7 +2537,7 @@
           <a:p>
             <a:fld id="{300EF211-2BFB-6B4A-8ED9-E264860AF635}" type="datetimeFigureOut">
               <a:rPr lang="nl-NL" smtClean="0"/>
-              <a:t>12-11-2025</a:t>
+              <a:t>25-11-2025</a:t>
             </a:fld>
             <a:endParaRPr lang="nl-NL"/>
           </a:p>
@@ -2742,7 +2750,7 @@
           <a:p>
             <a:fld id="{300EF211-2BFB-6B4A-8ED9-E264860AF635}" type="datetimeFigureOut">
               <a:rPr lang="nl-NL" smtClean="0"/>
-              <a:t>12-11-2025</a:t>
+              <a:t>25-11-2025</a:t>
             </a:fld>
             <a:endParaRPr lang="nl-NL"/>
           </a:p>
@@ -3470,7 +3478,3687 @@
 </p:sld>
 </file>
 
-<file path=ppt/slides/slide2.xml><?xml version="1.0" encoding="utf-8"?>
+<file path=ppt/slides/slide10.xml><?xml version="1.0" encoding="utf-8"?>
+<p:sld xmlns:a="http://schemas.openxmlformats.org/drawingml/2006/main" xmlns:r="http://schemas.openxmlformats.org/officeDocument/2006/relationships" xmlns:p="http://schemas.openxmlformats.org/presentationml/2006/main">
+  <p:cSld>
+    <p:bg>
+      <p:bgPr>
+        <a:solidFill>
+          <a:schemeClr val="bg1"/>
+        </a:solidFill>
+        <a:effectLst/>
+      </p:bgPr>
+    </p:bg>
+    <p:spTree>
+      <p:nvGrpSpPr>
+        <p:cNvPr id="1" name="">
+          <a:extLst>
+            <a:ext uri="{FF2B5EF4-FFF2-40B4-BE49-F238E27FC236}">
+              <a16:creationId xmlns:a16="http://schemas.microsoft.com/office/drawing/2014/main" id="{D1D8245B-B459-3416-F593-9D55B984978D}"/>
+            </a:ext>
+          </a:extLst>
+        </p:cNvPr>
+        <p:cNvGrpSpPr/>
+        <p:nvPr/>
+      </p:nvGrpSpPr>
+      <p:grpSpPr>
+        <a:xfrm>
+          <a:off x="0" y="0"/>
+          <a:ext cx="0" cy="0"/>
+          <a:chOff x="0" y="0"/>
+          <a:chExt cx="0" cy="0"/>
+        </a:xfrm>
+      </p:grpSpPr>
+      <p:sp useBgFill="1">
+        <p:nvSpPr>
+          <p:cNvPr id="11" name="Rectangle 10">
+            <a:extLst>
+              <a:ext uri="{FF2B5EF4-FFF2-40B4-BE49-F238E27FC236}">
+                <a16:creationId xmlns:a16="http://schemas.microsoft.com/office/drawing/2014/main" id="{CC832F2E-D038-F4E8-0B44-760AB092FAED}"/>
+              </a:ext>
+              <a:ext uri="{C183D7F6-B498-43B3-948B-1728B52AA6E4}">
+                <adec:decorative xmlns:adec="http://schemas.microsoft.com/office/drawing/2017/decorative" val="1"/>
+              </a:ext>
+            </a:extLst>
+          </p:cNvPr>
+          <p:cNvSpPr>
+            <a:spLocks noGrp="1" noRot="1" noChangeAspect="1" noMove="1" noResize="1" noEditPoints="1" noAdjustHandles="1" noChangeArrowheads="1" noChangeShapeType="1" noTextEdit="1"/>
+          </p:cNvSpPr>
+          <p:nvPr>
+            <p:extLst>
+              <p:ext uri="{386F3935-93C4-4BCD-93E2-E3B085C9AB24}">
+                <p16:designElem xmlns:p16="http://schemas.microsoft.com/office/powerpoint/2015/main" val="1"/>
+              </p:ext>
+            </p:extLst>
+          </p:nvPr>
+        </p:nvSpPr>
+        <p:spPr>
+          <a:xfrm>
+            <a:off x="0" y="0"/>
+            <a:ext cx="12191999" cy="6857365"/>
+          </a:xfrm>
+          <a:prstGeom prst="rect">
+            <a:avLst/>
+          </a:prstGeom>
+          <a:ln>
+            <a:noFill/>
+          </a:ln>
+        </p:spPr>
+        <p:style>
+          <a:lnRef idx="2">
+            <a:schemeClr val="accent1">
+              <a:shade val="50000"/>
+            </a:schemeClr>
+          </a:lnRef>
+          <a:fillRef idx="1">
+            <a:schemeClr val="accent1"/>
+          </a:fillRef>
+          <a:effectRef idx="0">
+            <a:schemeClr val="accent1"/>
+          </a:effectRef>
+          <a:fontRef idx="minor">
+            <a:schemeClr val="lt1"/>
+          </a:fontRef>
+        </p:style>
+        <p:txBody>
+          <a:bodyPr rtlCol="0" anchor="ctr"/>
+          <a:lstStyle/>
+          <a:p>
+            <a:pPr algn="ctr"/>
+            <a:endParaRPr lang="en-US"/>
+          </a:p>
+        </p:txBody>
+      </p:sp>
+      <p:sp>
+        <p:nvSpPr>
+          <p:cNvPr id="2" name="Titel 1">
+            <a:extLst>
+              <a:ext uri="{FF2B5EF4-FFF2-40B4-BE49-F238E27FC236}">
+                <a16:creationId xmlns:a16="http://schemas.microsoft.com/office/drawing/2014/main" id="{2DA7552C-D06C-E531-7A2B-686423E4E707}"/>
+              </a:ext>
+            </a:extLst>
+          </p:cNvPr>
+          <p:cNvSpPr>
+            <a:spLocks noGrp="1"/>
+          </p:cNvSpPr>
+          <p:nvPr>
+            <p:ph type="title"/>
+          </p:nvPr>
+        </p:nvSpPr>
+        <p:spPr>
+          <a:xfrm>
+            <a:off x="910406" y="1224756"/>
+            <a:ext cx="4629571" cy="4351337"/>
+          </a:xfrm>
+        </p:spPr>
+        <p:txBody>
+          <a:bodyPr vert="horz" lIns="91440" tIns="45720" rIns="91440" bIns="45720" rtlCol="0" anchor="t">
+            <a:normAutofit fontScale="90000"/>
+          </a:bodyPr>
+          <a:lstStyle/>
+          <a:p>
+            <a:r>
+              <a:rPr lang="en-US" sz="5400" dirty="0"/>
+              <a:t>Control Change=</a:t>
+            </a:r>
+            <a:br>
+              <a:rPr lang="en-US" sz="5400" kern="1200" dirty="0">
+                <a:solidFill>
+                  <a:schemeClr val="tx1"/>
+                </a:solidFill>
+                <a:latin typeface="+mj-lt"/>
+                <a:ea typeface="+mj-ea"/>
+                <a:cs typeface="+mj-cs"/>
+              </a:rPr>
+            </a:br>
+            <a:r>
+              <a:rPr lang="en-US" sz="5400" kern="1200" dirty="0">
+                <a:solidFill>
+                  <a:schemeClr val="tx1"/>
+                </a:solidFill>
+                <a:latin typeface="+mj-lt"/>
+                <a:ea typeface="+mj-ea"/>
+                <a:cs typeface="+mj-cs"/>
+              </a:rPr>
+              <a:t>Controller No. +</a:t>
+            </a:r>
+            <a:br>
+              <a:rPr lang="en-US" sz="5400" kern="1200" dirty="0">
+                <a:solidFill>
+                  <a:schemeClr val="tx1"/>
+                </a:solidFill>
+                <a:latin typeface="+mj-lt"/>
+                <a:ea typeface="+mj-ea"/>
+                <a:cs typeface="+mj-cs"/>
+              </a:rPr>
+            </a:br>
+            <a:r>
+              <a:rPr lang="en-US" sz="5400" kern="1200" dirty="0">
+                <a:solidFill>
+                  <a:schemeClr val="tx1"/>
+                </a:solidFill>
+                <a:latin typeface="+mj-lt"/>
+                <a:ea typeface="+mj-ea"/>
+                <a:cs typeface="+mj-cs"/>
+              </a:rPr>
+              <a:t>Value + Channel</a:t>
+            </a:r>
+            <a:br>
+              <a:rPr lang="en-US" sz="5400" kern="1200" dirty="0">
+                <a:solidFill>
+                  <a:schemeClr val="tx1"/>
+                </a:solidFill>
+                <a:latin typeface="+mj-lt"/>
+                <a:ea typeface="+mj-ea"/>
+                <a:cs typeface="+mj-cs"/>
+              </a:rPr>
+            </a:br>
+            <a:br>
+              <a:rPr lang="en-US" sz="5400" kern="1200" dirty="0">
+                <a:solidFill>
+                  <a:schemeClr val="tx1"/>
+                </a:solidFill>
+                <a:latin typeface="+mj-lt"/>
+                <a:ea typeface="+mj-ea"/>
+                <a:cs typeface="+mj-cs"/>
+              </a:rPr>
+            </a:br>
+            <a:r>
+              <a:rPr lang="en-US" sz="3600" dirty="0"/>
+              <a:t>Control No. = 0 – 127</a:t>
+            </a:r>
+            <a:br>
+              <a:rPr lang="en-US" sz="3600" dirty="0"/>
+            </a:br>
+            <a:r>
+              <a:rPr lang="en-US" sz="3600" dirty="0"/>
+              <a:t>Value = 0 – 127</a:t>
+            </a:r>
+            <a:br>
+              <a:rPr lang="en-US" sz="3600" dirty="0"/>
+            </a:br>
+            <a:r>
+              <a:rPr lang="en-US" sz="3600" dirty="0"/>
+              <a:t>Channel = 1 - 16</a:t>
+            </a:r>
+            <a:br>
+              <a:rPr lang="en-US" sz="5400" kern="1200" dirty="0">
+                <a:solidFill>
+                  <a:schemeClr val="tx1"/>
+                </a:solidFill>
+                <a:latin typeface="+mj-lt"/>
+                <a:ea typeface="+mj-ea"/>
+                <a:cs typeface="+mj-cs"/>
+              </a:rPr>
+            </a:br>
+            <a:br>
+              <a:rPr lang="en-US" sz="5400" kern="1200" dirty="0">
+                <a:solidFill>
+                  <a:schemeClr val="tx1"/>
+                </a:solidFill>
+                <a:latin typeface="+mj-lt"/>
+                <a:ea typeface="+mj-ea"/>
+                <a:cs typeface="+mj-cs"/>
+              </a:rPr>
+            </a:br>
+            <a:endParaRPr lang="en-US" sz="5400" kern="1200" dirty="0">
+              <a:solidFill>
+                <a:schemeClr val="tx1"/>
+              </a:solidFill>
+              <a:latin typeface="+mj-lt"/>
+              <a:ea typeface="+mj-ea"/>
+              <a:cs typeface="+mj-cs"/>
+            </a:endParaRPr>
+          </a:p>
+        </p:txBody>
+      </p:sp>
+      <p:grpSp>
+        <p:nvGrpSpPr>
+          <p:cNvPr id="13" name="Group 12">
+            <a:extLst>
+              <a:ext uri="{FF2B5EF4-FFF2-40B4-BE49-F238E27FC236}">
+                <a16:creationId xmlns:a16="http://schemas.microsoft.com/office/drawing/2014/main" id="{B7B4326A-B232-06E9-1009-563061ABA2A7}"/>
+              </a:ext>
+              <a:ext uri="{C183D7F6-B498-43B3-948B-1728B52AA6E4}">
+                <adec:decorative xmlns:adec="http://schemas.microsoft.com/office/drawing/2017/decorative" val="1"/>
+              </a:ext>
+            </a:extLst>
+          </p:cNvPr>
+          <p:cNvGrpSpPr>
+            <a:grpSpLocks noGrp="1" noUngrp="1" noRot="1" noChangeAspect="1" noMove="1" noResize="1"/>
+          </p:cNvGrpSpPr>
+          <p:nvPr>
+            <p:extLst>
+              <p:ext uri="{386F3935-93C4-4BCD-93E2-E3B085C9AB24}">
+                <p16:designElem xmlns:p16="http://schemas.microsoft.com/office/powerpoint/2015/main" val="1"/>
+              </p:ext>
+            </p:extLst>
+          </p:nvPr>
+        </p:nvGrpSpPr>
+        <p:grpSpPr>
+          <a:xfrm>
+            <a:off x="0" y="2984992"/>
+            <a:ext cx="731521" cy="673460"/>
+            <a:chOff x="3940602" y="308034"/>
+            <a:chExt cx="2116791" cy="3428999"/>
+          </a:xfrm>
+          <a:solidFill>
+            <a:schemeClr val="accent4"/>
+          </a:solidFill>
+        </p:grpSpPr>
+        <p:sp>
+          <p:nvSpPr>
+            <p:cNvPr id="14" name="Rectangle 13">
+              <a:extLst>
+                <a:ext uri="{FF2B5EF4-FFF2-40B4-BE49-F238E27FC236}">
+                  <a16:creationId xmlns:a16="http://schemas.microsoft.com/office/drawing/2014/main" id="{E05C6689-15F4-7DC7-17D8-EF07945F465B}"/>
+                </a:ext>
+                <a:ext uri="{C183D7F6-B498-43B3-948B-1728B52AA6E4}">
+                  <adec:decorative xmlns:adec="http://schemas.microsoft.com/office/drawing/2017/decorative" val="1"/>
+                </a:ext>
+              </a:extLst>
+            </p:cNvPr>
+            <p:cNvSpPr/>
+            <p:nvPr>
+              <p:extLst>
+                <p:ext uri="{386F3935-93C4-4BCD-93E2-E3B085C9AB24}">
+                  <p16:designElem xmlns:p16="http://schemas.microsoft.com/office/powerpoint/2015/main" val="1"/>
+                </p:ext>
+              </p:extLst>
+            </p:nvPr>
+          </p:nvSpPr>
+          <p:spPr>
+            <a:xfrm>
+              <a:off x="3940602" y="308034"/>
+              <a:ext cx="566743" cy="3428999"/>
+            </a:xfrm>
+            <a:prstGeom prst="rect">
+              <a:avLst/>
+            </a:prstGeom>
+            <a:grpFill/>
+            <a:ln>
+              <a:noFill/>
+            </a:ln>
+          </p:spPr>
+          <p:style>
+            <a:lnRef idx="2">
+              <a:schemeClr val="accent1">
+                <a:shade val="50000"/>
+              </a:schemeClr>
+            </a:lnRef>
+            <a:fillRef idx="1">
+              <a:schemeClr val="accent1"/>
+            </a:fillRef>
+            <a:effectRef idx="0">
+              <a:schemeClr val="accent1"/>
+            </a:effectRef>
+            <a:fontRef idx="minor">
+              <a:schemeClr val="lt1"/>
+            </a:fontRef>
+          </p:style>
+          <p:txBody>
+            <a:bodyPr rtlCol="0" anchor="ctr"/>
+            <a:lstStyle/>
+            <a:p>
+              <a:pPr algn="ctr"/>
+              <a:endParaRPr lang="en-US"/>
+            </a:p>
+          </p:txBody>
+        </p:sp>
+        <p:sp>
+          <p:nvSpPr>
+            <p:cNvPr id="15" name="Rectangle 14">
+              <a:extLst>
+                <a:ext uri="{FF2B5EF4-FFF2-40B4-BE49-F238E27FC236}">
+                  <a16:creationId xmlns:a16="http://schemas.microsoft.com/office/drawing/2014/main" id="{C7CED891-4D0A-2135-6315-0C233F260C7A}"/>
+                </a:ext>
+                <a:ext uri="{C183D7F6-B498-43B3-948B-1728B52AA6E4}">
+                  <adec:decorative xmlns:adec="http://schemas.microsoft.com/office/drawing/2017/decorative" val="1"/>
+                </a:ext>
+              </a:extLst>
+            </p:cNvPr>
+            <p:cNvSpPr/>
+            <p:nvPr>
+              <p:extLst>
+                <p:ext uri="{386F3935-93C4-4BCD-93E2-E3B085C9AB24}">
+                  <p16:designElem xmlns:p16="http://schemas.microsoft.com/office/powerpoint/2015/main" val="1"/>
+                </p:ext>
+              </p:extLst>
+            </p:nvPr>
+          </p:nvSpPr>
+          <p:spPr>
+            <a:xfrm>
+              <a:off x="4715626" y="308034"/>
+              <a:ext cx="566743" cy="3428999"/>
+            </a:xfrm>
+            <a:prstGeom prst="rect">
+              <a:avLst/>
+            </a:prstGeom>
+            <a:grpFill/>
+            <a:ln>
+              <a:noFill/>
+            </a:ln>
+          </p:spPr>
+          <p:style>
+            <a:lnRef idx="2">
+              <a:schemeClr val="accent1">
+                <a:shade val="50000"/>
+              </a:schemeClr>
+            </a:lnRef>
+            <a:fillRef idx="1">
+              <a:schemeClr val="accent1"/>
+            </a:fillRef>
+            <a:effectRef idx="0">
+              <a:schemeClr val="accent1"/>
+            </a:effectRef>
+            <a:fontRef idx="minor">
+              <a:schemeClr val="lt1"/>
+            </a:fontRef>
+          </p:style>
+          <p:txBody>
+            <a:bodyPr rtlCol="0" anchor="ctr"/>
+            <a:lstStyle/>
+            <a:p>
+              <a:pPr algn="ctr"/>
+              <a:endParaRPr lang="en-US"/>
+            </a:p>
+          </p:txBody>
+        </p:sp>
+        <p:sp>
+          <p:nvSpPr>
+            <p:cNvPr id="16" name="Rectangle 15">
+              <a:extLst>
+                <a:ext uri="{FF2B5EF4-FFF2-40B4-BE49-F238E27FC236}">
+                  <a16:creationId xmlns:a16="http://schemas.microsoft.com/office/drawing/2014/main" id="{B30B5E51-D67D-3014-9384-87EB304E6149}"/>
+                </a:ext>
+                <a:ext uri="{C183D7F6-B498-43B3-948B-1728B52AA6E4}">
+                  <adec:decorative xmlns:adec="http://schemas.microsoft.com/office/drawing/2017/decorative" val="1"/>
+                </a:ext>
+              </a:extLst>
+            </p:cNvPr>
+            <p:cNvSpPr/>
+            <p:nvPr>
+              <p:extLst>
+                <p:ext uri="{386F3935-93C4-4BCD-93E2-E3B085C9AB24}">
+                  <p16:designElem xmlns:p16="http://schemas.microsoft.com/office/powerpoint/2015/main" val="1"/>
+                </p:ext>
+              </p:extLst>
+            </p:nvPr>
+          </p:nvSpPr>
+          <p:spPr>
+            <a:xfrm>
+              <a:off x="5490650" y="308034"/>
+              <a:ext cx="566743" cy="3428999"/>
+            </a:xfrm>
+            <a:prstGeom prst="rect">
+              <a:avLst/>
+            </a:prstGeom>
+            <a:grpFill/>
+            <a:ln>
+              <a:noFill/>
+            </a:ln>
+          </p:spPr>
+          <p:style>
+            <a:lnRef idx="2">
+              <a:schemeClr val="accent1">
+                <a:shade val="50000"/>
+              </a:schemeClr>
+            </a:lnRef>
+            <a:fillRef idx="1">
+              <a:schemeClr val="accent1"/>
+            </a:fillRef>
+            <a:effectRef idx="0">
+              <a:schemeClr val="accent1"/>
+            </a:effectRef>
+            <a:fontRef idx="minor">
+              <a:schemeClr val="lt1"/>
+            </a:fontRef>
+          </p:style>
+          <p:txBody>
+            <a:bodyPr rtlCol="0" anchor="ctr"/>
+            <a:lstStyle/>
+            <a:p>
+              <a:pPr algn="ctr"/>
+              <a:endParaRPr lang="en-US"/>
+            </a:p>
+          </p:txBody>
+        </p:sp>
+      </p:grpSp>
+      <p:sp>
+        <p:nvSpPr>
+          <p:cNvPr id="18" name="Rectangle 17">
+            <a:extLst>
+              <a:ext uri="{FF2B5EF4-FFF2-40B4-BE49-F238E27FC236}">
+                <a16:creationId xmlns:a16="http://schemas.microsoft.com/office/drawing/2014/main" id="{E5E8BC68-63DC-A3CD-F378-1732283C54B1}"/>
+              </a:ext>
+              <a:ext uri="{C183D7F6-B498-43B3-948B-1728B52AA6E4}">
+                <adec:decorative xmlns:adec="http://schemas.microsoft.com/office/drawing/2017/decorative" val="1"/>
+              </a:ext>
+            </a:extLst>
+          </p:cNvPr>
+          <p:cNvSpPr>
+            <a:spLocks noGrp="1" noRot="1" noChangeAspect="1" noMove="1" noResize="1" noEditPoints="1" noAdjustHandles="1" noChangeArrowheads="1" noChangeShapeType="1" noTextEdit="1"/>
+          </p:cNvSpPr>
+          <p:nvPr>
+            <p:extLst>
+              <p:ext uri="{386F3935-93C4-4BCD-93E2-E3B085C9AB24}">
+                <p16:designElem xmlns:p16="http://schemas.microsoft.com/office/powerpoint/2015/main" val="1"/>
+              </p:ext>
+            </p:extLst>
+          </p:nvPr>
+        </p:nvSpPr>
+        <p:spPr>
+          <a:xfrm flipH="1">
+            <a:off x="10697670" y="0"/>
+            <a:ext cx="1494330" cy="6858000"/>
+          </a:xfrm>
+          <a:prstGeom prst="rect">
+            <a:avLst/>
+          </a:prstGeom>
+          <a:solidFill>
+            <a:schemeClr val="accent4"/>
+          </a:solidFill>
+          <a:ln>
+            <a:noFill/>
+          </a:ln>
+        </p:spPr>
+        <p:style>
+          <a:lnRef idx="2">
+            <a:schemeClr val="accent1">
+              <a:shade val="50000"/>
+            </a:schemeClr>
+          </a:lnRef>
+          <a:fillRef idx="1">
+            <a:schemeClr val="accent1"/>
+          </a:fillRef>
+          <a:effectRef idx="0">
+            <a:schemeClr val="accent1"/>
+          </a:effectRef>
+          <a:fontRef idx="minor">
+            <a:schemeClr val="lt1"/>
+          </a:fontRef>
+        </p:style>
+        <p:txBody>
+          <a:bodyPr rtlCol="0" anchor="ctr"/>
+          <a:lstStyle/>
+          <a:p>
+            <a:pPr algn="ctr"/>
+            <a:endParaRPr lang="en-US"/>
+          </a:p>
+        </p:txBody>
+      </p:sp>
+      <p:sp>
+        <p:nvSpPr>
+          <p:cNvPr id="20" name="Rectangle 19">
+            <a:extLst>
+              <a:ext uri="{FF2B5EF4-FFF2-40B4-BE49-F238E27FC236}">
+                <a16:creationId xmlns:a16="http://schemas.microsoft.com/office/drawing/2014/main" id="{9952A134-25AD-30D2-F28B-E4ECEFEEF41F}"/>
+              </a:ext>
+              <a:ext uri="{C183D7F6-B498-43B3-948B-1728B52AA6E4}">
+                <adec:decorative xmlns:adec="http://schemas.microsoft.com/office/drawing/2017/decorative" val="1"/>
+              </a:ext>
+            </a:extLst>
+          </p:cNvPr>
+          <p:cNvSpPr>
+            <a:spLocks noGrp="1" noRot="1" noChangeAspect="1" noMove="1" noResize="1" noEditPoints="1" noAdjustHandles="1" noChangeArrowheads="1" noChangeShapeType="1" noTextEdit="1"/>
+          </p:cNvSpPr>
+          <p:nvPr>
+            <p:extLst>
+              <p:ext uri="{386F3935-93C4-4BCD-93E2-E3B085C9AB24}">
+                <p16:designElem xmlns:p16="http://schemas.microsoft.com/office/powerpoint/2015/main" val="1"/>
+              </p:ext>
+            </p:extLst>
+          </p:nvPr>
+        </p:nvSpPr>
+        <p:spPr>
+          <a:xfrm>
+            <a:off x="5685810" y="391886"/>
+            <a:ext cx="6009366" cy="6017078"/>
+          </a:xfrm>
+          <a:prstGeom prst="rect">
+            <a:avLst/>
+          </a:prstGeom>
+          <a:solidFill>
+            <a:schemeClr val="bg1"/>
+          </a:solidFill>
+          <a:ln>
+            <a:noFill/>
+          </a:ln>
+          <a:effectLst>
+            <a:outerShdw blurRad="139700" dist="127000" dir="5400000" algn="t" rotWithShape="0">
+              <a:prstClr val="black">
+                <a:alpha val="15000"/>
+              </a:prstClr>
+            </a:outerShdw>
+          </a:effectLst>
+        </p:spPr>
+        <p:style>
+          <a:lnRef idx="2">
+            <a:schemeClr val="accent1">
+              <a:shade val="50000"/>
+            </a:schemeClr>
+          </a:lnRef>
+          <a:fillRef idx="1">
+            <a:schemeClr val="accent1"/>
+          </a:fillRef>
+          <a:effectRef idx="0">
+            <a:schemeClr val="accent1"/>
+          </a:effectRef>
+          <a:fontRef idx="minor">
+            <a:schemeClr val="lt1"/>
+          </a:fontRef>
+        </p:style>
+        <p:txBody>
+          <a:bodyPr rtlCol="0" anchor="ctr"/>
+          <a:lstStyle/>
+          <a:p>
+            <a:pPr algn="ctr"/>
+            <a:endParaRPr lang="en-US"/>
+          </a:p>
+        </p:txBody>
+      </p:sp>
+      <p:sp>
+        <p:nvSpPr>
+          <p:cNvPr id="4" name="Tijdelijke aanduiding voor inhoud 3">
+            <a:extLst>
+              <a:ext uri="{FF2B5EF4-FFF2-40B4-BE49-F238E27FC236}">
+                <a16:creationId xmlns:a16="http://schemas.microsoft.com/office/drawing/2014/main" id="{D8CF2C18-A9DA-A3FC-3585-A72B10420B88}"/>
+              </a:ext>
+            </a:extLst>
+          </p:cNvPr>
+          <p:cNvSpPr>
+            <a:spLocks noGrp="1"/>
+          </p:cNvSpPr>
+          <p:nvPr>
+            <p:ph idx="1"/>
+          </p:nvPr>
+        </p:nvSpPr>
+        <p:spPr>
+          <a:xfrm>
+            <a:off x="838200" y="1825625"/>
+            <a:ext cx="10515600" cy="4351338"/>
+          </a:xfrm>
+        </p:spPr>
+        <p:txBody>
+          <a:bodyPr/>
+          <a:lstStyle/>
+          <a:p>
+            <a:endParaRPr lang="nl-NL" dirty="0"/>
+          </a:p>
+          <a:p>
+            <a:pPr marL="0" indent="0">
+              <a:buNone/>
+            </a:pPr>
+            <a:endParaRPr lang="nl-NL" dirty="0"/>
+          </a:p>
+          <a:p>
+            <a:pPr marL="0" indent="0">
+              <a:buNone/>
+            </a:pPr>
+            <a:endParaRPr lang="nl-NL" dirty="0"/>
+          </a:p>
+          <a:p>
+            <a:pPr marL="0" indent="0">
+              <a:buNone/>
+            </a:pPr>
+            <a:endParaRPr lang="nl-NL" dirty="0"/>
+          </a:p>
+          <a:p>
+            <a:pPr marL="0" indent="0">
+              <a:buNone/>
+            </a:pPr>
+            <a:endParaRPr lang="nl-NL" dirty="0"/>
+          </a:p>
+        </p:txBody>
+      </p:sp>
+      <p:pic>
+        <p:nvPicPr>
+          <p:cNvPr id="7" name="Afbeelding 6" descr="Afbeelding met piano, Elektronisch instrument, Keyboard, Elektronisch muziekinstrument&#10;&#10;Door AI gegenereerde inhoud is mogelijk onjuist.">
+            <a:extLst>
+              <a:ext uri="{FF2B5EF4-FFF2-40B4-BE49-F238E27FC236}">
+                <a16:creationId xmlns:a16="http://schemas.microsoft.com/office/drawing/2014/main" id="{3ED4F1B9-F529-C52C-68E5-DD293E1DBF7C}"/>
+              </a:ext>
+            </a:extLst>
+          </p:cNvPr>
+          <p:cNvPicPr>
+            <a:picLocks noChangeAspect="1"/>
+          </p:cNvPicPr>
+          <p:nvPr/>
+        </p:nvPicPr>
+        <p:blipFill>
+          <a:blip r:embed="rId2"/>
+          <a:stretch>
+            <a:fillRect/>
+          </a:stretch>
+        </p:blipFill>
+        <p:spPr>
+          <a:xfrm>
+            <a:off x="5861150" y="912494"/>
+            <a:ext cx="5032375" cy="5032375"/>
+          </a:xfrm>
+          <a:prstGeom prst="rect">
+            <a:avLst/>
+          </a:prstGeom>
+        </p:spPr>
+      </p:pic>
+    </p:spTree>
+    <p:extLst>
+      <p:ext uri="{BB962C8B-B14F-4D97-AF65-F5344CB8AC3E}">
+        <p14:creationId xmlns:p14="http://schemas.microsoft.com/office/powerpoint/2010/main" val="4282572514"/>
+      </p:ext>
+    </p:extLst>
+  </p:cSld>
+  <p:clrMapOvr>
+    <a:masterClrMapping/>
+  </p:clrMapOvr>
+</p:sld>
+</file>
+
+<file path=ppt/slides/slide11.xml><?xml version="1.0" encoding="utf-8"?>
+<p:sld xmlns:a="http://schemas.openxmlformats.org/drawingml/2006/main" xmlns:r="http://schemas.openxmlformats.org/officeDocument/2006/relationships" xmlns:p="http://schemas.openxmlformats.org/presentationml/2006/main">
+  <p:cSld>
+    <p:bg>
+      <p:bgPr>
+        <a:solidFill>
+          <a:schemeClr val="bg1"/>
+        </a:solidFill>
+        <a:effectLst/>
+      </p:bgPr>
+    </p:bg>
+    <p:spTree>
+      <p:nvGrpSpPr>
+        <p:cNvPr id="1" name="">
+          <a:extLst>
+            <a:ext uri="{FF2B5EF4-FFF2-40B4-BE49-F238E27FC236}">
+              <a16:creationId xmlns:a16="http://schemas.microsoft.com/office/drawing/2014/main" id="{FB4E4688-E4EC-B223-90FF-D679101B9E35}"/>
+            </a:ext>
+          </a:extLst>
+        </p:cNvPr>
+        <p:cNvGrpSpPr/>
+        <p:nvPr/>
+      </p:nvGrpSpPr>
+      <p:grpSpPr>
+        <a:xfrm>
+          <a:off x="0" y="0"/>
+          <a:ext cx="0" cy="0"/>
+          <a:chOff x="0" y="0"/>
+          <a:chExt cx="0" cy="0"/>
+        </a:xfrm>
+      </p:grpSpPr>
+      <p:sp useBgFill="1">
+        <p:nvSpPr>
+          <p:cNvPr id="11" name="Rectangle 10">
+            <a:extLst>
+              <a:ext uri="{FF2B5EF4-FFF2-40B4-BE49-F238E27FC236}">
+                <a16:creationId xmlns:a16="http://schemas.microsoft.com/office/drawing/2014/main" id="{FC4D9652-086B-4075-044E-57323BC107BF}"/>
+              </a:ext>
+              <a:ext uri="{C183D7F6-B498-43B3-948B-1728B52AA6E4}">
+                <adec:decorative xmlns:adec="http://schemas.microsoft.com/office/drawing/2017/decorative" val="1"/>
+              </a:ext>
+            </a:extLst>
+          </p:cNvPr>
+          <p:cNvSpPr>
+            <a:spLocks noGrp="1" noRot="1" noChangeAspect="1" noMove="1" noResize="1" noEditPoints="1" noAdjustHandles="1" noChangeArrowheads="1" noChangeShapeType="1" noTextEdit="1"/>
+          </p:cNvSpPr>
+          <p:nvPr>
+            <p:extLst>
+              <p:ext uri="{386F3935-93C4-4BCD-93E2-E3B085C9AB24}">
+                <p16:designElem xmlns:p16="http://schemas.microsoft.com/office/powerpoint/2015/main" val="1"/>
+              </p:ext>
+            </p:extLst>
+          </p:nvPr>
+        </p:nvSpPr>
+        <p:spPr>
+          <a:xfrm>
+            <a:off x="0" y="0"/>
+            <a:ext cx="12191999" cy="6857365"/>
+          </a:xfrm>
+          <a:prstGeom prst="rect">
+            <a:avLst/>
+          </a:prstGeom>
+          <a:ln>
+            <a:noFill/>
+          </a:ln>
+        </p:spPr>
+        <p:style>
+          <a:lnRef idx="2">
+            <a:schemeClr val="accent1">
+              <a:shade val="50000"/>
+            </a:schemeClr>
+          </a:lnRef>
+          <a:fillRef idx="1">
+            <a:schemeClr val="accent1"/>
+          </a:fillRef>
+          <a:effectRef idx="0">
+            <a:schemeClr val="accent1"/>
+          </a:effectRef>
+          <a:fontRef idx="minor">
+            <a:schemeClr val="lt1"/>
+          </a:fontRef>
+        </p:style>
+        <p:txBody>
+          <a:bodyPr rtlCol="0" anchor="ctr"/>
+          <a:lstStyle/>
+          <a:p>
+            <a:pPr algn="ctr"/>
+            <a:endParaRPr lang="en-US"/>
+          </a:p>
+        </p:txBody>
+      </p:sp>
+      <p:sp>
+        <p:nvSpPr>
+          <p:cNvPr id="2" name="Titel 1">
+            <a:extLst>
+              <a:ext uri="{FF2B5EF4-FFF2-40B4-BE49-F238E27FC236}">
+                <a16:creationId xmlns:a16="http://schemas.microsoft.com/office/drawing/2014/main" id="{3DE7EC2F-B066-0C7F-3775-2842B822202F}"/>
+              </a:ext>
+            </a:extLst>
+          </p:cNvPr>
+          <p:cNvSpPr>
+            <a:spLocks noGrp="1"/>
+          </p:cNvSpPr>
+          <p:nvPr>
+            <p:ph type="title"/>
+          </p:nvPr>
+        </p:nvSpPr>
+        <p:spPr>
+          <a:xfrm>
+            <a:off x="927376" y="1273410"/>
+            <a:ext cx="7220337" cy="4770084"/>
+          </a:xfrm>
+        </p:spPr>
+        <p:txBody>
+          <a:bodyPr vert="horz" lIns="91440" tIns="45720" rIns="91440" bIns="45720" rtlCol="0" anchor="t">
+            <a:normAutofit fontScale="90000"/>
+          </a:bodyPr>
+          <a:lstStyle/>
+          <a:p>
+            <a:r>
+              <a:rPr lang="en-US" sz="5400" dirty="0"/>
+              <a:t>Program Change =</a:t>
+            </a:r>
+            <a:br>
+              <a:rPr lang="en-US" sz="5400" kern="1200" dirty="0">
+                <a:solidFill>
+                  <a:schemeClr val="tx1"/>
+                </a:solidFill>
+                <a:latin typeface="+mj-lt"/>
+                <a:ea typeface="+mj-ea"/>
+                <a:cs typeface="+mj-cs"/>
+              </a:rPr>
+            </a:br>
+            <a:r>
+              <a:rPr lang="en-US" sz="5400" kern="1200" dirty="0">
+                <a:solidFill>
+                  <a:schemeClr val="tx1"/>
+                </a:solidFill>
+                <a:latin typeface="+mj-lt"/>
+                <a:ea typeface="+mj-ea"/>
+                <a:cs typeface="+mj-cs"/>
+              </a:rPr>
+              <a:t>Program No. + </a:t>
+            </a:r>
+            <a:br>
+              <a:rPr lang="en-US" sz="5400" kern="1200" dirty="0">
+                <a:solidFill>
+                  <a:schemeClr val="tx1"/>
+                </a:solidFill>
+                <a:latin typeface="+mj-lt"/>
+                <a:ea typeface="+mj-ea"/>
+                <a:cs typeface="+mj-cs"/>
+              </a:rPr>
+            </a:br>
+            <a:r>
+              <a:rPr lang="en-US" sz="5400" kern="1200" dirty="0">
+                <a:solidFill>
+                  <a:schemeClr val="tx1"/>
+                </a:solidFill>
+                <a:latin typeface="+mj-lt"/>
+                <a:ea typeface="+mj-ea"/>
+                <a:cs typeface="+mj-cs"/>
+              </a:rPr>
+              <a:t>Channel</a:t>
+            </a:r>
+            <a:br>
+              <a:rPr lang="en-US" sz="5400" kern="1200" dirty="0">
+                <a:solidFill>
+                  <a:schemeClr val="tx1"/>
+                </a:solidFill>
+                <a:latin typeface="+mj-lt"/>
+                <a:ea typeface="+mj-ea"/>
+                <a:cs typeface="+mj-cs"/>
+              </a:rPr>
+            </a:br>
+            <a:br>
+              <a:rPr lang="en-US" sz="5400" kern="1200" dirty="0">
+                <a:solidFill>
+                  <a:schemeClr val="tx1"/>
+                </a:solidFill>
+                <a:latin typeface="+mj-lt"/>
+                <a:ea typeface="+mj-ea"/>
+                <a:cs typeface="+mj-cs"/>
+              </a:rPr>
+            </a:br>
+            <a:r>
+              <a:rPr lang="en-US" sz="3600" kern="1200" dirty="0">
+                <a:solidFill>
+                  <a:schemeClr val="tx1"/>
+                </a:solidFill>
+                <a:latin typeface="+mj-lt"/>
+                <a:ea typeface="+mj-ea"/>
+                <a:cs typeface="+mj-cs"/>
+              </a:rPr>
+              <a:t>Program No. = 0 – 127</a:t>
+            </a:r>
+            <a:br>
+              <a:rPr lang="en-US" sz="3600" kern="1200" dirty="0">
+                <a:solidFill>
+                  <a:schemeClr val="tx1"/>
+                </a:solidFill>
+                <a:latin typeface="+mj-lt"/>
+                <a:ea typeface="+mj-ea"/>
+                <a:cs typeface="+mj-cs"/>
+              </a:rPr>
+            </a:br>
+            <a:r>
+              <a:rPr lang="en-US" sz="3600" kern="1200" dirty="0">
+                <a:solidFill>
+                  <a:schemeClr val="tx1"/>
+                </a:solidFill>
+                <a:latin typeface="+mj-lt"/>
+                <a:ea typeface="+mj-ea"/>
+                <a:cs typeface="+mj-cs"/>
+              </a:rPr>
+              <a:t>Channel = 1 – 16</a:t>
+            </a:r>
+            <a:br>
+              <a:rPr lang="en-US" sz="3200" kern="1200" dirty="0">
+                <a:solidFill>
+                  <a:schemeClr val="tx1"/>
+                </a:solidFill>
+                <a:latin typeface="+mj-lt"/>
+                <a:ea typeface="+mj-ea"/>
+                <a:cs typeface="+mj-cs"/>
+              </a:rPr>
+            </a:br>
+            <a:br>
+              <a:rPr lang="en-US" sz="5400" kern="1200" dirty="0">
+                <a:solidFill>
+                  <a:schemeClr val="tx1"/>
+                </a:solidFill>
+                <a:latin typeface="+mj-lt"/>
+                <a:ea typeface="+mj-ea"/>
+                <a:cs typeface="+mj-cs"/>
+              </a:rPr>
+            </a:br>
+            <a:endParaRPr lang="en-US" sz="5400" kern="1200" dirty="0">
+              <a:solidFill>
+                <a:schemeClr val="tx1"/>
+              </a:solidFill>
+              <a:latin typeface="+mj-lt"/>
+              <a:ea typeface="+mj-ea"/>
+              <a:cs typeface="+mj-cs"/>
+            </a:endParaRPr>
+          </a:p>
+        </p:txBody>
+      </p:sp>
+      <p:grpSp>
+        <p:nvGrpSpPr>
+          <p:cNvPr id="13" name="Group 12">
+            <a:extLst>
+              <a:ext uri="{FF2B5EF4-FFF2-40B4-BE49-F238E27FC236}">
+                <a16:creationId xmlns:a16="http://schemas.microsoft.com/office/drawing/2014/main" id="{995DA348-4005-066F-D5B9-45049C386E87}"/>
+              </a:ext>
+              <a:ext uri="{C183D7F6-B498-43B3-948B-1728B52AA6E4}">
+                <adec:decorative xmlns:adec="http://schemas.microsoft.com/office/drawing/2017/decorative" val="1"/>
+              </a:ext>
+            </a:extLst>
+          </p:cNvPr>
+          <p:cNvGrpSpPr>
+            <a:grpSpLocks noGrp="1" noUngrp="1" noRot="1" noChangeAspect="1" noMove="1" noResize="1"/>
+          </p:cNvGrpSpPr>
+          <p:nvPr>
+            <p:extLst>
+              <p:ext uri="{386F3935-93C4-4BCD-93E2-E3B085C9AB24}">
+                <p16:designElem xmlns:p16="http://schemas.microsoft.com/office/powerpoint/2015/main" val="1"/>
+              </p:ext>
+            </p:extLst>
+          </p:nvPr>
+        </p:nvGrpSpPr>
+        <p:grpSpPr>
+          <a:xfrm>
+            <a:off x="0" y="2984992"/>
+            <a:ext cx="731521" cy="673460"/>
+            <a:chOff x="3940602" y="308034"/>
+            <a:chExt cx="2116791" cy="3428999"/>
+          </a:xfrm>
+          <a:solidFill>
+            <a:schemeClr val="accent4"/>
+          </a:solidFill>
+        </p:grpSpPr>
+        <p:sp>
+          <p:nvSpPr>
+            <p:cNvPr id="14" name="Rectangle 13">
+              <a:extLst>
+                <a:ext uri="{FF2B5EF4-FFF2-40B4-BE49-F238E27FC236}">
+                  <a16:creationId xmlns:a16="http://schemas.microsoft.com/office/drawing/2014/main" id="{5D94D807-6223-E48C-CFB6-E2C0DC2EB5F3}"/>
+                </a:ext>
+                <a:ext uri="{C183D7F6-B498-43B3-948B-1728B52AA6E4}">
+                  <adec:decorative xmlns:adec="http://schemas.microsoft.com/office/drawing/2017/decorative" val="1"/>
+                </a:ext>
+              </a:extLst>
+            </p:cNvPr>
+            <p:cNvSpPr/>
+            <p:nvPr>
+              <p:extLst>
+                <p:ext uri="{386F3935-93C4-4BCD-93E2-E3B085C9AB24}">
+                  <p16:designElem xmlns:p16="http://schemas.microsoft.com/office/powerpoint/2015/main" val="1"/>
+                </p:ext>
+              </p:extLst>
+            </p:nvPr>
+          </p:nvSpPr>
+          <p:spPr>
+            <a:xfrm>
+              <a:off x="3940602" y="308034"/>
+              <a:ext cx="566743" cy="3428999"/>
+            </a:xfrm>
+            <a:prstGeom prst="rect">
+              <a:avLst/>
+            </a:prstGeom>
+            <a:grpFill/>
+            <a:ln>
+              <a:noFill/>
+            </a:ln>
+          </p:spPr>
+          <p:style>
+            <a:lnRef idx="2">
+              <a:schemeClr val="accent1">
+                <a:shade val="50000"/>
+              </a:schemeClr>
+            </a:lnRef>
+            <a:fillRef idx="1">
+              <a:schemeClr val="accent1"/>
+            </a:fillRef>
+            <a:effectRef idx="0">
+              <a:schemeClr val="accent1"/>
+            </a:effectRef>
+            <a:fontRef idx="minor">
+              <a:schemeClr val="lt1"/>
+            </a:fontRef>
+          </p:style>
+          <p:txBody>
+            <a:bodyPr rtlCol="0" anchor="ctr"/>
+            <a:lstStyle/>
+            <a:p>
+              <a:pPr algn="ctr"/>
+              <a:endParaRPr lang="en-US"/>
+            </a:p>
+          </p:txBody>
+        </p:sp>
+        <p:sp>
+          <p:nvSpPr>
+            <p:cNvPr id="15" name="Rectangle 14">
+              <a:extLst>
+                <a:ext uri="{FF2B5EF4-FFF2-40B4-BE49-F238E27FC236}">
+                  <a16:creationId xmlns:a16="http://schemas.microsoft.com/office/drawing/2014/main" id="{4DA68953-248F-E07F-1ED1-3C67D8BBD97D}"/>
+                </a:ext>
+                <a:ext uri="{C183D7F6-B498-43B3-948B-1728B52AA6E4}">
+                  <adec:decorative xmlns:adec="http://schemas.microsoft.com/office/drawing/2017/decorative" val="1"/>
+                </a:ext>
+              </a:extLst>
+            </p:cNvPr>
+            <p:cNvSpPr/>
+            <p:nvPr>
+              <p:extLst>
+                <p:ext uri="{386F3935-93C4-4BCD-93E2-E3B085C9AB24}">
+                  <p16:designElem xmlns:p16="http://schemas.microsoft.com/office/powerpoint/2015/main" val="1"/>
+                </p:ext>
+              </p:extLst>
+            </p:nvPr>
+          </p:nvSpPr>
+          <p:spPr>
+            <a:xfrm>
+              <a:off x="4715626" y="308034"/>
+              <a:ext cx="566743" cy="3428999"/>
+            </a:xfrm>
+            <a:prstGeom prst="rect">
+              <a:avLst/>
+            </a:prstGeom>
+            <a:grpFill/>
+            <a:ln>
+              <a:noFill/>
+            </a:ln>
+          </p:spPr>
+          <p:style>
+            <a:lnRef idx="2">
+              <a:schemeClr val="accent1">
+                <a:shade val="50000"/>
+              </a:schemeClr>
+            </a:lnRef>
+            <a:fillRef idx="1">
+              <a:schemeClr val="accent1"/>
+            </a:fillRef>
+            <a:effectRef idx="0">
+              <a:schemeClr val="accent1"/>
+            </a:effectRef>
+            <a:fontRef idx="minor">
+              <a:schemeClr val="lt1"/>
+            </a:fontRef>
+          </p:style>
+          <p:txBody>
+            <a:bodyPr rtlCol="0" anchor="ctr"/>
+            <a:lstStyle/>
+            <a:p>
+              <a:pPr algn="ctr"/>
+              <a:endParaRPr lang="en-US"/>
+            </a:p>
+          </p:txBody>
+        </p:sp>
+        <p:sp>
+          <p:nvSpPr>
+            <p:cNvPr id="16" name="Rectangle 15">
+              <a:extLst>
+                <a:ext uri="{FF2B5EF4-FFF2-40B4-BE49-F238E27FC236}">
+                  <a16:creationId xmlns:a16="http://schemas.microsoft.com/office/drawing/2014/main" id="{01A5F164-50F5-6E16-9036-9C9BF2A01F70}"/>
+                </a:ext>
+                <a:ext uri="{C183D7F6-B498-43B3-948B-1728B52AA6E4}">
+                  <adec:decorative xmlns:adec="http://schemas.microsoft.com/office/drawing/2017/decorative" val="1"/>
+                </a:ext>
+              </a:extLst>
+            </p:cNvPr>
+            <p:cNvSpPr/>
+            <p:nvPr>
+              <p:extLst>
+                <p:ext uri="{386F3935-93C4-4BCD-93E2-E3B085C9AB24}">
+                  <p16:designElem xmlns:p16="http://schemas.microsoft.com/office/powerpoint/2015/main" val="1"/>
+                </p:ext>
+              </p:extLst>
+            </p:nvPr>
+          </p:nvSpPr>
+          <p:spPr>
+            <a:xfrm>
+              <a:off x="5490650" y="308034"/>
+              <a:ext cx="566743" cy="3428999"/>
+            </a:xfrm>
+            <a:prstGeom prst="rect">
+              <a:avLst/>
+            </a:prstGeom>
+            <a:grpFill/>
+            <a:ln>
+              <a:noFill/>
+            </a:ln>
+          </p:spPr>
+          <p:style>
+            <a:lnRef idx="2">
+              <a:schemeClr val="accent1">
+                <a:shade val="50000"/>
+              </a:schemeClr>
+            </a:lnRef>
+            <a:fillRef idx="1">
+              <a:schemeClr val="accent1"/>
+            </a:fillRef>
+            <a:effectRef idx="0">
+              <a:schemeClr val="accent1"/>
+            </a:effectRef>
+            <a:fontRef idx="minor">
+              <a:schemeClr val="lt1"/>
+            </a:fontRef>
+          </p:style>
+          <p:txBody>
+            <a:bodyPr rtlCol="0" anchor="ctr"/>
+            <a:lstStyle/>
+            <a:p>
+              <a:pPr algn="ctr"/>
+              <a:endParaRPr lang="en-US"/>
+            </a:p>
+          </p:txBody>
+        </p:sp>
+      </p:grpSp>
+      <p:sp>
+        <p:nvSpPr>
+          <p:cNvPr id="18" name="Rectangle 17">
+            <a:extLst>
+              <a:ext uri="{FF2B5EF4-FFF2-40B4-BE49-F238E27FC236}">
+                <a16:creationId xmlns:a16="http://schemas.microsoft.com/office/drawing/2014/main" id="{413F38F7-5A32-EFD0-922D-DAF9CFAD6298}"/>
+              </a:ext>
+              <a:ext uri="{C183D7F6-B498-43B3-948B-1728B52AA6E4}">
+                <adec:decorative xmlns:adec="http://schemas.microsoft.com/office/drawing/2017/decorative" val="1"/>
+              </a:ext>
+            </a:extLst>
+          </p:cNvPr>
+          <p:cNvSpPr>
+            <a:spLocks noGrp="1" noRot="1" noChangeAspect="1" noMove="1" noResize="1" noEditPoints="1" noAdjustHandles="1" noChangeArrowheads="1" noChangeShapeType="1" noTextEdit="1"/>
+          </p:cNvSpPr>
+          <p:nvPr>
+            <p:extLst>
+              <p:ext uri="{386F3935-93C4-4BCD-93E2-E3B085C9AB24}">
+                <p16:designElem xmlns:p16="http://schemas.microsoft.com/office/powerpoint/2015/main" val="1"/>
+              </p:ext>
+            </p:extLst>
+          </p:nvPr>
+        </p:nvSpPr>
+        <p:spPr>
+          <a:xfrm flipH="1">
+            <a:off x="10697670" y="0"/>
+            <a:ext cx="1494330" cy="6858000"/>
+          </a:xfrm>
+          <a:prstGeom prst="rect">
+            <a:avLst/>
+          </a:prstGeom>
+          <a:solidFill>
+            <a:schemeClr val="accent4"/>
+          </a:solidFill>
+          <a:ln>
+            <a:noFill/>
+          </a:ln>
+        </p:spPr>
+        <p:style>
+          <a:lnRef idx="2">
+            <a:schemeClr val="accent1">
+              <a:shade val="50000"/>
+            </a:schemeClr>
+          </a:lnRef>
+          <a:fillRef idx="1">
+            <a:schemeClr val="accent1"/>
+          </a:fillRef>
+          <a:effectRef idx="0">
+            <a:schemeClr val="accent1"/>
+          </a:effectRef>
+          <a:fontRef idx="minor">
+            <a:schemeClr val="lt1"/>
+          </a:fontRef>
+        </p:style>
+        <p:txBody>
+          <a:bodyPr rtlCol="0" anchor="ctr"/>
+          <a:lstStyle/>
+          <a:p>
+            <a:pPr algn="ctr"/>
+            <a:endParaRPr lang="en-US"/>
+          </a:p>
+        </p:txBody>
+      </p:sp>
+      <p:sp>
+        <p:nvSpPr>
+          <p:cNvPr id="20" name="Rectangle 19">
+            <a:extLst>
+              <a:ext uri="{FF2B5EF4-FFF2-40B4-BE49-F238E27FC236}">
+                <a16:creationId xmlns:a16="http://schemas.microsoft.com/office/drawing/2014/main" id="{00060C6D-4836-D0BC-B114-43752CD8A3B5}"/>
+              </a:ext>
+              <a:ext uri="{C183D7F6-B498-43B3-948B-1728B52AA6E4}">
+                <adec:decorative xmlns:adec="http://schemas.microsoft.com/office/drawing/2017/decorative" val="1"/>
+              </a:ext>
+            </a:extLst>
+          </p:cNvPr>
+          <p:cNvSpPr>
+            <a:spLocks noGrp="1" noRot="1" noChangeAspect="1" noMove="1" noResize="1" noEditPoints="1" noAdjustHandles="1" noChangeArrowheads="1" noChangeShapeType="1" noTextEdit="1"/>
+          </p:cNvSpPr>
+          <p:nvPr>
+            <p:extLst>
+              <p:ext uri="{386F3935-93C4-4BCD-93E2-E3B085C9AB24}">
+                <p16:designElem xmlns:p16="http://schemas.microsoft.com/office/powerpoint/2015/main" val="1"/>
+              </p:ext>
+            </p:extLst>
+          </p:nvPr>
+        </p:nvSpPr>
+        <p:spPr>
+          <a:xfrm>
+            <a:off x="5685810" y="391886"/>
+            <a:ext cx="6009366" cy="6017078"/>
+          </a:xfrm>
+          <a:prstGeom prst="rect">
+            <a:avLst/>
+          </a:prstGeom>
+          <a:solidFill>
+            <a:schemeClr val="bg1"/>
+          </a:solidFill>
+          <a:ln>
+            <a:noFill/>
+          </a:ln>
+          <a:effectLst>
+            <a:outerShdw blurRad="139700" dist="127000" dir="5400000" algn="t" rotWithShape="0">
+              <a:prstClr val="black">
+                <a:alpha val="15000"/>
+              </a:prstClr>
+            </a:outerShdw>
+          </a:effectLst>
+        </p:spPr>
+        <p:style>
+          <a:lnRef idx="2">
+            <a:schemeClr val="accent1">
+              <a:shade val="50000"/>
+            </a:schemeClr>
+          </a:lnRef>
+          <a:fillRef idx="1">
+            <a:schemeClr val="accent1"/>
+          </a:fillRef>
+          <a:effectRef idx="0">
+            <a:schemeClr val="accent1"/>
+          </a:effectRef>
+          <a:fontRef idx="minor">
+            <a:schemeClr val="lt1"/>
+          </a:fontRef>
+        </p:style>
+        <p:txBody>
+          <a:bodyPr rtlCol="0" anchor="ctr"/>
+          <a:lstStyle/>
+          <a:p>
+            <a:pPr algn="ctr"/>
+            <a:endParaRPr lang="en-US"/>
+          </a:p>
+        </p:txBody>
+      </p:sp>
+      <p:pic>
+        <p:nvPicPr>
+          <p:cNvPr id="8" name="Afbeelding 7" descr="Afbeelding met elektronica, rekenmachine&#10;&#10;Door AI gegenereerde inhoud is mogelijk onjuist.">
+            <a:extLst>
+              <a:ext uri="{FF2B5EF4-FFF2-40B4-BE49-F238E27FC236}">
+                <a16:creationId xmlns:a16="http://schemas.microsoft.com/office/drawing/2014/main" id="{54C4F72D-97CA-8F71-7824-5C6B12E271E6}"/>
+              </a:ext>
+            </a:extLst>
+          </p:cNvPr>
+          <p:cNvPicPr>
+            <a:picLocks noChangeAspect="1"/>
+          </p:cNvPicPr>
+          <p:nvPr/>
+        </p:nvPicPr>
+        <p:blipFill>
+          <a:blip r:embed="rId2"/>
+          <a:stretch>
+            <a:fillRect/>
+          </a:stretch>
+        </p:blipFill>
+        <p:spPr>
+          <a:xfrm>
+            <a:off x="6149498" y="997622"/>
+            <a:ext cx="4762500" cy="4648200"/>
+          </a:xfrm>
+          <a:prstGeom prst="rect">
+            <a:avLst/>
+          </a:prstGeom>
+        </p:spPr>
+      </p:pic>
+    </p:spTree>
+    <p:extLst>
+      <p:ext uri="{BB962C8B-B14F-4D97-AF65-F5344CB8AC3E}">
+        <p14:creationId xmlns:p14="http://schemas.microsoft.com/office/powerpoint/2010/main" val="2171095301"/>
+      </p:ext>
+    </p:extLst>
+  </p:cSld>
+  <p:clrMapOvr>
+    <a:masterClrMapping/>
+  </p:clrMapOvr>
+</p:sld>
+</file>
+
+<file path=ppt/slides/slide12.xml><?xml version="1.0" encoding="utf-8"?>
+<p:sld xmlns:a="http://schemas.openxmlformats.org/drawingml/2006/main" xmlns:r="http://schemas.openxmlformats.org/officeDocument/2006/relationships" xmlns:p="http://schemas.openxmlformats.org/presentationml/2006/main">
+  <p:cSld>
+    <p:bg>
+      <p:bgPr>
+        <a:solidFill>
+          <a:schemeClr val="bg1"/>
+        </a:solidFill>
+        <a:effectLst/>
+      </p:bgPr>
+    </p:bg>
+    <p:spTree>
+      <p:nvGrpSpPr>
+        <p:cNvPr id="1" name="">
+          <a:extLst>
+            <a:ext uri="{FF2B5EF4-FFF2-40B4-BE49-F238E27FC236}">
+              <a16:creationId xmlns:a16="http://schemas.microsoft.com/office/drawing/2014/main" id="{CB7D4364-364C-85FA-CD2C-DFF2D0A6495B}"/>
+            </a:ext>
+          </a:extLst>
+        </p:cNvPr>
+        <p:cNvGrpSpPr/>
+        <p:nvPr/>
+      </p:nvGrpSpPr>
+      <p:grpSpPr>
+        <a:xfrm>
+          <a:off x="0" y="0"/>
+          <a:ext cx="0" cy="0"/>
+          <a:chOff x="0" y="0"/>
+          <a:chExt cx="0" cy="0"/>
+        </a:xfrm>
+      </p:grpSpPr>
+      <p:sp useBgFill="1">
+        <p:nvSpPr>
+          <p:cNvPr id="11" name="Rectangle 10">
+            <a:extLst>
+              <a:ext uri="{FF2B5EF4-FFF2-40B4-BE49-F238E27FC236}">
+                <a16:creationId xmlns:a16="http://schemas.microsoft.com/office/drawing/2014/main" id="{FD716CFB-C1F7-4800-1E61-00EAC71FC4B1}"/>
+              </a:ext>
+              <a:ext uri="{C183D7F6-B498-43B3-948B-1728B52AA6E4}">
+                <adec:decorative xmlns:adec="http://schemas.microsoft.com/office/drawing/2017/decorative" val="1"/>
+              </a:ext>
+            </a:extLst>
+          </p:cNvPr>
+          <p:cNvSpPr>
+            <a:spLocks noGrp="1" noRot="1" noChangeAspect="1" noMove="1" noResize="1" noEditPoints="1" noAdjustHandles="1" noChangeArrowheads="1" noChangeShapeType="1" noTextEdit="1"/>
+          </p:cNvSpPr>
+          <p:nvPr>
+            <p:extLst>
+              <p:ext uri="{386F3935-93C4-4BCD-93E2-E3B085C9AB24}">
+                <p16:designElem xmlns:p16="http://schemas.microsoft.com/office/powerpoint/2015/main" val="1"/>
+              </p:ext>
+            </p:extLst>
+          </p:nvPr>
+        </p:nvSpPr>
+        <p:spPr>
+          <a:xfrm>
+            <a:off x="0" y="0"/>
+            <a:ext cx="12191999" cy="6857365"/>
+          </a:xfrm>
+          <a:prstGeom prst="rect">
+            <a:avLst/>
+          </a:prstGeom>
+          <a:ln>
+            <a:noFill/>
+          </a:ln>
+        </p:spPr>
+        <p:style>
+          <a:lnRef idx="2">
+            <a:schemeClr val="accent1">
+              <a:shade val="50000"/>
+            </a:schemeClr>
+          </a:lnRef>
+          <a:fillRef idx="1">
+            <a:schemeClr val="accent1"/>
+          </a:fillRef>
+          <a:effectRef idx="0">
+            <a:schemeClr val="accent1"/>
+          </a:effectRef>
+          <a:fontRef idx="minor">
+            <a:schemeClr val="lt1"/>
+          </a:fontRef>
+        </p:style>
+        <p:txBody>
+          <a:bodyPr rtlCol="0" anchor="ctr"/>
+          <a:lstStyle/>
+          <a:p>
+            <a:pPr algn="ctr"/>
+            <a:endParaRPr lang="en-US"/>
+          </a:p>
+        </p:txBody>
+      </p:sp>
+      <p:sp>
+        <p:nvSpPr>
+          <p:cNvPr id="2" name="Titel 1">
+            <a:extLst>
+              <a:ext uri="{FF2B5EF4-FFF2-40B4-BE49-F238E27FC236}">
+                <a16:creationId xmlns:a16="http://schemas.microsoft.com/office/drawing/2014/main" id="{8C6FA67D-7748-44B5-C26E-CFF271C7784D}"/>
+              </a:ext>
+            </a:extLst>
+          </p:cNvPr>
+          <p:cNvSpPr>
+            <a:spLocks noGrp="1"/>
+          </p:cNvSpPr>
+          <p:nvPr>
+            <p:ph type="title"/>
+          </p:nvPr>
+        </p:nvSpPr>
+        <p:spPr>
+          <a:xfrm>
+            <a:off x="789391" y="1565434"/>
+            <a:ext cx="5469710" cy="4656024"/>
+          </a:xfrm>
+        </p:spPr>
+        <p:txBody>
+          <a:bodyPr vert="horz" lIns="91440" tIns="45720" rIns="91440" bIns="45720" rtlCol="0" anchor="t">
+            <a:normAutofit/>
+          </a:bodyPr>
+          <a:lstStyle/>
+          <a:p>
+            <a:r>
+              <a:rPr lang="en-US" sz="5400" kern="1200" dirty="0">
+                <a:solidFill>
+                  <a:schemeClr val="tx1"/>
+                </a:solidFill>
+                <a:latin typeface="+mj-lt"/>
+                <a:ea typeface="+mj-ea"/>
+                <a:cs typeface="+mj-cs"/>
+              </a:rPr>
+              <a:t>Pitch Bend =</a:t>
+            </a:r>
+            <a:br>
+              <a:rPr lang="en-US" sz="5400" kern="1200" dirty="0">
+                <a:solidFill>
+                  <a:schemeClr val="tx1"/>
+                </a:solidFill>
+                <a:latin typeface="+mj-lt"/>
+                <a:ea typeface="+mj-ea"/>
+                <a:cs typeface="+mj-cs"/>
+              </a:rPr>
+            </a:br>
+            <a:r>
+              <a:rPr lang="en-US" sz="5400" kern="1200" dirty="0">
+                <a:solidFill>
+                  <a:schemeClr val="tx1"/>
+                </a:solidFill>
+                <a:latin typeface="+mj-lt"/>
+                <a:ea typeface="+mj-ea"/>
+                <a:cs typeface="+mj-cs"/>
+              </a:rPr>
+              <a:t>Value + Channel</a:t>
+            </a:r>
+            <a:br>
+              <a:rPr lang="en-US" sz="5400" kern="1200" dirty="0">
+                <a:solidFill>
+                  <a:schemeClr val="tx1"/>
+                </a:solidFill>
+                <a:latin typeface="+mj-lt"/>
+                <a:ea typeface="+mj-ea"/>
+                <a:cs typeface="+mj-cs"/>
+              </a:rPr>
+            </a:br>
+            <a:br>
+              <a:rPr lang="en-US" sz="5400" kern="1200" dirty="0">
+                <a:solidFill>
+                  <a:schemeClr val="tx1"/>
+                </a:solidFill>
+                <a:latin typeface="+mj-lt"/>
+                <a:ea typeface="+mj-ea"/>
+                <a:cs typeface="+mj-cs"/>
+              </a:rPr>
+            </a:br>
+            <a:r>
+              <a:rPr lang="en-US" sz="3200" kern="1200" dirty="0">
+                <a:solidFill>
+                  <a:schemeClr val="tx1"/>
+                </a:solidFill>
+                <a:latin typeface="+mj-lt"/>
+                <a:ea typeface="+mj-ea"/>
+                <a:cs typeface="+mj-cs"/>
+              </a:rPr>
+              <a:t>Pitch Bend = 0 – 16383</a:t>
+            </a:r>
+            <a:br>
+              <a:rPr lang="en-US" sz="3200" kern="1200" dirty="0">
+                <a:solidFill>
+                  <a:schemeClr val="tx1"/>
+                </a:solidFill>
+                <a:latin typeface="+mj-lt"/>
+                <a:ea typeface="+mj-ea"/>
+                <a:cs typeface="+mj-cs"/>
+              </a:rPr>
+            </a:br>
+            <a:r>
+              <a:rPr lang="en-US" sz="3200" kern="1200" dirty="0">
+                <a:solidFill>
+                  <a:schemeClr val="tx1"/>
+                </a:solidFill>
+                <a:latin typeface="+mj-lt"/>
+                <a:ea typeface="+mj-ea"/>
+                <a:cs typeface="+mj-cs"/>
+              </a:rPr>
+              <a:t>Channel = 1 - 16</a:t>
+            </a:r>
+          </a:p>
+        </p:txBody>
+      </p:sp>
+      <p:grpSp>
+        <p:nvGrpSpPr>
+          <p:cNvPr id="13" name="Group 12">
+            <a:extLst>
+              <a:ext uri="{FF2B5EF4-FFF2-40B4-BE49-F238E27FC236}">
+                <a16:creationId xmlns:a16="http://schemas.microsoft.com/office/drawing/2014/main" id="{4252A0CC-1D37-C969-23DF-1392DF26E53B}"/>
+              </a:ext>
+              <a:ext uri="{C183D7F6-B498-43B3-948B-1728B52AA6E4}">
+                <adec:decorative xmlns:adec="http://schemas.microsoft.com/office/drawing/2017/decorative" val="1"/>
+              </a:ext>
+            </a:extLst>
+          </p:cNvPr>
+          <p:cNvGrpSpPr>
+            <a:grpSpLocks noGrp="1" noUngrp="1" noRot="1" noChangeAspect="1" noMove="1" noResize="1"/>
+          </p:cNvGrpSpPr>
+          <p:nvPr>
+            <p:extLst>
+              <p:ext uri="{386F3935-93C4-4BCD-93E2-E3B085C9AB24}">
+                <p16:designElem xmlns:p16="http://schemas.microsoft.com/office/powerpoint/2015/main" val="1"/>
+              </p:ext>
+            </p:extLst>
+          </p:nvPr>
+        </p:nvGrpSpPr>
+        <p:grpSpPr>
+          <a:xfrm>
+            <a:off x="0" y="2984992"/>
+            <a:ext cx="731521" cy="673460"/>
+            <a:chOff x="3940602" y="308034"/>
+            <a:chExt cx="2116791" cy="3428999"/>
+          </a:xfrm>
+          <a:solidFill>
+            <a:schemeClr val="accent4"/>
+          </a:solidFill>
+        </p:grpSpPr>
+        <p:sp>
+          <p:nvSpPr>
+            <p:cNvPr id="14" name="Rectangle 13">
+              <a:extLst>
+                <a:ext uri="{FF2B5EF4-FFF2-40B4-BE49-F238E27FC236}">
+                  <a16:creationId xmlns:a16="http://schemas.microsoft.com/office/drawing/2014/main" id="{3B23FF23-3E45-7857-9B03-7D46C27CDE6E}"/>
+                </a:ext>
+                <a:ext uri="{C183D7F6-B498-43B3-948B-1728B52AA6E4}">
+                  <adec:decorative xmlns:adec="http://schemas.microsoft.com/office/drawing/2017/decorative" val="1"/>
+                </a:ext>
+              </a:extLst>
+            </p:cNvPr>
+            <p:cNvSpPr/>
+            <p:nvPr>
+              <p:extLst>
+                <p:ext uri="{386F3935-93C4-4BCD-93E2-E3B085C9AB24}">
+                  <p16:designElem xmlns:p16="http://schemas.microsoft.com/office/powerpoint/2015/main" val="1"/>
+                </p:ext>
+              </p:extLst>
+            </p:nvPr>
+          </p:nvSpPr>
+          <p:spPr>
+            <a:xfrm>
+              <a:off x="3940602" y="308034"/>
+              <a:ext cx="566743" cy="3428999"/>
+            </a:xfrm>
+            <a:prstGeom prst="rect">
+              <a:avLst/>
+            </a:prstGeom>
+            <a:grpFill/>
+            <a:ln>
+              <a:noFill/>
+            </a:ln>
+          </p:spPr>
+          <p:style>
+            <a:lnRef idx="2">
+              <a:schemeClr val="accent1">
+                <a:shade val="50000"/>
+              </a:schemeClr>
+            </a:lnRef>
+            <a:fillRef idx="1">
+              <a:schemeClr val="accent1"/>
+            </a:fillRef>
+            <a:effectRef idx="0">
+              <a:schemeClr val="accent1"/>
+            </a:effectRef>
+            <a:fontRef idx="minor">
+              <a:schemeClr val="lt1"/>
+            </a:fontRef>
+          </p:style>
+          <p:txBody>
+            <a:bodyPr rtlCol="0" anchor="ctr"/>
+            <a:lstStyle/>
+            <a:p>
+              <a:pPr algn="ctr"/>
+              <a:endParaRPr lang="en-US"/>
+            </a:p>
+          </p:txBody>
+        </p:sp>
+        <p:sp>
+          <p:nvSpPr>
+            <p:cNvPr id="15" name="Rectangle 14">
+              <a:extLst>
+                <a:ext uri="{FF2B5EF4-FFF2-40B4-BE49-F238E27FC236}">
+                  <a16:creationId xmlns:a16="http://schemas.microsoft.com/office/drawing/2014/main" id="{74380591-FE37-5B06-1115-89A2AAFFDEA7}"/>
+                </a:ext>
+                <a:ext uri="{C183D7F6-B498-43B3-948B-1728B52AA6E4}">
+                  <adec:decorative xmlns:adec="http://schemas.microsoft.com/office/drawing/2017/decorative" val="1"/>
+                </a:ext>
+              </a:extLst>
+            </p:cNvPr>
+            <p:cNvSpPr/>
+            <p:nvPr>
+              <p:extLst>
+                <p:ext uri="{386F3935-93C4-4BCD-93E2-E3B085C9AB24}">
+                  <p16:designElem xmlns:p16="http://schemas.microsoft.com/office/powerpoint/2015/main" val="1"/>
+                </p:ext>
+              </p:extLst>
+            </p:nvPr>
+          </p:nvSpPr>
+          <p:spPr>
+            <a:xfrm>
+              <a:off x="4715626" y="308034"/>
+              <a:ext cx="566743" cy="3428999"/>
+            </a:xfrm>
+            <a:prstGeom prst="rect">
+              <a:avLst/>
+            </a:prstGeom>
+            <a:grpFill/>
+            <a:ln>
+              <a:noFill/>
+            </a:ln>
+          </p:spPr>
+          <p:style>
+            <a:lnRef idx="2">
+              <a:schemeClr val="accent1">
+                <a:shade val="50000"/>
+              </a:schemeClr>
+            </a:lnRef>
+            <a:fillRef idx="1">
+              <a:schemeClr val="accent1"/>
+            </a:fillRef>
+            <a:effectRef idx="0">
+              <a:schemeClr val="accent1"/>
+            </a:effectRef>
+            <a:fontRef idx="minor">
+              <a:schemeClr val="lt1"/>
+            </a:fontRef>
+          </p:style>
+          <p:txBody>
+            <a:bodyPr rtlCol="0" anchor="ctr"/>
+            <a:lstStyle/>
+            <a:p>
+              <a:pPr algn="ctr"/>
+              <a:endParaRPr lang="en-US"/>
+            </a:p>
+          </p:txBody>
+        </p:sp>
+        <p:sp>
+          <p:nvSpPr>
+            <p:cNvPr id="16" name="Rectangle 15">
+              <a:extLst>
+                <a:ext uri="{FF2B5EF4-FFF2-40B4-BE49-F238E27FC236}">
+                  <a16:creationId xmlns:a16="http://schemas.microsoft.com/office/drawing/2014/main" id="{D05E6B48-6730-E2A2-985C-650E8BEEE9CF}"/>
+                </a:ext>
+                <a:ext uri="{C183D7F6-B498-43B3-948B-1728B52AA6E4}">
+                  <adec:decorative xmlns:adec="http://schemas.microsoft.com/office/drawing/2017/decorative" val="1"/>
+                </a:ext>
+              </a:extLst>
+            </p:cNvPr>
+            <p:cNvSpPr/>
+            <p:nvPr>
+              <p:extLst>
+                <p:ext uri="{386F3935-93C4-4BCD-93E2-E3B085C9AB24}">
+                  <p16:designElem xmlns:p16="http://schemas.microsoft.com/office/powerpoint/2015/main" val="1"/>
+                </p:ext>
+              </p:extLst>
+            </p:nvPr>
+          </p:nvSpPr>
+          <p:spPr>
+            <a:xfrm>
+              <a:off x="5490650" y="308034"/>
+              <a:ext cx="566743" cy="3428999"/>
+            </a:xfrm>
+            <a:prstGeom prst="rect">
+              <a:avLst/>
+            </a:prstGeom>
+            <a:grpFill/>
+            <a:ln>
+              <a:noFill/>
+            </a:ln>
+          </p:spPr>
+          <p:style>
+            <a:lnRef idx="2">
+              <a:schemeClr val="accent1">
+                <a:shade val="50000"/>
+              </a:schemeClr>
+            </a:lnRef>
+            <a:fillRef idx="1">
+              <a:schemeClr val="accent1"/>
+            </a:fillRef>
+            <a:effectRef idx="0">
+              <a:schemeClr val="accent1"/>
+            </a:effectRef>
+            <a:fontRef idx="minor">
+              <a:schemeClr val="lt1"/>
+            </a:fontRef>
+          </p:style>
+          <p:txBody>
+            <a:bodyPr rtlCol="0" anchor="ctr"/>
+            <a:lstStyle/>
+            <a:p>
+              <a:pPr algn="ctr"/>
+              <a:endParaRPr lang="en-US"/>
+            </a:p>
+          </p:txBody>
+        </p:sp>
+      </p:grpSp>
+      <p:sp>
+        <p:nvSpPr>
+          <p:cNvPr id="18" name="Rectangle 17">
+            <a:extLst>
+              <a:ext uri="{FF2B5EF4-FFF2-40B4-BE49-F238E27FC236}">
+                <a16:creationId xmlns:a16="http://schemas.microsoft.com/office/drawing/2014/main" id="{47F2C926-DB16-C4DF-D400-F25F97D41679}"/>
+              </a:ext>
+              <a:ext uri="{C183D7F6-B498-43B3-948B-1728B52AA6E4}">
+                <adec:decorative xmlns:adec="http://schemas.microsoft.com/office/drawing/2017/decorative" val="1"/>
+              </a:ext>
+            </a:extLst>
+          </p:cNvPr>
+          <p:cNvSpPr>
+            <a:spLocks noGrp="1" noRot="1" noChangeAspect="1" noMove="1" noResize="1" noEditPoints="1" noAdjustHandles="1" noChangeArrowheads="1" noChangeShapeType="1" noTextEdit="1"/>
+          </p:cNvSpPr>
+          <p:nvPr>
+            <p:extLst>
+              <p:ext uri="{386F3935-93C4-4BCD-93E2-E3B085C9AB24}">
+                <p16:designElem xmlns:p16="http://schemas.microsoft.com/office/powerpoint/2015/main" val="1"/>
+              </p:ext>
+            </p:extLst>
+          </p:nvPr>
+        </p:nvSpPr>
+        <p:spPr>
+          <a:xfrm flipH="1">
+            <a:off x="10697670" y="0"/>
+            <a:ext cx="1494330" cy="6858000"/>
+          </a:xfrm>
+          <a:prstGeom prst="rect">
+            <a:avLst/>
+          </a:prstGeom>
+          <a:solidFill>
+            <a:schemeClr val="accent4"/>
+          </a:solidFill>
+          <a:ln>
+            <a:noFill/>
+          </a:ln>
+        </p:spPr>
+        <p:style>
+          <a:lnRef idx="2">
+            <a:schemeClr val="accent1">
+              <a:shade val="50000"/>
+            </a:schemeClr>
+          </a:lnRef>
+          <a:fillRef idx="1">
+            <a:schemeClr val="accent1"/>
+          </a:fillRef>
+          <a:effectRef idx="0">
+            <a:schemeClr val="accent1"/>
+          </a:effectRef>
+          <a:fontRef idx="minor">
+            <a:schemeClr val="lt1"/>
+          </a:fontRef>
+        </p:style>
+        <p:txBody>
+          <a:bodyPr rtlCol="0" anchor="ctr"/>
+          <a:lstStyle/>
+          <a:p>
+            <a:pPr algn="ctr"/>
+            <a:endParaRPr lang="en-US"/>
+          </a:p>
+        </p:txBody>
+      </p:sp>
+      <p:sp>
+        <p:nvSpPr>
+          <p:cNvPr id="20" name="Rectangle 19">
+            <a:extLst>
+              <a:ext uri="{FF2B5EF4-FFF2-40B4-BE49-F238E27FC236}">
+                <a16:creationId xmlns:a16="http://schemas.microsoft.com/office/drawing/2014/main" id="{07B37B64-69FE-E802-1548-8CC366894ECE}"/>
+              </a:ext>
+              <a:ext uri="{C183D7F6-B498-43B3-948B-1728B52AA6E4}">
+                <adec:decorative xmlns:adec="http://schemas.microsoft.com/office/drawing/2017/decorative" val="1"/>
+              </a:ext>
+            </a:extLst>
+          </p:cNvPr>
+          <p:cNvSpPr>
+            <a:spLocks noGrp="1" noRot="1" noChangeAspect="1" noMove="1" noResize="1" noEditPoints="1" noAdjustHandles="1" noChangeArrowheads="1" noChangeShapeType="1" noTextEdit="1"/>
+          </p:cNvSpPr>
+          <p:nvPr>
+            <p:extLst>
+              <p:ext uri="{386F3935-93C4-4BCD-93E2-E3B085C9AB24}">
+                <p16:designElem xmlns:p16="http://schemas.microsoft.com/office/powerpoint/2015/main" val="1"/>
+              </p:ext>
+            </p:extLst>
+          </p:nvPr>
+        </p:nvSpPr>
+        <p:spPr>
+          <a:xfrm>
+            <a:off x="5685810" y="391886"/>
+            <a:ext cx="6009366" cy="6017078"/>
+          </a:xfrm>
+          <a:prstGeom prst="rect">
+            <a:avLst/>
+          </a:prstGeom>
+          <a:solidFill>
+            <a:schemeClr val="bg1"/>
+          </a:solidFill>
+          <a:ln>
+            <a:noFill/>
+          </a:ln>
+          <a:effectLst>
+            <a:outerShdw blurRad="139700" dist="127000" dir="5400000" algn="t" rotWithShape="0">
+              <a:prstClr val="black">
+                <a:alpha val="15000"/>
+              </a:prstClr>
+            </a:outerShdw>
+          </a:effectLst>
+        </p:spPr>
+        <p:style>
+          <a:lnRef idx="2">
+            <a:schemeClr val="accent1">
+              <a:shade val="50000"/>
+            </a:schemeClr>
+          </a:lnRef>
+          <a:fillRef idx="1">
+            <a:schemeClr val="accent1"/>
+          </a:fillRef>
+          <a:effectRef idx="0">
+            <a:schemeClr val="accent1"/>
+          </a:effectRef>
+          <a:fontRef idx="minor">
+            <a:schemeClr val="lt1"/>
+          </a:fontRef>
+        </p:style>
+        <p:txBody>
+          <a:bodyPr rtlCol="0" anchor="ctr"/>
+          <a:lstStyle/>
+          <a:p>
+            <a:pPr algn="ctr"/>
+            <a:endParaRPr lang="en-US"/>
+          </a:p>
+        </p:txBody>
+      </p:sp>
+      <p:pic>
+        <p:nvPicPr>
+          <p:cNvPr id="5" name="Afbeelding 4" descr="Afbeelding met piano, Keyboard, muziekinstrument, Elektronisch instrument&#10;&#10;Door AI gegenereerde inhoud is mogelijk onjuist.">
+            <a:extLst>
+              <a:ext uri="{FF2B5EF4-FFF2-40B4-BE49-F238E27FC236}">
+                <a16:creationId xmlns:a16="http://schemas.microsoft.com/office/drawing/2014/main" id="{9EAAF897-82FC-2BAC-9C41-7E3A5EAA32FC}"/>
+              </a:ext>
+            </a:extLst>
+          </p:cNvPr>
+          <p:cNvPicPr>
+            <a:picLocks noChangeAspect="1"/>
+          </p:cNvPicPr>
+          <p:nvPr/>
+        </p:nvPicPr>
+        <p:blipFill>
+          <a:blip r:embed="rId2"/>
+          <a:stretch>
+            <a:fillRect/>
+          </a:stretch>
+        </p:blipFill>
+        <p:spPr>
+          <a:xfrm>
+            <a:off x="5627940" y="1482566"/>
+            <a:ext cx="5715000" cy="3810000"/>
+          </a:xfrm>
+          <a:prstGeom prst="rect">
+            <a:avLst/>
+          </a:prstGeom>
+        </p:spPr>
+      </p:pic>
+    </p:spTree>
+    <p:extLst>
+      <p:ext uri="{BB962C8B-B14F-4D97-AF65-F5344CB8AC3E}">
+        <p14:creationId xmlns:p14="http://schemas.microsoft.com/office/powerpoint/2010/main" val="2866460272"/>
+      </p:ext>
+    </p:extLst>
+  </p:cSld>
+  <p:clrMapOvr>
+    <a:masterClrMapping/>
+  </p:clrMapOvr>
+</p:sld>
+</file>
+
+<file path=ppt/slides/slide13.xml><?xml version="1.0" encoding="utf-8"?>
+<p:sld xmlns:a="http://schemas.openxmlformats.org/drawingml/2006/main" xmlns:r="http://schemas.openxmlformats.org/officeDocument/2006/relationships" xmlns:p="http://schemas.openxmlformats.org/presentationml/2006/main">
+  <p:cSld>
+    <p:bg>
+      <p:bgPr>
+        <a:solidFill>
+          <a:schemeClr val="bg1"/>
+        </a:solidFill>
+        <a:effectLst/>
+      </p:bgPr>
+    </p:bg>
+    <p:spTree>
+      <p:nvGrpSpPr>
+        <p:cNvPr id="1" name="">
+          <a:extLst>
+            <a:ext uri="{FF2B5EF4-FFF2-40B4-BE49-F238E27FC236}">
+              <a16:creationId xmlns:a16="http://schemas.microsoft.com/office/drawing/2014/main" id="{F75C4FE9-7FBD-F0DC-5997-8CC23CE9EEEC}"/>
+            </a:ext>
+          </a:extLst>
+        </p:cNvPr>
+        <p:cNvGrpSpPr/>
+        <p:nvPr/>
+      </p:nvGrpSpPr>
+      <p:grpSpPr>
+        <a:xfrm>
+          <a:off x="0" y="0"/>
+          <a:ext cx="0" cy="0"/>
+          <a:chOff x="0" y="0"/>
+          <a:chExt cx="0" cy="0"/>
+        </a:xfrm>
+      </p:grpSpPr>
+      <p:sp useBgFill="1">
+        <p:nvSpPr>
+          <p:cNvPr id="11" name="Rectangle 10">
+            <a:extLst>
+              <a:ext uri="{FF2B5EF4-FFF2-40B4-BE49-F238E27FC236}">
+                <a16:creationId xmlns:a16="http://schemas.microsoft.com/office/drawing/2014/main" id="{F35EE205-1778-527A-2AE6-1A76361245A7}"/>
+              </a:ext>
+              <a:ext uri="{C183D7F6-B498-43B3-948B-1728B52AA6E4}">
+                <adec:decorative xmlns:adec="http://schemas.microsoft.com/office/drawing/2017/decorative" val="1"/>
+              </a:ext>
+            </a:extLst>
+          </p:cNvPr>
+          <p:cNvSpPr>
+            <a:spLocks noGrp="1" noRot="1" noChangeAspect="1" noMove="1" noResize="1" noEditPoints="1" noAdjustHandles="1" noChangeArrowheads="1" noChangeShapeType="1" noTextEdit="1"/>
+          </p:cNvSpPr>
+          <p:nvPr>
+            <p:extLst>
+              <p:ext uri="{386F3935-93C4-4BCD-93E2-E3B085C9AB24}">
+                <p16:designElem xmlns:p16="http://schemas.microsoft.com/office/powerpoint/2015/main" val="1"/>
+              </p:ext>
+            </p:extLst>
+          </p:nvPr>
+        </p:nvSpPr>
+        <p:spPr>
+          <a:xfrm>
+            <a:off x="0" y="0"/>
+            <a:ext cx="12191999" cy="6857365"/>
+          </a:xfrm>
+          <a:prstGeom prst="rect">
+            <a:avLst/>
+          </a:prstGeom>
+          <a:ln>
+            <a:noFill/>
+          </a:ln>
+        </p:spPr>
+        <p:style>
+          <a:lnRef idx="2">
+            <a:schemeClr val="accent1">
+              <a:shade val="50000"/>
+            </a:schemeClr>
+          </a:lnRef>
+          <a:fillRef idx="1">
+            <a:schemeClr val="accent1"/>
+          </a:fillRef>
+          <a:effectRef idx="0">
+            <a:schemeClr val="accent1"/>
+          </a:effectRef>
+          <a:fontRef idx="minor">
+            <a:schemeClr val="lt1"/>
+          </a:fontRef>
+        </p:style>
+        <p:txBody>
+          <a:bodyPr rtlCol="0" anchor="ctr"/>
+          <a:lstStyle/>
+          <a:p>
+            <a:pPr algn="ctr"/>
+            <a:endParaRPr lang="en-US"/>
+          </a:p>
+        </p:txBody>
+      </p:sp>
+      <p:grpSp>
+        <p:nvGrpSpPr>
+          <p:cNvPr id="13" name="Group 12">
+            <a:extLst>
+              <a:ext uri="{FF2B5EF4-FFF2-40B4-BE49-F238E27FC236}">
+                <a16:creationId xmlns:a16="http://schemas.microsoft.com/office/drawing/2014/main" id="{6617497B-350E-E74D-1482-291E6CE3506D}"/>
+              </a:ext>
+              <a:ext uri="{C183D7F6-B498-43B3-948B-1728B52AA6E4}">
+                <adec:decorative xmlns:adec="http://schemas.microsoft.com/office/drawing/2017/decorative" val="1"/>
+              </a:ext>
+            </a:extLst>
+          </p:cNvPr>
+          <p:cNvGrpSpPr>
+            <a:grpSpLocks noGrp="1" noUngrp="1" noRot="1" noChangeAspect="1" noMove="1" noResize="1"/>
+          </p:cNvGrpSpPr>
+          <p:nvPr>
+            <p:extLst>
+              <p:ext uri="{386F3935-93C4-4BCD-93E2-E3B085C9AB24}">
+                <p16:designElem xmlns:p16="http://schemas.microsoft.com/office/powerpoint/2015/main" val="1"/>
+              </p:ext>
+            </p:extLst>
+          </p:nvPr>
+        </p:nvGrpSpPr>
+        <p:grpSpPr>
+          <a:xfrm>
+            <a:off x="0" y="2984992"/>
+            <a:ext cx="731521" cy="673460"/>
+            <a:chOff x="3940602" y="308034"/>
+            <a:chExt cx="2116791" cy="3428999"/>
+          </a:xfrm>
+          <a:solidFill>
+            <a:schemeClr val="accent4"/>
+          </a:solidFill>
+        </p:grpSpPr>
+        <p:sp>
+          <p:nvSpPr>
+            <p:cNvPr id="14" name="Rectangle 13">
+              <a:extLst>
+                <a:ext uri="{FF2B5EF4-FFF2-40B4-BE49-F238E27FC236}">
+                  <a16:creationId xmlns:a16="http://schemas.microsoft.com/office/drawing/2014/main" id="{9E386D1E-3C8B-81E0-946D-D443FE84D231}"/>
+                </a:ext>
+                <a:ext uri="{C183D7F6-B498-43B3-948B-1728B52AA6E4}">
+                  <adec:decorative xmlns:adec="http://schemas.microsoft.com/office/drawing/2017/decorative" val="1"/>
+                </a:ext>
+              </a:extLst>
+            </p:cNvPr>
+            <p:cNvSpPr/>
+            <p:nvPr>
+              <p:extLst>
+                <p:ext uri="{386F3935-93C4-4BCD-93E2-E3B085C9AB24}">
+                  <p16:designElem xmlns:p16="http://schemas.microsoft.com/office/powerpoint/2015/main" val="1"/>
+                </p:ext>
+              </p:extLst>
+            </p:nvPr>
+          </p:nvSpPr>
+          <p:spPr>
+            <a:xfrm>
+              <a:off x="3940602" y="308034"/>
+              <a:ext cx="566743" cy="3428999"/>
+            </a:xfrm>
+            <a:prstGeom prst="rect">
+              <a:avLst/>
+            </a:prstGeom>
+            <a:grpFill/>
+            <a:ln>
+              <a:noFill/>
+            </a:ln>
+          </p:spPr>
+          <p:style>
+            <a:lnRef idx="2">
+              <a:schemeClr val="accent1">
+                <a:shade val="50000"/>
+              </a:schemeClr>
+            </a:lnRef>
+            <a:fillRef idx="1">
+              <a:schemeClr val="accent1"/>
+            </a:fillRef>
+            <a:effectRef idx="0">
+              <a:schemeClr val="accent1"/>
+            </a:effectRef>
+            <a:fontRef idx="minor">
+              <a:schemeClr val="lt1"/>
+            </a:fontRef>
+          </p:style>
+          <p:txBody>
+            <a:bodyPr rtlCol="0" anchor="ctr"/>
+            <a:lstStyle/>
+            <a:p>
+              <a:pPr algn="ctr"/>
+              <a:endParaRPr lang="en-US"/>
+            </a:p>
+          </p:txBody>
+        </p:sp>
+        <p:sp>
+          <p:nvSpPr>
+            <p:cNvPr id="15" name="Rectangle 14">
+              <a:extLst>
+                <a:ext uri="{FF2B5EF4-FFF2-40B4-BE49-F238E27FC236}">
+                  <a16:creationId xmlns:a16="http://schemas.microsoft.com/office/drawing/2014/main" id="{01B2DBC4-A6FD-61BF-C67B-149BCA9D2430}"/>
+                </a:ext>
+                <a:ext uri="{C183D7F6-B498-43B3-948B-1728B52AA6E4}">
+                  <adec:decorative xmlns:adec="http://schemas.microsoft.com/office/drawing/2017/decorative" val="1"/>
+                </a:ext>
+              </a:extLst>
+            </p:cNvPr>
+            <p:cNvSpPr/>
+            <p:nvPr>
+              <p:extLst>
+                <p:ext uri="{386F3935-93C4-4BCD-93E2-E3B085C9AB24}">
+                  <p16:designElem xmlns:p16="http://schemas.microsoft.com/office/powerpoint/2015/main" val="1"/>
+                </p:ext>
+              </p:extLst>
+            </p:nvPr>
+          </p:nvSpPr>
+          <p:spPr>
+            <a:xfrm>
+              <a:off x="4715626" y="308034"/>
+              <a:ext cx="566743" cy="3428999"/>
+            </a:xfrm>
+            <a:prstGeom prst="rect">
+              <a:avLst/>
+            </a:prstGeom>
+            <a:grpFill/>
+            <a:ln>
+              <a:noFill/>
+            </a:ln>
+          </p:spPr>
+          <p:style>
+            <a:lnRef idx="2">
+              <a:schemeClr val="accent1">
+                <a:shade val="50000"/>
+              </a:schemeClr>
+            </a:lnRef>
+            <a:fillRef idx="1">
+              <a:schemeClr val="accent1"/>
+            </a:fillRef>
+            <a:effectRef idx="0">
+              <a:schemeClr val="accent1"/>
+            </a:effectRef>
+            <a:fontRef idx="minor">
+              <a:schemeClr val="lt1"/>
+            </a:fontRef>
+          </p:style>
+          <p:txBody>
+            <a:bodyPr rtlCol="0" anchor="ctr"/>
+            <a:lstStyle/>
+            <a:p>
+              <a:pPr algn="ctr"/>
+              <a:endParaRPr lang="en-US"/>
+            </a:p>
+          </p:txBody>
+        </p:sp>
+        <p:sp>
+          <p:nvSpPr>
+            <p:cNvPr id="16" name="Rectangle 15">
+              <a:extLst>
+                <a:ext uri="{FF2B5EF4-FFF2-40B4-BE49-F238E27FC236}">
+                  <a16:creationId xmlns:a16="http://schemas.microsoft.com/office/drawing/2014/main" id="{37F82D9C-300B-C546-345D-5477DC3767BD}"/>
+                </a:ext>
+                <a:ext uri="{C183D7F6-B498-43B3-948B-1728B52AA6E4}">
+                  <adec:decorative xmlns:adec="http://schemas.microsoft.com/office/drawing/2017/decorative" val="1"/>
+                </a:ext>
+              </a:extLst>
+            </p:cNvPr>
+            <p:cNvSpPr/>
+            <p:nvPr>
+              <p:extLst>
+                <p:ext uri="{386F3935-93C4-4BCD-93E2-E3B085C9AB24}">
+                  <p16:designElem xmlns:p16="http://schemas.microsoft.com/office/powerpoint/2015/main" val="1"/>
+                </p:ext>
+              </p:extLst>
+            </p:nvPr>
+          </p:nvSpPr>
+          <p:spPr>
+            <a:xfrm>
+              <a:off x="5490650" y="308034"/>
+              <a:ext cx="566743" cy="3428999"/>
+            </a:xfrm>
+            <a:prstGeom prst="rect">
+              <a:avLst/>
+            </a:prstGeom>
+            <a:grpFill/>
+            <a:ln>
+              <a:noFill/>
+            </a:ln>
+          </p:spPr>
+          <p:style>
+            <a:lnRef idx="2">
+              <a:schemeClr val="accent1">
+                <a:shade val="50000"/>
+              </a:schemeClr>
+            </a:lnRef>
+            <a:fillRef idx="1">
+              <a:schemeClr val="accent1"/>
+            </a:fillRef>
+            <a:effectRef idx="0">
+              <a:schemeClr val="accent1"/>
+            </a:effectRef>
+            <a:fontRef idx="minor">
+              <a:schemeClr val="lt1"/>
+            </a:fontRef>
+          </p:style>
+          <p:txBody>
+            <a:bodyPr rtlCol="0" anchor="ctr"/>
+            <a:lstStyle/>
+            <a:p>
+              <a:pPr algn="ctr"/>
+              <a:endParaRPr lang="en-US"/>
+            </a:p>
+          </p:txBody>
+        </p:sp>
+      </p:grpSp>
+      <p:sp>
+        <p:nvSpPr>
+          <p:cNvPr id="18" name="Rectangle 17">
+            <a:extLst>
+              <a:ext uri="{FF2B5EF4-FFF2-40B4-BE49-F238E27FC236}">
+                <a16:creationId xmlns:a16="http://schemas.microsoft.com/office/drawing/2014/main" id="{F00BF625-ADEA-5DDE-7A22-CE8C07AB936F}"/>
+              </a:ext>
+              <a:ext uri="{C183D7F6-B498-43B3-948B-1728B52AA6E4}">
+                <adec:decorative xmlns:adec="http://schemas.microsoft.com/office/drawing/2017/decorative" val="1"/>
+              </a:ext>
+            </a:extLst>
+          </p:cNvPr>
+          <p:cNvSpPr>
+            <a:spLocks noGrp="1" noRot="1" noChangeAspect="1" noMove="1" noResize="1" noEditPoints="1" noAdjustHandles="1" noChangeArrowheads="1" noChangeShapeType="1" noTextEdit="1"/>
+          </p:cNvSpPr>
+          <p:nvPr>
+            <p:extLst>
+              <p:ext uri="{386F3935-93C4-4BCD-93E2-E3B085C9AB24}">
+                <p16:designElem xmlns:p16="http://schemas.microsoft.com/office/powerpoint/2015/main" val="1"/>
+              </p:ext>
+            </p:extLst>
+          </p:nvPr>
+        </p:nvSpPr>
+        <p:spPr>
+          <a:xfrm flipH="1">
+            <a:off x="10697670" y="0"/>
+            <a:ext cx="1494330" cy="6858000"/>
+          </a:xfrm>
+          <a:prstGeom prst="rect">
+            <a:avLst/>
+          </a:prstGeom>
+          <a:solidFill>
+            <a:schemeClr val="accent4"/>
+          </a:solidFill>
+          <a:ln>
+            <a:noFill/>
+          </a:ln>
+        </p:spPr>
+        <p:style>
+          <a:lnRef idx="2">
+            <a:schemeClr val="accent1">
+              <a:shade val="50000"/>
+            </a:schemeClr>
+          </a:lnRef>
+          <a:fillRef idx="1">
+            <a:schemeClr val="accent1"/>
+          </a:fillRef>
+          <a:effectRef idx="0">
+            <a:schemeClr val="accent1"/>
+          </a:effectRef>
+          <a:fontRef idx="minor">
+            <a:schemeClr val="lt1"/>
+          </a:fontRef>
+        </p:style>
+        <p:txBody>
+          <a:bodyPr rtlCol="0" anchor="ctr"/>
+          <a:lstStyle/>
+          <a:p>
+            <a:pPr algn="ctr"/>
+            <a:endParaRPr lang="en-US"/>
+          </a:p>
+        </p:txBody>
+      </p:sp>
+      <p:sp>
+        <p:nvSpPr>
+          <p:cNvPr id="20" name="Rectangle 19">
+            <a:extLst>
+              <a:ext uri="{FF2B5EF4-FFF2-40B4-BE49-F238E27FC236}">
+                <a16:creationId xmlns:a16="http://schemas.microsoft.com/office/drawing/2014/main" id="{C2990400-F838-56AE-1CB4-30F5048B8A0A}"/>
+              </a:ext>
+              <a:ext uri="{C183D7F6-B498-43B3-948B-1728B52AA6E4}">
+                <adec:decorative xmlns:adec="http://schemas.microsoft.com/office/drawing/2017/decorative" val="1"/>
+              </a:ext>
+            </a:extLst>
+          </p:cNvPr>
+          <p:cNvSpPr>
+            <a:spLocks noGrp="1" noRot="1" noChangeAspect="1" noMove="1" noResize="1" noEditPoints="1" noAdjustHandles="1" noChangeArrowheads="1" noChangeShapeType="1" noTextEdit="1"/>
+          </p:cNvSpPr>
+          <p:nvPr>
+            <p:extLst>
+              <p:ext uri="{386F3935-93C4-4BCD-93E2-E3B085C9AB24}">
+                <p16:designElem xmlns:p16="http://schemas.microsoft.com/office/powerpoint/2015/main" val="1"/>
+              </p:ext>
+            </p:extLst>
+          </p:nvPr>
+        </p:nvSpPr>
+        <p:spPr>
+          <a:xfrm>
+            <a:off x="5685810" y="391886"/>
+            <a:ext cx="6009366" cy="6017078"/>
+          </a:xfrm>
+          <a:prstGeom prst="rect">
+            <a:avLst/>
+          </a:prstGeom>
+          <a:solidFill>
+            <a:schemeClr val="bg1"/>
+          </a:solidFill>
+          <a:ln>
+            <a:noFill/>
+          </a:ln>
+          <a:effectLst>
+            <a:outerShdw blurRad="139700" dist="127000" dir="5400000" algn="t" rotWithShape="0">
+              <a:prstClr val="black">
+                <a:alpha val="15000"/>
+              </a:prstClr>
+            </a:outerShdw>
+          </a:effectLst>
+        </p:spPr>
+        <p:style>
+          <a:lnRef idx="2">
+            <a:schemeClr val="accent1">
+              <a:shade val="50000"/>
+            </a:schemeClr>
+          </a:lnRef>
+          <a:fillRef idx="1">
+            <a:schemeClr val="accent1"/>
+          </a:fillRef>
+          <a:effectRef idx="0">
+            <a:schemeClr val="accent1"/>
+          </a:effectRef>
+          <a:fontRef idx="minor">
+            <a:schemeClr val="lt1"/>
+          </a:fontRef>
+        </p:style>
+        <p:txBody>
+          <a:bodyPr rtlCol="0" anchor="ctr"/>
+          <a:lstStyle/>
+          <a:p>
+            <a:pPr algn="ctr"/>
+            <a:endParaRPr lang="en-US"/>
+          </a:p>
+        </p:txBody>
+      </p:sp>
+      <p:pic>
+        <p:nvPicPr>
+          <p:cNvPr id="4" name="Afbeelding 3">
+            <a:extLst>
+              <a:ext uri="{FF2B5EF4-FFF2-40B4-BE49-F238E27FC236}">
+                <a16:creationId xmlns:a16="http://schemas.microsoft.com/office/drawing/2014/main" id="{10E793FE-D91E-74AC-F562-686EF46CFD6D}"/>
+              </a:ext>
+            </a:extLst>
+          </p:cNvPr>
+          <p:cNvPicPr>
+            <a:picLocks noChangeAspect="1"/>
+          </p:cNvPicPr>
+          <p:nvPr/>
+        </p:nvPicPr>
+        <p:blipFill>
+          <a:blip r:embed="rId2"/>
+          <a:stretch>
+            <a:fillRect/>
+          </a:stretch>
+        </p:blipFill>
+        <p:spPr>
+          <a:xfrm>
+            <a:off x="5865134" y="1500222"/>
+            <a:ext cx="5791200" cy="3962400"/>
+          </a:xfrm>
+          <a:prstGeom prst="rect">
+            <a:avLst/>
+          </a:prstGeom>
+        </p:spPr>
+      </p:pic>
+      <p:sp>
+        <p:nvSpPr>
+          <p:cNvPr id="2" name="Titel 1">
+            <a:extLst>
+              <a:ext uri="{FF2B5EF4-FFF2-40B4-BE49-F238E27FC236}">
+                <a16:creationId xmlns:a16="http://schemas.microsoft.com/office/drawing/2014/main" id="{80AD3527-8BAD-F1CE-6CCA-3BBE3D5A411A}"/>
+              </a:ext>
+            </a:extLst>
+          </p:cNvPr>
+          <p:cNvSpPr>
+            <a:spLocks noGrp="1"/>
+          </p:cNvSpPr>
+          <p:nvPr>
+            <p:ph type="title"/>
+          </p:nvPr>
+        </p:nvSpPr>
+        <p:spPr>
+          <a:xfrm>
+            <a:off x="789391" y="1692322"/>
+            <a:ext cx="7508448" cy="3992130"/>
+          </a:xfrm>
+        </p:spPr>
+        <p:txBody>
+          <a:bodyPr vert="horz" lIns="91440" tIns="45720" rIns="91440" bIns="45720" rtlCol="0" anchor="t">
+            <a:normAutofit fontScale="90000"/>
+          </a:bodyPr>
+          <a:lstStyle/>
+          <a:p>
+            <a:r>
+              <a:rPr lang="en-US" sz="5400" dirty="0"/>
+              <a:t>System Realtime </a:t>
+            </a:r>
+            <a:br>
+              <a:rPr lang="en-US" sz="5400" dirty="0"/>
+            </a:br>
+            <a:r>
+              <a:rPr lang="en-US" sz="5400" dirty="0"/>
+              <a:t>Messages</a:t>
+            </a:r>
+            <a:br>
+              <a:rPr lang="en-US" sz="5400" kern="1200" dirty="0">
+                <a:solidFill>
+                  <a:schemeClr val="tx1"/>
+                </a:solidFill>
+                <a:latin typeface="+mj-lt"/>
+                <a:ea typeface="+mj-ea"/>
+                <a:cs typeface="+mj-cs"/>
+              </a:rPr>
+            </a:br>
+            <a:br>
+              <a:rPr lang="en-US" sz="3200" dirty="0"/>
+            </a:br>
+            <a:r>
+              <a:rPr lang="en-US" sz="3200" dirty="0"/>
+              <a:t>Start = 250</a:t>
+            </a:r>
+            <a:br>
+              <a:rPr lang="en-US" sz="3200" dirty="0"/>
+            </a:br>
+            <a:r>
+              <a:rPr lang="en-US" sz="3200" dirty="0"/>
+              <a:t>Stop = 252</a:t>
+            </a:r>
+            <a:br>
+              <a:rPr lang="en-US" sz="3200" dirty="0"/>
+            </a:br>
+            <a:r>
+              <a:rPr lang="en-US" sz="3200" dirty="0"/>
+              <a:t>Continue = 251</a:t>
+            </a:r>
+            <a:br>
+              <a:rPr lang="en-US" sz="3200" dirty="0"/>
+            </a:br>
+            <a:r>
+              <a:rPr lang="en-US" sz="3200" dirty="0"/>
+              <a:t>Clock = 248</a:t>
+            </a:r>
+            <a:br>
+              <a:rPr lang="en-US" sz="3200" dirty="0"/>
+            </a:br>
+            <a:r>
+              <a:rPr lang="en-US" sz="3200" dirty="0"/>
+              <a:t>Reset = 255</a:t>
+            </a:r>
+            <a:endParaRPr lang="en-US" sz="3200" kern="1200" dirty="0">
+              <a:solidFill>
+                <a:schemeClr val="tx1"/>
+              </a:solidFill>
+              <a:latin typeface="+mj-lt"/>
+              <a:ea typeface="+mj-ea"/>
+              <a:cs typeface="+mj-cs"/>
+            </a:endParaRPr>
+          </a:p>
+        </p:txBody>
+      </p:sp>
+    </p:spTree>
+    <p:extLst>
+      <p:ext uri="{BB962C8B-B14F-4D97-AF65-F5344CB8AC3E}">
+        <p14:creationId xmlns:p14="http://schemas.microsoft.com/office/powerpoint/2010/main" val="2873679972"/>
+      </p:ext>
+    </p:extLst>
+  </p:cSld>
+  <p:clrMapOvr>
+    <a:masterClrMapping/>
+  </p:clrMapOvr>
+</p:sld>
+</file>
+
+<file path=ppt/slides/slide14.xml><?xml version="1.0" encoding="utf-8"?>
+<p:sld xmlns:a="http://schemas.openxmlformats.org/drawingml/2006/main" xmlns:r="http://schemas.openxmlformats.org/officeDocument/2006/relationships" xmlns:p="http://schemas.openxmlformats.org/presentationml/2006/main">
+  <p:cSld>
+    <p:bg>
+      <p:bgPr>
+        <a:solidFill>
+          <a:schemeClr val="bg1"/>
+        </a:solidFill>
+        <a:effectLst/>
+      </p:bgPr>
+    </p:bg>
+    <p:spTree>
+      <p:nvGrpSpPr>
+        <p:cNvPr id="1" name="">
+          <a:extLst>
+            <a:ext uri="{FF2B5EF4-FFF2-40B4-BE49-F238E27FC236}">
+              <a16:creationId xmlns:a16="http://schemas.microsoft.com/office/drawing/2014/main" id="{2B0B08AD-B654-AFD0-E0AD-8D65F944EDF1}"/>
+            </a:ext>
+          </a:extLst>
+        </p:cNvPr>
+        <p:cNvGrpSpPr/>
+        <p:nvPr/>
+      </p:nvGrpSpPr>
+      <p:grpSpPr>
+        <a:xfrm>
+          <a:off x="0" y="0"/>
+          <a:ext cx="0" cy="0"/>
+          <a:chOff x="0" y="0"/>
+          <a:chExt cx="0" cy="0"/>
+        </a:xfrm>
+      </p:grpSpPr>
+      <p:sp useBgFill="1">
+        <p:nvSpPr>
+          <p:cNvPr id="11" name="Rectangle 10">
+            <a:extLst>
+              <a:ext uri="{FF2B5EF4-FFF2-40B4-BE49-F238E27FC236}">
+                <a16:creationId xmlns:a16="http://schemas.microsoft.com/office/drawing/2014/main" id="{8BB43A43-72CB-D090-C158-663549E4A54A}"/>
+              </a:ext>
+              <a:ext uri="{C183D7F6-B498-43B3-948B-1728B52AA6E4}">
+                <adec:decorative xmlns:adec="http://schemas.microsoft.com/office/drawing/2017/decorative" val="1"/>
+              </a:ext>
+            </a:extLst>
+          </p:cNvPr>
+          <p:cNvSpPr>
+            <a:spLocks noGrp="1" noRot="1" noChangeAspect="1" noMove="1" noResize="1" noEditPoints="1" noAdjustHandles="1" noChangeArrowheads="1" noChangeShapeType="1" noTextEdit="1"/>
+          </p:cNvSpPr>
+          <p:nvPr>
+            <p:extLst>
+              <p:ext uri="{386F3935-93C4-4BCD-93E2-E3B085C9AB24}">
+                <p16:designElem xmlns:p16="http://schemas.microsoft.com/office/powerpoint/2015/main" val="1"/>
+              </p:ext>
+            </p:extLst>
+          </p:nvPr>
+        </p:nvSpPr>
+        <p:spPr>
+          <a:xfrm>
+            <a:off x="0" y="0"/>
+            <a:ext cx="12191999" cy="6857365"/>
+          </a:xfrm>
+          <a:prstGeom prst="rect">
+            <a:avLst/>
+          </a:prstGeom>
+          <a:ln>
+            <a:noFill/>
+          </a:ln>
+        </p:spPr>
+        <p:style>
+          <a:lnRef idx="2">
+            <a:schemeClr val="accent1">
+              <a:shade val="50000"/>
+            </a:schemeClr>
+          </a:lnRef>
+          <a:fillRef idx="1">
+            <a:schemeClr val="accent1"/>
+          </a:fillRef>
+          <a:effectRef idx="0">
+            <a:schemeClr val="accent1"/>
+          </a:effectRef>
+          <a:fontRef idx="minor">
+            <a:schemeClr val="lt1"/>
+          </a:fontRef>
+        </p:style>
+        <p:txBody>
+          <a:bodyPr rtlCol="0" anchor="ctr"/>
+          <a:lstStyle/>
+          <a:p>
+            <a:pPr algn="ctr"/>
+            <a:endParaRPr lang="en-US"/>
+          </a:p>
+        </p:txBody>
+      </p:sp>
+      <p:grpSp>
+        <p:nvGrpSpPr>
+          <p:cNvPr id="13" name="Group 12">
+            <a:extLst>
+              <a:ext uri="{FF2B5EF4-FFF2-40B4-BE49-F238E27FC236}">
+                <a16:creationId xmlns:a16="http://schemas.microsoft.com/office/drawing/2014/main" id="{AECA3B27-1339-E169-1E41-9CCCA795B773}"/>
+              </a:ext>
+              <a:ext uri="{C183D7F6-B498-43B3-948B-1728B52AA6E4}">
+                <adec:decorative xmlns:adec="http://schemas.microsoft.com/office/drawing/2017/decorative" val="1"/>
+              </a:ext>
+            </a:extLst>
+          </p:cNvPr>
+          <p:cNvGrpSpPr>
+            <a:grpSpLocks noGrp="1" noUngrp="1" noRot="1" noChangeAspect="1" noMove="1" noResize="1"/>
+          </p:cNvGrpSpPr>
+          <p:nvPr>
+            <p:extLst>
+              <p:ext uri="{386F3935-93C4-4BCD-93E2-E3B085C9AB24}">
+                <p16:designElem xmlns:p16="http://schemas.microsoft.com/office/powerpoint/2015/main" val="1"/>
+              </p:ext>
+            </p:extLst>
+          </p:nvPr>
+        </p:nvGrpSpPr>
+        <p:grpSpPr>
+          <a:xfrm>
+            <a:off x="0" y="2984992"/>
+            <a:ext cx="731521" cy="673460"/>
+            <a:chOff x="3940602" y="308034"/>
+            <a:chExt cx="2116791" cy="3428999"/>
+          </a:xfrm>
+          <a:solidFill>
+            <a:schemeClr val="accent4"/>
+          </a:solidFill>
+        </p:grpSpPr>
+        <p:sp>
+          <p:nvSpPr>
+            <p:cNvPr id="14" name="Rectangle 13">
+              <a:extLst>
+                <a:ext uri="{FF2B5EF4-FFF2-40B4-BE49-F238E27FC236}">
+                  <a16:creationId xmlns:a16="http://schemas.microsoft.com/office/drawing/2014/main" id="{9DE3496A-69DA-F200-CDF4-FBDA68FED543}"/>
+                </a:ext>
+                <a:ext uri="{C183D7F6-B498-43B3-948B-1728B52AA6E4}">
+                  <adec:decorative xmlns:adec="http://schemas.microsoft.com/office/drawing/2017/decorative" val="1"/>
+                </a:ext>
+              </a:extLst>
+            </p:cNvPr>
+            <p:cNvSpPr/>
+            <p:nvPr>
+              <p:extLst>
+                <p:ext uri="{386F3935-93C4-4BCD-93E2-E3B085C9AB24}">
+                  <p16:designElem xmlns:p16="http://schemas.microsoft.com/office/powerpoint/2015/main" val="1"/>
+                </p:ext>
+              </p:extLst>
+            </p:nvPr>
+          </p:nvSpPr>
+          <p:spPr>
+            <a:xfrm>
+              <a:off x="3940602" y="308034"/>
+              <a:ext cx="566743" cy="3428999"/>
+            </a:xfrm>
+            <a:prstGeom prst="rect">
+              <a:avLst/>
+            </a:prstGeom>
+            <a:grpFill/>
+            <a:ln>
+              <a:noFill/>
+            </a:ln>
+          </p:spPr>
+          <p:style>
+            <a:lnRef idx="2">
+              <a:schemeClr val="accent1">
+                <a:shade val="50000"/>
+              </a:schemeClr>
+            </a:lnRef>
+            <a:fillRef idx="1">
+              <a:schemeClr val="accent1"/>
+            </a:fillRef>
+            <a:effectRef idx="0">
+              <a:schemeClr val="accent1"/>
+            </a:effectRef>
+            <a:fontRef idx="minor">
+              <a:schemeClr val="lt1"/>
+            </a:fontRef>
+          </p:style>
+          <p:txBody>
+            <a:bodyPr rtlCol="0" anchor="ctr"/>
+            <a:lstStyle/>
+            <a:p>
+              <a:pPr algn="ctr"/>
+              <a:endParaRPr lang="en-US"/>
+            </a:p>
+          </p:txBody>
+        </p:sp>
+        <p:sp>
+          <p:nvSpPr>
+            <p:cNvPr id="15" name="Rectangle 14">
+              <a:extLst>
+                <a:ext uri="{FF2B5EF4-FFF2-40B4-BE49-F238E27FC236}">
+                  <a16:creationId xmlns:a16="http://schemas.microsoft.com/office/drawing/2014/main" id="{21550A78-C9BA-E5A1-D8E9-1555A87E9C62}"/>
+                </a:ext>
+                <a:ext uri="{C183D7F6-B498-43B3-948B-1728B52AA6E4}">
+                  <adec:decorative xmlns:adec="http://schemas.microsoft.com/office/drawing/2017/decorative" val="1"/>
+                </a:ext>
+              </a:extLst>
+            </p:cNvPr>
+            <p:cNvSpPr/>
+            <p:nvPr>
+              <p:extLst>
+                <p:ext uri="{386F3935-93C4-4BCD-93E2-E3B085C9AB24}">
+                  <p16:designElem xmlns:p16="http://schemas.microsoft.com/office/powerpoint/2015/main" val="1"/>
+                </p:ext>
+              </p:extLst>
+            </p:nvPr>
+          </p:nvSpPr>
+          <p:spPr>
+            <a:xfrm>
+              <a:off x="4715626" y="308034"/>
+              <a:ext cx="566743" cy="3428999"/>
+            </a:xfrm>
+            <a:prstGeom prst="rect">
+              <a:avLst/>
+            </a:prstGeom>
+            <a:grpFill/>
+            <a:ln>
+              <a:noFill/>
+            </a:ln>
+          </p:spPr>
+          <p:style>
+            <a:lnRef idx="2">
+              <a:schemeClr val="accent1">
+                <a:shade val="50000"/>
+              </a:schemeClr>
+            </a:lnRef>
+            <a:fillRef idx="1">
+              <a:schemeClr val="accent1"/>
+            </a:fillRef>
+            <a:effectRef idx="0">
+              <a:schemeClr val="accent1"/>
+            </a:effectRef>
+            <a:fontRef idx="minor">
+              <a:schemeClr val="lt1"/>
+            </a:fontRef>
+          </p:style>
+          <p:txBody>
+            <a:bodyPr rtlCol="0" anchor="ctr"/>
+            <a:lstStyle/>
+            <a:p>
+              <a:pPr algn="ctr"/>
+              <a:endParaRPr lang="en-US"/>
+            </a:p>
+          </p:txBody>
+        </p:sp>
+        <p:sp>
+          <p:nvSpPr>
+            <p:cNvPr id="16" name="Rectangle 15">
+              <a:extLst>
+                <a:ext uri="{FF2B5EF4-FFF2-40B4-BE49-F238E27FC236}">
+                  <a16:creationId xmlns:a16="http://schemas.microsoft.com/office/drawing/2014/main" id="{7608F14F-A5AC-8E41-1C59-499D39CC4028}"/>
+                </a:ext>
+                <a:ext uri="{C183D7F6-B498-43B3-948B-1728B52AA6E4}">
+                  <adec:decorative xmlns:adec="http://schemas.microsoft.com/office/drawing/2017/decorative" val="1"/>
+                </a:ext>
+              </a:extLst>
+            </p:cNvPr>
+            <p:cNvSpPr/>
+            <p:nvPr>
+              <p:extLst>
+                <p:ext uri="{386F3935-93C4-4BCD-93E2-E3B085C9AB24}">
+                  <p16:designElem xmlns:p16="http://schemas.microsoft.com/office/powerpoint/2015/main" val="1"/>
+                </p:ext>
+              </p:extLst>
+            </p:nvPr>
+          </p:nvSpPr>
+          <p:spPr>
+            <a:xfrm>
+              <a:off x="5490650" y="308034"/>
+              <a:ext cx="566743" cy="3428999"/>
+            </a:xfrm>
+            <a:prstGeom prst="rect">
+              <a:avLst/>
+            </a:prstGeom>
+            <a:grpFill/>
+            <a:ln>
+              <a:noFill/>
+            </a:ln>
+          </p:spPr>
+          <p:style>
+            <a:lnRef idx="2">
+              <a:schemeClr val="accent1">
+                <a:shade val="50000"/>
+              </a:schemeClr>
+            </a:lnRef>
+            <a:fillRef idx="1">
+              <a:schemeClr val="accent1"/>
+            </a:fillRef>
+            <a:effectRef idx="0">
+              <a:schemeClr val="accent1"/>
+            </a:effectRef>
+            <a:fontRef idx="minor">
+              <a:schemeClr val="lt1"/>
+            </a:fontRef>
+          </p:style>
+          <p:txBody>
+            <a:bodyPr rtlCol="0" anchor="ctr"/>
+            <a:lstStyle/>
+            <a:p>
+              <a:pPr algn="ctr"/>
+              <a:endParaRPr lang="en-US"/>
+            </a:p>
+          </p:txBody>
+        </p:sp>
+      </p:grpSp>
+      <p:sp>
+        <p:nvSpPr>
+          <p:cNvPr id="18" name="Rectangle 17">
+            <a:extLst>
+              <a:ext uri="{FF2B5EF4-FFF2-40B4-BE49-F238E27FC236}">
+                <a16:creationId xmlns:a16="http://schemas.microsoft.com/office/drawing/2014/main" id="{A0C35F3A-8991-2AB9-591A-22379B6DA6AD}"/>
+              </a:ext>
+              <a:ext uri="{C183D7F6-B498-43B3-948B-1728B52AA6E4}">
+                <adec:decorative xmlns:adec="http://schemas.microsoft.com/office/drawing/2017/decorative" val="1"/>
+              </a:ext>
+            </a:extLst>
+          </p:cNvPr>
+          <p:cNvSpPr>
+            <a:spLocks noGrp="1" noRot="1" noChangeAspect="1" noMove="1" noResize="1" noEditPoints="1" noAdjustHandles="1" noChangeArrowheads="1" noChangeShapeType="1" noTextEdit="1"/>
+          </p:cNvSpPr>
+          <p:nvPr>
+            <p:extLst>
+              <p:ext uri="{386F3935-93C4-4BCD-93E2-E3B085C9AB24}">
+                <p16:designElem xmlns:p16="http://schemas.microsoft.com/office/powerpoint/2015/main" val="1"/>
+              </p:ext>
+            </p:extLst>
+          </p:nvPr>
+        </p:nvSpPr>
+        <p:spPr>
+          <a:xfrm flipH="1">
+            <a:off x="10697670" y="0"/>
+            <a:ext cx="1494330" cy="6858000"/>
+          </a:xfrm>
+          <a:prstGeom prst="rect">
+            <a:avLst/>
+          </a:prstGeom>
+          <a:solidFill>
+            <a:schemeClr val="accent4"/>
+          </a:solidFill>
+          <a:ln>
+            <a:noFill/>
+          </a:ln>
+        </p:spPr>
+        <p:style>
+          <a:lnRef idx="2">
+            <a:schemeClr val="accent1">
+              <a:shade val="50000"/>
+            </a:schemeClr>
+          </a:lnRef>
+          <a:fillRef idx="1">
+            <a:schemeClr val="accent1"/>
+          </a:fillRef>
+          <a:effectRef idx="0">
+            <a:schemeClr val="accent1"/>
+          </a:effectRef>
+          <a:fontRef idx="minor">
+            <a:schemeClr val="lt1"/>
+          </a:fontRef>
+        </p:style>
+        <p:txBody>
+          <a:bodyPr rtlCol="0" anchor="ctr"/>
+          <a:lstStyle/>
+          <a:p>
+            <a:pPr algn="ctr"/>
+            <a:endParaRPr lang="en-US"/>
+          </a:p>
+        </p:txBody>
+      </p:sp>
+      <p:sp>
+        <p:nvSpPr>
+          <p:cNvPr id="20" name="Rectangle 19">
+            <a:extLst>
+              <a:ext uri="{FF2B5EF4-FFF2-40B4-BE49-F238E27FC236}">
+                <a16:creationId xmlns:a16="http://schemas.microsoft.com/office/drawing/2014/main" id="{C02A7F3B-6599-315A-AD48-57433C20DC7D}"/>
+              </a:ext>
+              <a:ext uri="{C183D7F6-B498-43B3-948B-1728B52AA6E4}">
+                <adec:decorative xmlns:adec="http://schemas.microsoft.com/office/drawing/2017/decorative" val="1"/>
+              </a:ext>
+            </a:extLst>
+          </p:cNvPr>
+          <p:cNvSpPr>
+            <a:spLocks noGrp="1" noRot="1" noChangeAspect="1" noMove="1" noResize="1" noEditPoints="1" noAdjustHandles="1" noChangeArrowheads="1" noChangeShapeType="1" noTextEdit="1"/>
+          </p:cNvSpPr>
+          <p:nvPr>
+            <p:extLst>
+              <p:ext uri="{386F3935-93C4-4BCD-93E2-E3B085C9AB24}">
+                <p16:designElem xmlns:p16="http://schemas.microsoft.com/office/powerpoint/2015/main" val="1"/>
+              </p:ext>
+            </p:extLst>
+          </p:nvPr>
+        </p:nvSpPr>
+        <p:spPr>
+          <a:xfrm>
+            <a:off x="5685810" y="391886"/>
+            <a:ext cx="6009366" cy="6017078"/>
+          </a:xfrm>
+          <a:prstGeom prst="rect">
+            <a:avLst/>
+          </a:prstGeom>
+          <a:solidFill>
+            <a:schemeClr val="bg1"/>
+          </a:solidFill>
+          <a:ln>
+            <a:noFill/>
+          </a:ln>
+          <a:effectLst>
+            <a:outerShdw blurRad="139700" dist="127000" dir="5400000" algn="t" rotWithShape="0">
+              <a:prstClr val="black">
+                <a:alpha val="15000"/>
+              </a:prstClr>
+            </a:outerShdw>
+          </a:effectLst>
+        </p:spPr>
+        <p:style>
+          <a:lnRef idx="2">
+            <a:schemeClr val="accent1">
+              <a:shade val="50000"/>
+            </a:schemeClr>
+          </a:lnRef>
+          <a:fillRef idx="1">
+            <a:schemeClr val="accent1"/>
+          </a:fillRef>
+          <a:effectRef idx="0">
+            <a:schemeClr val="accent1"/>
+          </a:effectRef>
+          <a:fontRef idx="minor">
+            <a:schemeClr val="lt1"/>
+          </a:fontRef>
+        </p:style>
+        <p:txBody>
+          <a:bodyPr rtlCol="0" anchor="ctr"/>
+          <a:lstStyle/>
+          <a:p>
+            <a:pPr algn="ctr"/>
+            <a:endParaRPr lang="en-US"/>
+          </a:p>
+        </p:txBody>
+      </p:sp>
+      <p:sp>
+        <p:nvSpPr>
+          <p:cNvPr id="8" name="Titel 7">
+            <a:extLst>
+              <a:ext uri="{FF2B5EF4-FFF2-40B4-BE49-F238E27FC236}">
+                <a16:creationId xmlns:a16="http://schemas.microsoft.com/office/drawing/2014/main" id="{BEF58DD0-6452-95DC-3240-8CA0F155166E}"/>
+              </a:ext>
+            </a:extLst>
+          </p:cNvPr>
+          <p:cNvSpPr>
+            <a:spLocks noGrp="1"/>
+          </p:cNvSpPr>
+          <p:nvPr>
+            <p:ph type="title"/>
+          </p:nvPr>
+        </p:nvSpPr>
+        <p:spPr/>
+        <p:txBody>
+          <a:bodyPr/>
+          <a:lstStyle/>
+          <a:p>
+            <a:r>
+              <a:rPr lang="nl-NL" dirty="0" err="1"/>
+              <a:t>Arduino</a:t>
+            </a:r>
+            <a:r>
+              <a:rPr lang="nl-NL" dirty="0"/>
+              <a:t> MIDI </a:t>
+            </a:r>
+            <a:r>
+              <a:rPr lang="nl-NL" dirty="0" err="1"/>
+              <a:t>library</a:t>
+            </a:r>
+            <a:r>
+              <a:rPr lang="nl-NL" dirty="0"/>
+              <a:t> </a:t>
+            </a:r>
+            <a:r>
+              <a:rPr lang="nl-NL" dirty="0" err="1"/>
+              <a:t>commands</a:t>
+            </a:r>
+            <a:endParaRPr lang="nl-NL" dirty="0"/>
+          </a:p>
+        </p:txBody>
+      </p:sp>
+      <p:sp>
+        <p:nvSpPr>
+          <p:cNvPr id="9" name="Tekstvak 8">
+            <a:extLst>
+              <a:ext uri="{FF2B5EF4-FFF2-40B4-BE49-F238E27FC236}">
+                <a16:creationId xmlns:a16="http://schemas.microsoft.com/office/drawing/2014/main" id="{7EB64548-FB77-A61B-0B53-D905261CAF38}"/>
+              </a:ext>
+            </a:extLst>
+          </p:cNvPr>
+          <p:cNvSpPr txBox="1"/>
+          <p:nvPr/>
+        </p:nvSpPr>
+        <p:spPr>
+          <a:xfrm>
+            <a:off x="3611541" y="1939957"/>
+            <a:ext cx="7260609" cy="369332"/>
+          </a:xfrm>
+          <a:prstGeom prst="rect">
+            <a:avLst/>
+          </a:prstGeom>
+          <a:noFill/>
+        </p:spPr>
+        <p:txBody>
+          <a:bodyPr wrap="square" rtlCol="0">
+            <a:spAutoFit/>
+          </a:bodyPr>
+          <a:lstStyle/>
+          <a:p>
+            <a:r>
+              <a:rPr lang="nl-NL" dirty="0" err="1"/>
+              <a:t>MIDI.sendNoteOn</a:t>
+            </a:r>
+            <a:r>
+              <a:rPr lang="nl-NL" dirty="0"/>
+              <a:t>( </a:t>
+            </a:r>
+            <a:r>
+              <a:rPr lang="nl-NL" dirty="0" err="1"/>
+              <a:t>note</a:t>
+            </a:r>
+            <a:r>
+              <a:rPr lang="nl-NL" dirty="0"/>
+              <a:t>, </a:t>
+            </a:r>
+            <a:r>
+              <a:rPr lang="nl-NL" dirty="0" err="1"/>
+              <a:t>velocity</a:t>
+            </a:r>
+            <a:r>
+              <a:rPr lang="nl-NL" dirty="0"/>
+              <a:t>, </a:t>
+            </a:r>
+            <a:r>
+              <a:rPr lang="nl-NL" dirty="0" err="1"/>
+              <a:t>channel</a:t>
+            </a:r>
+            <a:r>
+              <a:rPr lang="nl-NL" dirty="0"/>
+              <a:t>);</a:t>
+            </a:r>
+          </a:p>
+        </p:txBody>
+      </p:sp>
+      <p:sp>
+        <p:nvSpPr>
+          <p:cNvPr id="10" name="Tekstvak 9">
+            <a:extLst>
+              <a:ext uri="{FF2B5EF4-FFF2-40B4-BE49-F238E27FC236}">
+                <a16:creationId xmlns:a16="http://schemas.microsoft.com/office/drawing/2014/main" id="{2F752D85-BCA4-F47A-77C8-49224114D718}"/>
+              </a:ext>
+            </a:extLst>
+          </p:cNvPr>
+          <p:cNvSpPr txBox="1"/>
+          <p:nvPr/>
+        </p:nvSpPr>
+        <p:spPr>
+          <a:xfrm>
+            <a:off x="3611541" y="2374353"/>
+            <a:ext cx="7260609" cy="369332"/>
+          </a:xfrm>
+          <a:prstGeom prst="rect">
+            <a:avLst/>
+          </a:prstGeom>
+          <a:noFill/>
+        </p:spPr>
+        <p:txBody>
+          <a:bodyPr wrap="square" rtlCol="0">
+            <a:spAutoFit/>
+          </a:bodyPr>
+          <a:lstStyle/>
+          <a:p>
+            <a:r>
+              <a:rPr lang="nl-NL" dirty="0" err="1"/>
+              <a:t>MIDI.sendNoteOff</a:t>
+            </a:r>
+            <a:r>
+              <a:rPr lang="nl-NL" dirty="0"/>
+              <a:t>( </a:t>
+            </a:r>
+            <a:r>
+              <a:rPr lang="nl-NL" dirty="0" err="1"/>
+              <a:t>note</a:t>
+            </a:r>
+            <a:r>
+              <a:rPr lang="nl-NL" dirty="0"/>
+              <a:t>, </a:t>
+            </a:r>
+            <a:r>
+              <a:rPr lang="nl-NL" dirty="0" err="1"/>
+              <a:t>velocity</a:t>
+            </a:r>
+            <a:r>
+              <a:rPr lang="nl-NL" dirty="0"/>
+              <a:t>, </a:t>
+            </a:r>
+            <a:r>
+              <a:rPr lang="nl-NL" dirty="0" err="1"/>
+              <a:t>channel</a:t>
+            </a:r>
+            <a:r>
+              <a:rPr lang="nl-NL" dirty="0"/>
+              <a:t>);</a:t>
+            </a:r>
+          </a:p>
+        </p:txBody>
+      </p:sp>
+      <p:sp>
+        <p:nvSpPr>
+          <p:cNvPr id="12" name="Tekstvak 11">
+            <a:extLst>
+              <a:ext uri="{FF2B5EF4-FFF2-40B4-BE49-F238E27FC236}">
+                <a16:creationId xmlns:a16="http://schemas.microsoft.com/office/drawing/2014/main" id="{C787F797-1999-39F9-D524-79DEE9611F6B}"/>
+              </a:ext>
+            </a:extLst>
+          </p:cNvPr>
+          <p:cNvSpPr txBox="1"/>
+          <p:nvPr/>
+        </p:nvSpPr>
+        <p:spPr>
+          <a:xfrm>
+            <a:off x="3611540" y="2981360"/>
+            <a:ext cx="7260609" cy="369332"/>
+          </a:xfrm>
+          <a:prstGeom prst="rect">
+            <a:avLst/>
+          </a:prstGeom>
+          <a:noFill/>
+        </p:spPr>
+        <p:txBody>
+          <a:bodyPr wrap="square" rtlCol="0">
+            <a:spAutoFit/>
+          </a:bodyPr>
+          <a:lstStyle/>
+          <a:p>
+            <a:r>
+              <a:rPr lang="nl-NL" dirty="0" err="1"/>
+              <a:t>MIDI.sendControlChange</a:t>
+            </a:r>
+            <a:r>
+              <a:rPr lang="nl-NL" dirty="0"/>
+              <a:t>(</a:t>
+            </a:r>
+            <a:r>
+              <a:rPr lang="nl-NL" dirty="0" err="1"/>
+              <a:t>ControlNumber</a:t>
+            </a:r>
+            <a:r>
+              <a:rPr lang="nl-NL" dirty="0"/>
+              <a:t>, </a:t>
+            </a:r>
+            <a:r>
+              <a:rPr lang="nl-NL" dirty="0" err="1"/>
+              <a:t>ControlValue</a:t>
+            </a:r>
+            <a:r>
+              <a:rPr lang="nl-NL" dirty="0"/>
+              <a:t>, Channel);</a:t>
+            </a:r>
+          </a:p>
+        </p:txBody>
+      </p:sp>
+      <p:sp>
+        <p:nvSpPr>
+          <p:cNvPr id="23" name="Tekstvak 22">
+            <a:extLst>
+              <a:ext uri="{FF2B5EF4-FFF2-40B4-BE49-F238E27FC236}">
+                <a16:creationId xmlns:a16="http://schemas.microsoft.com/office/drawing/2014/main" id="{3FFDAD70-3802-BCA3-1DC6-94EAB8FE82EB}"/>
+              </a:ext>
+            </a:extLst>
+          </p:cNvPr>
+          <p:cNvSpPr txBox="1"/>
+          <p:nvPr/>
+        </p:nvSpPr>
+        <p:spPr>
+          <a:xfrm>
+            <a:off x="3654483" y="3609473"/>
+            <a:ext cx="7260609" cy="369332"/>
+          </a:xfrm>
+          <a:prstGeom prst="rect">
+            <a:avLst/>
+          </a:prstGeom>
+          <a:noFill/>
+        </p:spPr>
+        <p:txBody>
+          <a:bodyPr wrap="square" rtlCol="0">
+            <a:spAutoFit/>
+          </a:bodyPr>
+          <a:lstStyle/>
+          <a:p>
+            <a:r>
+              <a:rPr lang="nl-NL" dirty="0" err="1"/>
+              <a:t>MIDI.sendProgramChange</a:t>
+            </a:r>
+            <a:r>
+              <a:rPr lang="nl-NL" dirty="0"/>
+              <a:t>(</a:t>
+            </a:r>
+            <a:r>
+              <a:rPr lang="nl-NL" dirty="0" err="1"/>
+              <a:t>ProgNumber</a:t>
+            </a:r>
+            <a:r>
+              <a:rPr lang="nl-NL" dirty="0"/>
+              <a:t>, Channel);</a:t>
+            </a:r>
+          </a:p>
+        </p:txBody>
+      </p:sp>
+      <p:sp>
+        <p:nvSpPr>
+          <p:cNvPr id="24" name="Tekstvak 23">
+            <a:extLst>
+              <a:ext uri="{FF2B5EF4-FFF2-40B4-BE49-F238E27FC236}">
+                <a16:creationId xmlns:a16="http://schemas.microsoft.com/office/drawing/2014/main" id="{2912E230-C1DC-DFAC-2931-D7DB4689068B}"/>
+              </a:ext>
+            </a:extLst>
+          </p:cNvPr>
+          <p:cNvSpPr txBox="1"/>
+          <p:nvPr/>
+        </p:nvSpPr>
+        <p:spPr>
+          <a:xfrm>
+            <a:off x="2255319" y="1939957"/>
+            <a:ext cx="1551841" cy="584775"/>
+          </a:xfrm>
+          <a:prstGeom prst="rect">
+            <a:avLst/>
+          </a:prstGeom>
+          <a:noFill/>
+        </p:spPr>
+        <p:txBody>
+          <a:bodyPr wrap="square" rtlCol="0">
+            <a:spAutoFit/>
+          </a:bodyPr>
+          <a:lstStyle/>
+          <a:p>
+            <a:r>
+              <a:rPr lang="nl-NL" sz="3200" dirty="0" err="1"/>
+              <a:t>Note</a:t>
+            </a:r>
+            <a:endParaRPr lang="nl-NL" sz="3200" dirty="0"/>
+          </a:p>
+        </p:txBody>
+      </p:sp>
+      <p:sp>
+        <p:nvSpPr>
+          <p:cNvPr id="25" name="Tekstvak 24">
+            <a:extLst>
+              <a:ext uri="{FF2B5EF4-FFF2-40B4-BE49-F238E27FC236}">
+                <a16:creationId xmlns:a16="http://schemas.microsoft.com/office/drawing/2014/main" id="{8247B76F-3E6D-03CB-7AE8-AB8C7FBFCF14}"/>
+              </a:ext>
+            </a:extLst>
+          </p:cNvPr>
+          <p:cNvSpPr txBox="1"/>
+          <p:nvPr/>
+        </p:nvSpPr>
+        <p:spPr>
+          <a:xfrm>
+            <a:off x="2102642" y="2904058"/>
+            <a:ext cx="1551841" cy="584775"/>
+          </a:xfrm>
+          <a:prstGeom prst="rect">
+            <a:avLst/>
+          </a:prstGeom>
+          <a:noFill/>
+        </p:spPr>
+        <p:txBody>
+          <a:bodyPr wrap="square" rtlCol="0">
+            <a:spAutoFit/>
+          </a:bodyPr>
+          <a:lstStyle/>
+          <a:p>
+            <a:r>
+              <a:rPr lang="nl-NL" sz="3200" dirty="0"/>
+              <a:t>Control</a:t>
+            </a:r>
+          </a:p>
+        </p:txBody>
+      </p:sp>
+      <p:sp>
+        <p:nvSpPr>
+          <p:cNvPr id="26" name="Tekstvak 25">
+            <a:extLst>
+              <a:ext uri="{FF2B5EF4-FFF2-40B4-BE49-F238E27FC236}">
+                <a16:creationId xmlns:a16="http://schemas.microsoft.com/office/drawing/2014/main" id="{C603984A-D30D-54EF-8A41-C2F046CA046F}"/>
+              </a:ext>
+            </a:extLst>
+          </p:cNvPr>
+          <p:cNvSpPr txBox="1"/>
+          <p:nvPr/>
+        </p:nvSpPr>
+        <p:spPr>
+          <a:xfrm>
+            <a:off x="1949346" y="3475726"/>
+            <a:ext cx="1667957" cy="584775"/>
+          </a:xfrm>
+          <a:prstGeom prst="rect">
+            <a:avLst/>
+          </a:prstGeom>
+          <a:noFill/>
+        </p:spPr>
+        <p:txBody>
+          <a:bodyPr wrap="none" rtlCol="0">
+            <a:spAutoFit/>
+          </a:bodyPr>
+          <a:lstStyle/>
+          <a:p>
+            <a:r>
+              <a:rPr lang="nl-NL" sz="3200" dirty="0"/>
+              <a:t>Program</a:t>
+            </a:r>
+          </a:p>
+        </p:txBody>
+      </p:sp>
+      <p:sp>
+        <p:nvSpPr>
+          <p:cNvPr id="27" name="Tekstvak 26">
+            <a:extLst>
+              <a:ext uri="{FF2B5EF4-FFF2-40B4-BE49-F238E27FC236}">
+                <a16:creationId xmlns:a16="http://schemas.microsoft.com/office/drawing/2014/main" id="{9972676F-A8AC-4300-D494-2594B0321385}"/>
+              </a:ext>
+            </a:extLst>
+          </p:cNvPr>
+          <p:cNvSpPr txBox="1"/>
+          <p:nvPr/>
+        </p:nvSpPr>
+        <p:spPr>
+          <a:xfrm>
+            <a:off x="3611540" y="4378199"/>
+            <a:ext cx="7260609" cy="369332"/>
+          </a:xfrm>
+          <a:prstGeom prst="rect">
+            <a:avLst/>
+          </a:prstGeom>
+          <a:noFill/>
+        </p:spPr>
+        <p:txBody>
+          <a:bodyPr wrap="square" rtlCol="0">
+            <a:spAutoFit/>
+          </a:bodyPr>
+          <a:lstStyle/>
+          <a:p>
+            <a:r>
+              <a:rPr lang="nl-NL" dirty="0" err="1"/>
+              <a:t>MIDI.sendPitchBend</a:t>
+            </a:r>
+            <a:r>
+              <a:rPr lang="nl-NL" dirty="0"/>
+              <a:t>(Value, Channel);</a:t>
+            </a:r>
+          </a:p>
+        </p:txBody>
+      </p:sp>
+      <p:sp>
+        <p:nvSpPr>
+          <p:cNvPr id="28" name="Tekstvak 27">
+            <a:extLst>
+              <a:ext uri="{FF2B5EF4-FFF2-40B4-BE49-F238E27FC236}">
+                <a16:creationId xmlns:a16="http://schemas.microsoft.com/office/drawing/2014/main" id="{835AF9F6-F2BB-95FA-5D39-4D4E57EC1373}"/>
+              </a:ext>
+            </a:extLst>
+          </p:cNvPr>
+          <p:cNvSpPr txBox="1"/>
+          <p:nvPr/>
+        </p:nvSpPr>
+        <p:spPr>
+          <a:xfrm>
+            <a:off x="1511607" y="4255558"/>
+            <a:ext cx="2388357" cy="584775"/>
+          </a:xfrm>
+          <a:prstGeom prst="rect">
+            <a:avLst/>
+          </a:prstGeom>
+          <a:noFill/>
+        </p:spPr>
+        <p:txBody>
+          <a:bodyPr wrap="square" rtlCol="0">
+            <a:spAutoFit/>
+          </a:bodyPr>
+          <a:lstStyle/>
+          <a:p>
+            <a:r>
+              <a:rPr lang="nl-NL" sz="3200" dirty="0" err="1"/>
+              <a:t>PitchBend</a:t>
+            </a:r>
+            <a:endParaRPr lang="nl-NL" sz="3200" dirty="0"/>
+          </a:p>
+        </p:txBody>
+      </p:sp>
+      <p:sp>
+        <p:nvSpPr>
+          <p:cNvPr id="29" name="Tekstvak 28">
+            <a:extLst>
+              <a:ext uri="{FF2B5EF4-FFF2-40B4-BE49-F238E27FC236}">
+                <a16:creationId xmlns:a16="http://schemas.microsoft.com/office/drawing/2014/main" id="{DEA39BC4-2274-E528-CB50-4BAAEF36F041}"/>
+              </a:ext>
+            </a:extLst>
+          </p:cNvPr>
+          <p:cNvSpPr txBox="1"/>
+          <p:nvPr/>
+        </p:nvSpPr>
+        <p:spPr>
+          <a:xfrm>
+            <a:off x="3611540" y="5176019"/>
+            <a:ext cx="2925929" cy="369332"/>
+          </a:xfrm>
+          <a:prstGeom prst="rect">
+            <a:avLst/>
+          </a:prstGeom>
+          <a:noFill/>
+        </p:spPr>
+        <p:txBody>
+          <a:bodyPr wrap="square" rtlCol="0">
+            <a:spAutoFit/>
+          </a:bodyPr>
+          <a:lstStyle/>
+          <a:p>
+            <a:r>
+              <a:rPr lang="nl-NL" dirty="0" err="1"/>
+              <a:t>MIDI.sendClock</a:t>
+            </a:r>
+            <a:r>
+              <a:rPr lang="nl-NL" dirty="0"/>
+              <a:t>();</a:t>
+            </a:r>
+          </a:p>
+        </p:txBody>
+      </p:sp>
+      <p:sp>
+        <p:nvSpPr>
+          <p:cNvPr id="30" name="Tekstvak 29">
+            <a:extLst>
+              <a:ext uri="{FF2B5EF4-FFF2-40B4-BE49-F238E27FC236}">
+                <a16:creationId xmlns:a16="http://schemas.microsoft.com/office/drawing/2014/main" id="{6EB87A7A-607D-8541-DB2F-AC33AA684CF0}"/>
+              </a:ext>
+            </a:extLst>
+          </p:cNvPr>
+          <p:cNvSpPr txBox="1"/>
+          <p:nvPr/>
+        </p:nvSpPr>
+        <p:spPr>
+          <a:xfrm>
+            <a:off x="2133222" y="5035390"/>
+            <a:ext cx="1419367" cy="584775"/>
+          </a:xfrm>
+          <a:prstGeom prst="rect">
+            <a:avLst/>
+          </a:prstGeom>
+          <a:noFill/>
+        </p:spPr>
+        <p:txBody>
+          <a:bodyPr wrap="square" rtlCol="0">
+            <a:spAutoFit/>
+          </a:bodyPr>
+          <a:lstStyle/>
+          <a:p>
+            <a:r>
+              <a:rPr lang="nl-NL" sz="3200" dirty="0" err="1"/>
+              <a:t>Clock</a:t>
+            </a:r>
+            <a:endParaRPr lang="nl-NL" sz="3200" dirty="0"/>
+          </a:p>
+        </p:txBody>
+      </p:sp>
+      <p:sp>
+        <p:nvSpPr>
+          <p:cNvPr id="31" name="Tekstvak 30">
+            <a:extLst>
+              <a:ext uri="{FF2B5EF4-FFF2-40B4-BE49-F238E27FC236}">
+                <a16:creationId xmlns:a16="http://schemas.microsoft.com/office/drawing/2014/main" id="{30F9A910-95C3-891F-B38E-1B207BDEDFEF}"/>
+              </a:ext>
+            </a:extLst>
+          </p:cNvPr>
+          <p:cNvSpPr txBox="1"/>
+          <p:nvPr/>
+        </p:nvSpPr>
+        <p:spPr>
+          <a:xfrm>
+            <a:off x="7832581" y="5176019"/>
+            <a:ext cx="2925929" cy="369332"/>
+          </a:xfrm>
+          <a:prstGeom prst="rect">
+            <a:avLst/>
+          </a:prstGeom>
+          <a:noFill/>
+        </p:spPr>
+        <p:txBody>
+          <a:bodyPr wrap="square" rtlCol="0">
+            <a:spAutoFit/>
+          </a:bodyPr>
+          <a:lstStyle/>
+          <a:p>
+            <a:r>
+              <a:rPr lang="nl-NL" dirty="0" err="1"/>
+              <a:t>MIDI.sendStart</a:t>
+            </a:r>
+            <a:r>
+              <a:rPr lang="nl-NL" dirty="0"/>
+              <a:t>();</a:t>
+            </a:r>
+          </a:p>
+        </p:txBody>
+      </p:sp>
+      <p:sp>
+        <p:nvSpPr>
+          <p:cNvPr id="32" name="Tekstvak 31">
+            <a:extLst>
+              <a:ext uri="{FF2B5EF4-FFF2-40B4-BE49-F238E27FC236}">
+                <a16:creationId xmlns:a16="http://schemas.microsoft.com/office/drawing/2014/main" id="{6B770BFB-A72A-3735-4440-E4F7FF8C38C6}"/>
+              </a:ext>
+            </a:extLst>
+          </p:cNvPr>
+          <p:cNvSpPr txBox="1"/>
+          <p:nvPr/>
+        </p:nvSpPr>
+        <p:spPr>
+          <a:xfrm>
+            <a:off x="7861969" y="5792491"/>
+            <a:ext cx="2925929" cy="369332"/>
+          </a:xfrm>
+          <a:prstGeom prst="rect">
+            <a:avLst/>
+          </a:prstGeom>
+          <a:noFill/>
+        </p:spPr>
+        <p:txBody>
+          <a:bodyPr wrap="square" rtlCol="0">
+            <a:spAutoFit/>
+          </a:bodyPr>
+          <a:lstStyle/>
+          <a:p>
+            <a:r>
+              <a:rPr lang="nl-NL" dirty="0" err="1"/>
+              <a:t>MIDI.sendStop</a:t>
+            </a:r>
+            <a:r>
+              <a:rPr lang="nl-NL" dirty="0"/>
+              <a:t>();</a:t>
+            </a:r>
+          </a:p>
+        </p:txBody>
+      </p:sp>
+      <p:sp>
+        <p:nvSpPr>
+          <p:cNvPr id="33" name="Tekstvak 32">
+            <a:extLst>
+              <a:ext uri="{FF2B5EF4-FFF2-40B4-BE49-F238E27FC236}">
+                <a16:creationId xmlns:a16="http://schemas.microsoft.com/office/drawing/2014/main" id="{B8109D3F-C0EE-0DB4-BEAD-5755BB3A7933}"/>
+              </a:ext>
+            </a:extLst>
+          </p:cNvPr>
+          <p:cNvSpPr txBox="1"/>
+          <p:nvPr/>
+        </p:nvSpPr>
+        <p:spPr>
+          <a:xfrm>
+            <a:off x="6717671" y="5073556"/>
+            <a:ext cx="1037463" cy="584775"/>
+          </a:xfrm>
+          <a:prstGeom prst="rect">
+            <a:avLst/>
+          </a:prstGeom>
+          <a:noFill/>
+        </p:spPr>
+        <p:txBody>
+          <a:bodyPr wrap="none" rtlCol="0">
+            <a:spAutoFit/>
+          </a:bodyPr>
+          <a:lstStyle/>
+          <a:p>
+            <a:r>
+              <a:rPr lang="nl-NL" sz="3200" dirty="0"/>
+              <a:t>Start</a:t>
+            </a:r>
+          </a:p>
+        </p:txBody>
+      </p:sp>
+      <p:sp>
+        <p:nvSpPr>
+          <p:cNvPr id="34" name="Tekstvak 33">
+            <a:extLst>
+              <a:ext uri="{FF2B5EF4-FFF2-40B4-BE49-F238E27FC236}">
+                <a16:creationId xmlns:a16="http://schemas.microsoft.com/office/drawing/2014/main" id="{BF9CFF10-4826-FE02-D1CF-0AEEF924497B}"/>
+              </a:ext>
+            </a:extLst>
+          </p:cNvPr>
+          <p:cNvSpPr txBox="1"/>
+          <p:nvPr/>
+        </p:nvSpPr>
+        <p:spPr>
+          <a:xfrm>
+            <a:off x="6766055" y="5690932"/>
+            <a:ext cx="1005019" cy="584775"/>
+          </a:xfrm>
+          <a:prstGeom prst="rect">
+            <a:avLst/>
+          </a:prstGeom>
+          <a:noFill/>
+        </p:spPr>
+        <p:txBody>
+          <a:bodyPr wrap="none" rtlCol="0">
+            <a:spAutoFit/>
+          </a:bodyPr>
+          <a:lstStyle/>
+          <a:p>
+            <a:r>
+              <a:rPr lang="nl-NL" sz="3200" dirty="0"/>
+              <a:t>Stop</a:t>
+            </a:r>
+          </a:p>
+        </p:txBody>
+      </p:sp>
+      <p:sp>
+        <p:nvSpPr>
+          <p:cNvPr id="35" name="Tekstvak 34">
+            <a:extLst>
+              <a:ext uri="{FF2B5EF4-FFF2-40B4-BE49-F238E27FC236}">
+                <a16:creationId xmlns:a16="http://schemas.microsoft.com/office/drawing/2014/main" id="{57734950-3A0A-661C-C41B-24F683C1AA78}"/>
+              </a:ext>
+            </a:extLst>
+          </p:cNvPr>
+          <p:cNvSpPr txBox="1"/>
+          <p:nvPr/>
+        </p:nvSpPr>
+        <p:spPr>
+          <a:xfrm>
+            <a:off x="1508806" y="5684769"/>
+            <a:ext cx="1822935" cy="584775"/>
+          </a:xfrm>
+          <a:prstGeom prst="rect">
+            <a:avLst/>
+          </a:prstGeom>
+          <a:noFill/>
+        </p:spPr>
+        <p:txBody>
+          <a:bodyPr wrap="none" rtlCol="0">
+            <a:spAutoFit/>
+          </a:bodyPr>
+          <a:lstStyle/>
+          <a:p>
+            <a:r>
+              <a:rPr lang="nl-NL" sz="3200" dirty="0"/>
+              <a:t>Continue</a:t>
+            </a:r>
+          </a:p>
+        </p:txBody>
+      </p:sp>
+      <p:sp>
+        <p:nvSpPr>
+          <p:cNvPr id="36" name="Tekstvak 35">
+            <a:extLst>
+              <a:ext uri="{FF2B5EF4-FFF2-40B4-BE49-F238E27FC236}">
+                <a16:creationId xmlns:a16="http://schemas.microsoft.com/office/drawing/2014/main" id="{DF9E347D-B4E3-D371-BEF1-55EDE430DB03}"/>
+              </a:ext>
+            </a:extLst>
+          </p:cNvPr>
+          <p:cNvSpPr txBox="1"/>
+          <p:nvPr/>
+        </p:nvSpPr>
+        <p:spPr>
+          <a:xfrm>
+            <a:off x="3611539" y="5789173"/>
+            <a:ext cx="2925929" cy="369332"/>
+          </a:xfrm>
+          <a:prstGeom prst="rect">
+            <a:avLst/>
+          </a:prstGeom>
+          <a:noFill/>
+        </p:spPr>
+        <p:txBody>
+          <a:bodyPr wrap="square" rtlCol="0">
+            <a:spAutoFit/>
+          </a:bodyPr>
+          <a:lstStyle/>
+          <a:p>
+            <a:r>
+              <a:rPr lang="nl-NL" dirty="0" err="1"/>
+              <a:t>MIDI.sendContinue</a:t>
+            </a:r>
+            <a:r>
+              <a:rPr lang="nl-NL" dirty="0"/>
+              <a:t>();</a:t>
+            </a:r>
+          </a:p>
+        </p:txBody>
+      </p:sp>
+    </p:spTree>
+    <p:extLst>
+      <p:ext uri="{BB962C8B-B14F-4D97-AF65-F5344CB8AC3E}">
+        <p14:creationId xmlns:p14="http://schemas.microsoft.com/office/powerpoint/2010/main" val="2815295689"/>
+      </p:ext>
+    </p:extLst>
+  </p:cSld>
+  <p:clrMapOvr>
+    <a:masterClrMapping/>
+  </p:clrMapOvr>
+</p:sld>
+</file>
+
+<file path=ppt/slides/slide15.xml><?xml version="1.0" encoding="utf-8"?>
 <p:sld xmlns:a="http://schemas.openxmlformats.org/drawingml/2006/main" xmlns:r="http://schemas.openxmlformats.org/officeDocument/2006/relationships" xmlns:p="http://schemas.openxmlformats.org/presentationml/2006/main">
   <p:cSld>
     <p:spTree>
@@ -3600,6 +7288,760 @@
     <p:extLst>
       <p:ext uri="{BB962C8B-B14F-4D97-AF65-F5344CB8AC3E}">
         <p14:creationId xmlns:p14="http://schemas.microsoft.com/office/powerpoint/2010/main" val="696383404"/>
+      </p:ext>
+    </p:extLst>
+  </p:cSld>
+  <p:clrMapOvr>
+    <a:masterClrMapping/>
+  </p:clrMapOvr>
+</p:sld>
+</file>
+
+<file path=ppt/slides/slide2.xml><?xml version="1.0" encoding="utf-8"?>
+<p:sld xmlns:a="http://schemas.openxmlformats.org/drawingml/2006/main" xmlns:r="http://schemas.openxmlformats.org/officeDocument/2006/relationships" xmlns:p="http://schemas.openxmlformats.org/presentationml/2006/main">
+  <p:cSld>
+    <p:bg>
+      <p:bgPr>
+        <a:solidFill>
+          <a:schemeClr val="bg1"/>
+        </a:solidFill>
+        <a:effectLst/>
+      </p:bgPr>
+    </p:bg>
+    <p:spTree>
+      <p:nvGrpSpPr>
+        <p:cNvPr id="1" name="">
+          <a:extLst>
+            <a:ext uri="{FF2B5EF4-FFF2-40B4-BE49-F238E27FC236}">
+              <a16:creationId xmlns:a16="http://schemas.microsoft.com/office/drawing/2014/main" id="{FD283113-8B2C-3284-EA96-90F1AA37A160}"/>
+            </a:ext>
+          </a:extLst>
+        </p:cNvPr>
+        <p:cNvGrpSpPr/>
+        <p:nvPr/>
+      </p:nvGrpSpPr>
+      <p:grpSpPr>
+        <a:xfrm>
+          <a:off x="0" y="0"/>
+          <a:ext cx="0" cy="0"/>
+          <a:chOff x="0" y="0"/>
+          <a:chExt cx="0" cy="0"/>
+        </a:xfrm>
+      </p:grpSpPr>
+      <p:sp useBgFill="1">
+        <p:nvSpPr>
+          <p:cNvPr id="10" name="Rectangle 9">
+            <a:extLst>
+              <a:ext uri="{FF2B5EF4-FFF2-40B4-BE49-F238E27FC236}">
+                <a16:creationId xmlns:a16="http://schemas.microsoft.com/office/drawing/2014/main" id="{49C927BA-1A0C-10FF-6CF3-90E7BE806AC1}"/>
+              </a:ext>
+              <a:ext uri="{C183D7F6-B498-43B3-948B-1728B52AA6E4}">
+                <adec:decorative xmlns:adec="http://schemas.microsoft.com/office/drawing/2017/decorative" val="1"/>
+              </a:ext>
+            </a:extLst>
+          </p:cNvPr>
+          <p:cNvSpPr>
+            <a:spLocks noGrp="1" noRot="1" noChangeAspect="1" noMove="1" noResize="1" noEditPoints="1" noAdjustHandles="1" noChangeArrowheads="1" noChangeShapeType="1" noTextEdit="1"/>
+          </p:cNvSpPr>
+          <p:nvPr>
+            <p:extLst>
+              <p:ext uri="{386F3935-93C4-4BCD-93E2-E3B085C9AB24}">
+                <p16:designElem xmlns:p16="http://schemas.microsoft.com/office/powerpoint/2015/main" val="1"/>
+              </p:ext>
+            </p:extLst>
+          </p:nvPr>
+        </p:nvSpPr>
+        <p:spPr>
+          <a:xfrm>
+            <a:off x="0" y="0"/>
+            <a:ext cx="12192000" cy="6858000"/>
+          </a:xfrm>
+          <a:prstGeom prst="rect">
+            <a:avLst/>
+          </a:prstGeom>
+          <a:ln>
+            <a:noFill/>
+          </a:ln>
+        </p:spPr>
+        <p:style>
+          <a:lnRef idx="2">
+            <a:schemeClr val="accent1">
+              <a:shade val="50000"/>
+            </a:schemeClr>
+          </a:lnRef>
+          <a:fillRef idx="1">
+            <a:schemeClr val="accent1"/>
+          </a:fillRef>
+          <a:effectRef idx="0">
+            <a:schemeClr val="accent1"/>
+          </a:effectRef>
+          <a:fontRef idx="minor">
+            <a:schemeClr val="lt1"/>
+          </a:fontRef>
+        </p:style>
+        <p:txBody>
+          <a:bodyPr rtlCol="0" anchor="ctr"/>
+          <a:lstStyle/>
+          <a:p>
+            <a:pPr algn="ctr"/>
+            <a:endParaRPr lang="en-US"/>
+          </a:p>
+        </p:txBody>
+      </p:sp>
+      <p:sp>
+        <p:nvSpPr>
+          <p:cNvPr id="12" name="Right Triangle 11">
+            <a:extLst>
+              <a:ext uri="{FF2B5EF4-FFF2-40B4-BE49-F238E27FC236}">
+                <a16:creationId xmlns:a16="http://schemas.microsoft.com/office/drawing/2014/main" id="{067A78B8-5AE9-D57F-96ED-B74A1BB48002}"/>
+              </a:ext>
+              <a:ext uri="{C183D7F6-B498-43B3-948B-1728B52AA6E4}">
+                <adec:decorative xmlns:adec="http://schemas.microsoft.com/office/drawing/2017/decorative" val="1"/>
+              </a:ext>
+            </a:extLst>
+          </p:cNvPr>
+          <p:cNvSpPr>
+            <a:spLocks noGrp="1" noRot="1" noChangeAspect="1" noMove="1" noResize="1" noEditPoints="1" noAdjustHandles="1" noChangeArrowheads="1" noChangeShapeType="1" noTextEdit="1"/>
+          </p:cNvSpPr>
+          <p:nvPr>
+            <p:extLst>
+              <p:ext uri="{386F3935-93C4-4BCD-93E2-E3B085C9AB24}">
+                <p16:designElem xmlns:p16="http://schemas.microsoft.com/office/powerpoint/2015/main" val="1"/>
+              </p:ext>
+            </p:extLst>
+          </p:nvPr>
+        </p:nvSpPr>
+        <p:spPr>
+          <a:xfrm flipH="1">
+            <a:off x="8576720" y="3335867"/>
+            <a:ext cx="3291840" cy="3200400"/>
+          </a:xfrm>
+          <a:prstGeom prst="rtTriangle">
+            <a:avLst/>
+          </a:prstGeom>
+          <a:solidFill>
+            <a:schemeClr val="accent4"/>
+          </a:solidFill>
+          <a:ln>
+            <a:noFill/>
+          </a:ln>
+        </p:spPr>
+        <p:style>
+          <a:lnRef idx="2">
+            <a:schemeClr val="accent1">
+              <a:shade val="50000"/>
+            </a:schemeClr>
+          </a:lnRef>
+          <a:fillRef idx="1">
+            <a:schemeClr val="accent1"/>
+          </a:fillRef>
+          <a:effectRef idx="0">
+            <a:schemeClr val="accent1"/>
+          </a:effectRef>
+          <a:fontRef idx="minor">
+            <a:schemeClr val="lt1"/>
+          </a:fontRef>
+        </p:style>
+        <p:txBody>
+          <a:bodyPr rtlCol="0" anchor="ctr"/>
+          <a:lstStyle/>
+          <a:p>
+            <a:pPr algn="ctr"/>
+            <a:endParaRPr lang="en-US" dirty="0"/>
+          </a:p>
+        </p:txBody>
+      </p:sp>
+      <p:sp>
+        <p:nvSpPr>
+          <p:cNvPr id="14" name="Rectangle 13">
+            <a:extLst>
+              <a:ext uri="{FF2B5EF4-FFF2-40B4-BE49-F238E27FC236}">
+                <a16:creationId xmlns:a16="http://schemas.microsoft.com/office/drawing/2014/main" id="{53776DAF-27BC-ED20-F7D7-55791A4120FA}"/>
+              </a:ext>
+              <a:ext uri="{C183D7F6-B498-43B3-948B-1728B52AA6E4}">
+                <adec:decorative xmlns:adec="http://schemas.microsoft.com/office/drawing/2017/decorative" val="1"/>
+              </a:ext>
+            </a:extLst>
+          </p:cNvPr>
+          <p:cNvSpPr>
+            <a:spLocks noGrp="1" noRot="1" noChangeAspect="1" noMove="1" noResize="1" noEditPoints="1" noAdjustHandles="1" noChangeArrowheads="1" noChangeShapeType="1" noTextEdit="1"/>
+          </p:cNvSpPr>
+          <p:nvPr>
+            <p:extLst>
+              <p:ext uri="{386F3935-93C4-4BCD-93E2-E3B085C9AB24}">
+                <p16:designElem xmlns:p16="http://schemas.microsoft.com/office/powerpoint/2015/main" val="1"/>
+              </p:ext>
+            </p:extLst>
+          </p:nvPr>
+        </p:nvSpPr>
+        <p:spPr>
+          <a:xfrm>
+            <a:off x="7534653" y="623275"/>
+            <a:ext cx="4012173" cy="5607882"/>
+          </a:xfrm>
+          <a:prstGeom prst="rect">
+            <a:avLst/>
+          </a:prstGeom>
+          <a:noFill/>
+          <a:ln w="19050">
+            <a:solidFill>
+              <a:schemeClr val="tx1">
+                <a:lumMod val="75000"/>
+                <a:lumOff val="25000"/>
+              </a:schemeClr>
+            </a:solidFill>
+          </a:ln>
+        </p:spPr>
+        <p:style>
+          <a:lnRef idx="2">
+            <a:schemeClr val="accent1">
+              <a:shade val="50000"/>
+            </a:schemeClr>
+          </a:lnRef>
+          <a:fillRef idx="1">
+            <a:schemeClr val="accent1"/>
+          </a:fillRef>
+          <a:effectRef idx="0">
+            <a:schemeClr val="accent1"/>
+          </a:effectRef>
+          <a:fontRef idx="minor">
+            <a:schemeClr val="lt1"/>
+          </a:fontRef>
+        </p:style>
+        <p:txBody>
+          <a:bodyPr rtlCol="0" anchor="ctr"/>
+          <a:lstStyle/>
+          <a:p>
+            <a:pPr algn="ctr"/>
+            <a:endParaRPr lang="en-US"/>
+          </a:p>
+        </p:txBody>
+      </p:sp>
+      <p:sp>
+        <p:nvSpPr>
+          <p:cNvPr id="2" name="Titel 1">
+            <a:extLst>
+              <a:ext uri="{FF2B5EF4-FFF2-40B4-BE49-F238E27FC236}">
+                <a16:creationId xmlns:a16="http://schemas.microsoft.com/office/drawing/2014/main" id="{CF45E5B2-8629-151C-AA90-1CB194A85BE8}"/>
+              </a:ext>
+            </a:extLst>
+          </p:cNvPr>
+          <p:cNvSpPr>
+            <a:spLocks noGrp="1"/>
+          </p:cNvSpPr>
+          <p:nvPr>
+            <p:ph type="ctrTitle"/>
+          </p:nvPr>
+        </p:nvSpPr>
+        <p:spPr>
+          <a:xfrm>
+            <a:off x="8052497" y="1056640"/>
+            <a:ext cx="3197660" cy="3125746"/>
+          </a:xfrm>
+        </p:spPr>
+        <p:txBody>
+          <a:bodyPr anchor="b">
+            <a:normAutofit/>
+          </a:bodyPr>
+          <a:lstStyle/>
+          <a:p>
+            <a:pPr algn="l"/>
+            <a:r>
+              <a:rPr lang="nl-NL" sz="7200" dirty="0" err="1"/>
+              <a:t>Arduino</a:t>
+            </a:r>
+            <a:r>
+              <a:rPr lang="nl-NL" sz="7200" dirty="0"/>
+              <a:t> &amp;</a:t>
+            </a:r>
+            <a:br>
+              <a:rPr lang="nl-NL" sz="7200" dirty="0"/>
+            </a:br>
+            <a:r>
+              <a:rPr lang="nl-NL" sz="7200" dirty="0"/>
+              <a:t>MIDI</a:t>
+            </a:r>
+          </a:p>
+        </p:txBody>
+      </p:sp>
+      <p:sp>
+        <p:nvSpPr>
+          <p:cNvPr id="3" name="Ondertitel 2">
+            <a:extLst>
+              <a:ext uri="{FF2B5EF4-FFF2-40B4-BE49-F238E27FC236}">
+                <a16:creationId xmlns:a16="http://schemas.microsoft.com/office/drawing/2014/main" id="{8F59466E-84C6-EBDC-B7F0-F3F44C6555C7}"/>
+              </a:ext>
+            </a:extLst>
+          </p:cNvPr>
+          <p:cNvSpPr>
+            <a:spLocks noGrp="1"/>
+          </p:cNvSpPr>
+          <p:nvPr>
+            <p:ph type="subTitle" idx="1"/>
+          </p:nvPr>
+        </p:nvSpPr>
+        <p:spPr>
+          <a:xfrm>
+            <a:off x="8052496" y="4301656"/>
+            <a:ext cx="2705619" cy="762618"/>
+          </a:xfrm>
+        </p:spPr>
+        <p:txBody>
+          <a:bodyPr anchor="t">
+            <a:normAutofit/>
+          </a:bodyPr>
+          <a:lstStyle/>
+          <a:p>
+            <a:pPr algn="l"/>
+            <a:r>
+              <a:rPr lang="nl-NL" sz="2000" dirty="0"/>
+              <a:t>DIY MIDI controllers</a:t>
+            </a:r>
+          </a:p>
+        </p:txBody>
+      </p:sp>
+      <p:sp>
+        <p:nvSpPr>
+          <p:cNvPr id="4" name="Tekstvak 3">
+            <a:extLst>
+              <a:ext uri="{FF2B5EF4-FFF2-40B4-BE49-F238E27FC236}">
+                <a16:creationId xmlns:a16="http://schemas.microsoft.com/office/drawing/2014/main" id="{D541100F-AA47-B42D-D4D9-09D532F65255}"/>
+              </a:ext>
+            </a:extLst>
+          </p:cNvPr>
+          <p:cNvSpPr txBox="1"/>
+          <p:nvPr/>
+        </p:nvSpPr>
+        <p:spPr>
+          <a:xfrm>
+            <a:off x="1099447" y="1332102"/>
+            <a:ext cx="5304529" cy="646331"/>
+          </a:xfrm>
+          <a:prstGeom prst="rect">
+            <a:avLst/>
+          </a:prstGeom>
+          <a:noFill/>
+        </p:spPr>
+        <p:txBody>
+          <a:bodyPr wrap="none" rtlCol="0">
+            <a:spAutoFit/>
+          </a:bodyPr>
+          <a:lstStyle/>
+          <a:p>
+            <a:r>
+              <a:rPr lang="nl-NL" dirty="0"/>
+              <a:t>Step 1: Download </a:t>
+            </a:r>
+            <a:r>
+              <a:rPr lang="nl-NL" dirty="0" err="1"/>
+              <a:t>the</a:t>
+            </a:r>
+            <a:r>
+              <a:rPr lang="nl-NL" dirty="0"/>
+              <a:t> </a:t>
+            </a:r>
+            <a:r>
+              <a:rPr lang="nl-NL" dirty="0" err="1"/>
+              <a:t>Arduino</a:t>
+            </a:r>
+            <a:r>
+              <a:rPr lang="nl-NL" dirty="0"/>
+              <a:t> software </a:t>
+            </a:r>
+            <a:r>
+              <a:rPr lang="nl-NL" dirty="0" err="1"/>
+              <a:t>and</a:t>
+            </a:r>
+            <a:r>
+              <a:rPr lang="nl-NL" dirty="0"/>
+              <a:t> </a:t>
+            </a:r>
+            <a:r>
+              <a:rPr lang="nl-NL" dirty="0" err="1"/>
+              <a:t>install</a:t>
+            </a:r>
+            <a:r>
+              <a:rPr lang="nl-NL" dirty="0"/>
+              <a:t> </a:t>
+            </a:r>
+            <a:r>
+              <a:rPr lang="nl-NL" dirty="0" err="1"/>
+              <a:t>it</a:t>
+            </a:r>
+            <a:endParaRPr lang="nl-NL" dirty="0"/>
+          </a:p>
+          <a:p>
+            <a:r>
+              <a:rPr lang="nl-NL" dirty="0" err="1">
+                <a:hlinkClick r:id="rId2"/>
+              </a:rPr>
+              <a:t>https</a:t>
+            </a:r>
+            <a:r>
+              <a:rPr lang="nl-NL" dirty="0">
+                <a:hlinkClick r:id="rId2"/>
+              </a:rPr>
+              <a:t>://</a:t>
+            </a:r>
+            <a:r>
+              <a:rPr lang="nl-NL" dirty="0" err="1">
+                <a:hlinkClick r:id="rId2"/>
+              </a:rPr>
+              <a:t>www.arduino.cc</a:t>
+            </a:r>
+            <a:r>
+              <a:rPr lang="nl-NL" dirty="0">
+                <a:hlinkClick r:id="rId2"/>
+              </a:rPr>
+              <a:t>/en/software/</a:t>
+            </a:r>
+            <a:endParaRPr lang="nl-NL" dirty="0"/>
+          </a:p>
+        </p:txBody>
+      </p:sp>
+      <p:sp>
+        <p:nvSpPr>
+          <p:cNvPr id="6" name="Tekstvak 5">
+            <a:extLst>
+              <a:ext uri="{FF2B5EF4-FFF2-40B4-BE49-F238E27FC236}">
+                <a16:creationId xmlns:a16="http://schemas.microsoft.com/office/drawing/2014/main" id="{50036458-57E6-D332-6BDF-2451F76B0BD0}"/>
+              </a:ext>
+            </a:extLst>
+          </p:cNvPr>
+          <p:cNvSpPr txBox="1"/>
+          <p:nvPr/>
+        </p:nvSpPr>
+        <p:spPr>
+          <a:xfrm>
+            <a:off x="1051507" y="2371621"/>
+            <a:ext cx="4949817" cy="646331"/>
+          </a:xfrm>
+          <a:prstGeom prst="rect">
+            <a:avLst/>
+          </a:prstGeom>
+          <a:noFill/>
+        </p:spPr>
+        <p:txBody>
+          <a:bodyPr wrap="none" rtlCol="0">
+            <a:spAutoFit/>
+          </a:bodyPr>
+          <a:lstStyle/>
+          <a:p>
+            <a:r>
+              <a:rPr lang="nl-NL" dirty="0"/>
+              <a:t>Step 2: Connect </a:t>
+            </a:r>
+            <a:r>
+              <a:rPr lang="nl-NL" dirty="0" err="1"/>
+              <a:t>the</a:t>
+            </a:r>
+            <a:r>
+              <a:rPr lang="nl-NL" dirty="0"/>
+              <a:t> </a:t>
+            </a:r>
+            <a:r>
+              <a:rPr lang="nl-NL" dirty="0" err="1"/>
+              <a:t>Arduino</a:t>
+            </a:r>
+            <a:r>
+              <a:rPr lang="nl-NL" dirty="0"/>
+              <a:t> board </a:t>
+            </a:r>
+            <a:r>
+              <a:rPr lang="nl-NL" dirty="0" err="1"/>
+              <a:t>to</a:t>
+            </a:r>
+            <a:r>
+              <a:rPr lang="nl-NL" dirty="0"/>
+              <a:t> a USB port</a:t>
+            </a:r>
+          </a:p>
+          <a:p>
+            <a:r>
+              <a:rPr lang="nl-NL" dirty="0" err="1"/>
+              <a:t>Use</a:t>
+            </a:r>
+            <a:r>
+              <a:rPr lang="nl-NL" dirty="0"/>
+              <a:t> a </a:t>
+            </a:r>
+            <a:r>
+              <a:rPr lang="nl-NL" dirty="0" err="1"/>
+              <a:t>dongle</a:t>
+            </a:r>
+            <a:r>
+              <a:rPr lang="nl-NL" dirty="0"/>
+              <a:t> or USB hub </a:t>
+            </a:r>
+            <a:r>
+              <a:rPr lang="nl-NL" dirty="0" err="1"/>
+              <a:t>if</a:t>
+            </a:r>
+            <a:r>
+              <a:rPr lang="nl-NL" dirty="0"/>
+              <a:t> </a:t>
+            </a:r>
+            <a:r>
+              <a:rPr lang="nl-NL" dirty="0" err="1"/>
+              <a:t>needed</a:t>
+            </a:r>
+            <a:endParaRPr lang="nl-NL" dirty="0"/>
+          </a:p>
+        </p:txBody>
+      </p:sp>
+      <p:sp>
+        <p:nvSpPr>
+          <p:cNvPr id="7" name="Tekstvak 6">
+            <a:extLst>
+              <a:ext uri="{FF2B5EF4-FFF2-40B4-BE49-F238E27FC236}">
+                <a16:creationId xmlns:a16="http://schemas.microsoft.com/office/drawing/2014/main" id="{7D90372F-9954-0AA4-589C-BEB9645D63A8}"/>
+              </a:ext>
+            </a:extLst>
+          </p:cNvPr>
+          <p:cNvSpPr txBox="1"/>
+          <p:nvPr/>
+        </p:nvSpPr>
+        <p:spPr>
+          <a:xfrm>
+            <a:off x="1051507" y="3394782"/>
+            <a:ext cx="6212278" cy="646331"/>
+          </a:xfrm>
+          <a:prstGeom prst="rect">
+            <a:avLst/>
+          </a:prstGeom>
+          <a:noFill/>
+        </p:spPr>
+        <p:txBody>
+          <a:bodyPr wrap="none" rtlCol="0">
+            <a:spAutoFit/>
+          </a:bodyPr>
+          <a:lstStyle/>
+          <a:p>
+            <a:r>
+              <a:rPr lang="nl-NL" dirty="0"/>
+              <a:t>Step 3: Start </a:t>
+            </a:r>
+            <a:r>
+              <a:rPr lang="nl-NL" dirty="0" err="1"/>
+              <a:t>the</a:t>
+            </a:r>
+            <a:r>
+              <a:rPr lang="nl-NL" dirty="0"/>
+              <a:t> </a:t>
+            </a:r>
+            <a:r>
+              <a:rPr lang="nl-NL" dirty="0" err="1"/>
+              <a:t>Arduino</a:t>
+            </a:r>
+            <a:r>
+              <a:rPr lang="nl-NL" dirty="0"/>
+              <a:t> software </a:t>
+            </a:r>
+            <a:r>
+              <a:rPr lang="nl-NL" dirty="0" err="1"/>
+              <a:t>and</a:t>
+            </a:r>
+            <a:r>
+              <a:rPr lang="nl-NL" dirty="0"/>
+              <a:t> </a:t>
+            </a:r>
+            <a:r>
+              <a:rPr lang="nl-NL" dirty="0" err="1"/>
+              <a:t>choose</a:t>
+            </a:r>
+            <a:r>
+              <a:rPr lang="nl-NL" dirty="0"/>
+              <a:t> </a:t>
+            </a:r>
+            <a:r>
+              <a:rPr lang="nl-NL" dirty="0" err="1"/>
+              <a:t>the</a:t>
+            </a:r>
+            <a:r>
+              <a:rPr lang="nl-NL" dirty="0"/>
+              <a:t> right board</a:t>
+            </a:r>
+          </a:p>
+          <a:p>
+            <a:r>
+              <a:rPr lang="nl-NL" dirty="0"/>
+              <a:t>We </a:t>
+            </a:r>
+            <a:r>
+              <a:rPr lang="nl-NL" dirty="0" err="1"/>
+              <a:t>use</a:t>
+            </a:r>
+            <a:r>
+              <a:rPr lang="nl-NL" dirty="0"/>
+              <a:t> a </a:t>
+            </a:r>
+            <a:r>
+              <a:rPr lang="nl-NL" dirty="0" err="1"/>
+              <a:t>Arduino</a:t>
+            </a:r>
+            <a:r>
+              <a:rPr lang="nl-NL" dirty="0"/>
+              <a:t> Leonardo</a:t>
+            </a:r>
+          </a:p>
+        </p:txBody>
+      </p:sp>
+      <p:sp>
+        <p:nvSpPr>
+          <p:cNvPr id="8" name="Tekstvak 7">
+            <a:extLst>
+              <a:ext uri="{FF2B5EF4-FFF2-40B4-BE49-F238E27FC236}">
+                <a16:creationId xmlns:a16="http://schemas.microsoft.com/office/drawing/2014/main" id="{AB737126-EC27-6BBC-1361-4B9703017DD5}"/>
+              </a:ext>
+            </a:extLst>
+          </p:cNvPr>
+          <p:cNvSpPr txBox="1"/>
+          <p:nvPr/>
+        </p:nvSpPr>
+        <p:spPr>
+          <a:xfrm>
+            <a:off x="1097041" y="4417943"/>
+            <a:ext cx="5440785" cy="646331"/>
+          </a:xfrm>
+          <a:prstGeom prst="rect">
+            <a:avLst/>
+          </a:prstGeom>
+          <a:noFill/>
+        </p:spPr>
+        <p:txBody>
+          <a:bodyPr wrap="none" rtlCol="0">
+            <a:spAutoFit/>
+          </a:bodyPr>
+          <a:lstStyle/>
+          <a:p>
+            <a:r>
+              <a:rPr lang="nl-NL" dirty="0"/>
+              <a:t>Step 4: Select </a:t>
+            </a:r>
+            <a:r>
+              <a:rPr lang="nl-NL" dirty="0" err="1"/>
+              <a:t>the</a:t>
+            </a:r>
+            <a:r>
+              <a:rPr lang="nl-NL" dirty="0"/>
+              <a:t> right </a:t>
+            </a:r>
+            <a:r>
+              <a:rPr lang="nl-NL" dirty="0" err="1"/>
+              <a:t>serial</a:t>
+            </a:r>
+            <a:r>
+              <a:rPr lang="nl-NL" dirty="0"/>
+              <a:t> port</a:t>
+            </a:r>
+          </a:p>
+          <a:p>
+            <a:r>
+              <a:rPr lang="nl-NL" dirty="0"/>
+              <a:t>On Windows look </a:t>
+            </a:r>
+            <a:r>
+              <a:rPr lang="nl-NL" dirty="0" err="1"/>
+              <a:t>for</a:t>
+            </a:r>
+            <a:r>
+              <a:rPr lang="nl-NL" dirty="0"/>
+              <a:t> COM , on Mac look </a:t>
+            </a:r>
+            <a:r>
+              <a:rPr lang="nl-NL" dirty="0" err="1"/>
+              <a:t>for</a:t>
+            </a:r>
+            <a:r>
+              <a:rPr lang="nl-NL" dirty="0"/>
+              <a:t> /</a:t>
+            </a:r>
+            <a:r>
+              <a:rPr lang="nl-NL" dirty="0" err="1"/>
+              <a:t>dev</a:t>
+            </a:r>
+            <a:r>
+              <a:rPr lang="nl-NL" dirty="0"/>
+              <a:t>/</a:t>
+            </a:r>
+            <a:r>
+              <a:rPr lang="nl-NL" dirty="0" err="1"/>
+              <a:t>cu</a:t>
+            </a:r>
+            <a:r>
+              <a:rPr lang="nl-NL" dirty="0"/>
+              <a:t>...</a:t>
+            </a:r>
+          </a:p>
+        </p:txBody>
+      </p:sp>
+      <p:sp>
+        <p:nvSpPr>
+          <p:cNvPr id="9" name="Tekstvak 8">
+            <a:extLst>
+              <a:ext uri="{FF2B5EF4-FFF2-40B4-BE49-F238E27FC236}">
+                <a16:creationId xmlns:a16="http://schemas.microsoft.com/office/drawing/2014/main" id="{61158F43-8A32-C376-C334-787578366691}"/>
+              </a:ext>
+            </a:extLst>
+          </p:cNvPr>
+          <p:cNvSpPr txBox="1"/>
+          <p:nvPr/>
+        </p:nvSpPr>
+        <p:spPr>
+          <a:xfrm>
+            <a:off x="3725839" y="5923128"/>
+            <a:ext cx="4935005" cy="369332"/>
+          </a:xfrm>
+          <a:prstGeom prst="rect">
+            <a:avLst/>
+          </a:prstGeom>
+          <a:noFill/>
+        </p:spPr>
+        <p:txBody>
+          <a:bodyPr wrap="none" rtlCol="0">
+            <a:spAutoFit/>
+          </a:bodyPr>
+          <a:lstStyle/>
+          <a:p>
+            <a:r>
+              <a:rPr lang="nl-NL" dirty="0"/>
+              <a:t>Step 5: Download </a:t>
+            </a:r>
+            <a:r>
+              <a:rPr lang="nl-NL" dirty="0" err="1"/>
+              <a:t>the</a:t>
+            </a:r>
+            <a:r>
+              <a:rPr lang="nl-NL" dirty="0"/>
+              <a:t> </a:t>
+            </a:r>
+            <a:r>
+              <a:rPr lang="nl-NL" dirty="0" err="1"/>
+              <a:t>examples</a:t>
+            </a:r>
+            <a:r>
+              <a:rPr lang="nl-NL" dirty="0"/>
+              <a:t> </a:t>
+            </a:r>
+            <a:r>
+              <a:rPr lang="nl-NL" dirty="0" err="1"/>
+              <a:t>and</a:t>
+            </a:r>
+            <a:r>
+              <a:rPr lang="nl-NL" dirty="0"/>
+              <a:t> open </a:t>
+            </a:r>
+            <a:r>
+              <a:rPr lang="nl-NL"/>
+              <a:t>‘Blink’</a:t>
+            </a:r>
+          </a:p>
+        </p:txBody>
+      </p:sp>
+    </p:spTree>
+    <p:extLst>
+      <p:ext uri="{BB962C8B-B14F-4D97-AF65-F5344CB8AC3E}">
+        <p14:creationId xmlns:p14="http://schemas.microsoft.com/office/powerpoint/2010/main" val="3573323475"/>
       </p:ext>
     </p:extLst>
   </p:cSld>
@@ -3642,7 +8084,12 @@
             <p:ph type="title"/>
           </p:nvPr>
         </p:nvSpPr>
-        <p:spPr/>
+        <p:spPr>
+          <a:xfrm>
+            <a:off x="838200" y="194589"/>
+            <a:ext cx="10515600" cy="1325563"/>
+          </a:xfrm>
+        </p:spPr>
         <p:txBody>
           <a:bodyPr/>
           <a:lstStyle/>
@@ -3722,8 +8169,8 @@
           </a:prstGeom>
         </p:spPr>
       </p:pic>
-      <mc:AlternateContent xmlns:mc="http://schemas.openxmlformats.org/markup-compatibility/2006">
-        <mc:Choice xmlns:p14="http://schemas.microsoft.com/office/powerpoint/2010/main" Requires="p14">
+      <mc:AlternateContent xmlns:mc="http://schemas.openxmlformats.org/markup-compatibility/2006" xmlns:p14="http://schemas.microsoft.com/office/powerpoint/2010/main">
+        <mc:Choice Requires="p14">
           <p:contentPart p14:bwMode="auto" r:id="rId4">
             <p14:nvContentPartPr>
               <p14:cNvPr id="3" name="Inkt 2">
@@ -3742,7 +8189,7 @@
             </p14:xfrm>
           </p:contentPart>
         </mc:Choice>
-        <mc:Fallback>
+        <mc:Fallback xmlns="">
           <p:pic>
             <p:nvPicPr>
               <p:cNvPr id="3" name="Inkt 2">
@@ -3773,8 +8220,8 @@
           </p:pic>
         </mc:Fallback>
       </mc:AlternateContent>
-      <mc:AlternateContent xmlns:mc="http://schemas.openxmlformats.org/markup-compatibility/2006">
-        <mc:Choice xmlns:p14="http://schemas.microsoft.com/office/powerpoint/2010/main" Requires="p14">
+      <mc:AlternateContent xmlns:mc="http://schemas.openxmlformats.org/markup-compatibility/2006" xmlns:p14="http://schemas.microsoft.com/office/powerpoint/2010/main">
+        <mc:Choice Requires="p14">
           <p:contentPart p14:bwMode="auto" r:id="rId6">
             <p14:nvContentPartPr>
               <p14:cNvPr id="4" name="Inkt 3">
@@ -3793,7 +8240,7 @@
             </p14:xfrm>
           </p:contentPart>
         </mc:Choice>
-        <mc:Fallback>
+        <mc:Fallback xmlns="">
           <p:pic>
             <p:nvPicPr>
               <p:cNvPr id="4" name="Inkt 3">
@@ -3824,8 +8271,8 @@
           </p:pic>
         </mc:Fallback>
       </mc:AlternateContent>
-      <mc:AlternateContent xmlns:mc="http://schemas.openxmlformats.org/markup-compatibility/2006">
-        <mc:Choice xmlns:p14="http://schemas.microsoft.com/office/powerpoint/2010/main" Requires="p14">
+      <mc:AlternateContent xmlns:mc="http://schemas.openxmlformats.org/markup-compatibility/2006" xmlns:p14="http://schemas.microsoft.com/office/powerpoint/2010/main">
+        <mc:Choice Requires="p14">
           <p:contentPart p14:bwMode="auto" r:id="rId8">
             <p14:nvContentPartPr>
               <p14:cNvPr id="5" name="Inkt 4">
@@ -3844,7 +8291,7 @@
             </p14:xfrm>
           </p:contentPart>
         </mc:Choice>
-        <mc:Fallback>
+        <mc:Fallback xmlns="">
           <p:pic>
             <p:nvPicPr>
               <p:cNvPr id="5" name="Inkt 4">
@@ -3875,8 +8322,8 @@
           </p:pic>
         </mc:Fallback>
       </mc:AlternateContent>
-      <mc:AlternateContent xmlns:mc="http://schemas.openxmlformats.org/markup-compatibility/2006">
-        <mc:Choice xmlns:p14="http://schemas.microsoft.com/office/powerpoint/2010/main" Requires="p14">
+      <mc:AlternateContent xmlns:mc="http://schemas.openxmlformats.org/markup-compatibility/2006" xmlns:p14="http://schemas.microsoft.com/office/powerpoint/2010/main">
+        <mc:Choice Requires="p14">
           <p:contentPart p14:bwMode="auto" r:id="rId10">
             <p14:nvContentPartPr>
               <p14:cNvPr id="6" name="Inkt 5">
@@ -3895,7 +8342,7 @@
             </p14:xfrm>
           </p:contentPart>
         </mc:Choice>
-        <mc:Fallback>
+        <mc:Fallback xmlns="">
           <p:pic>
             <p:nvPicPr>
               <p:cNvPr id="6" name="Inkt 5">
@@ -3926,8 +8373,8 @@
           </p:pic>
         </mc:Fallback>
       </mc:AlternateContent>
-      <mc:AlternateContent xmlns:mc="http://schemas.openxmlformats.org/markup-compatibility/2006">
-        <mc:Choice xmlns:p14="http://schemas.microsoft.com/office/powerpoint/2010/main" Requires="p14">
+      <mc:AlternateContent xmlns:mc="http://schemas.openxmlformats.org/markup-compatibility/2006" xmlns:p14="http://schemas.microsoft.com/office/powerpoint/2010/main">
+        <mc:Choice Requires="p14">
           <p:contentPart p14:bwMode="auto" r:id="rId12">
             <p14:nvContentPartPr>
               <p14:cNvPr id="7" name="Inkt 6">
@@ -3946,7 +8393,7 @@
             </p14:xfrm>
           </p:contentPart>
         </mc:Choice>
-        <mc:Fallback>
+        <mc:Fallback xmlns="">
           <p:pic>
             <p:nvPicPr>
               <p:cNvPr id="7" name="Inkt 6">
@@ -3977,8 +8424,8 @@
           </p:pic>
         </mc:Fallback>
       </mc:AlternateContent>
-      <mc:AlternateContent xmlns:mc="http://schemas.openxmlformats.org/markup-compatibility/2006">
-        <mc:Choice xmlns:p14="http://schemas.microsoft.com/office/powerpoint/2010/main" Requires="p14">
+      <mc:AlternateContent xmlns:mc="http://schemas.openxmlformats.org/markup-compatibility/2006" xmlns:p14="http://schemas.microsoft.com/office/powerpoint/2010/main">
+        <mc:Choice Requires="p14">
           <p:contentPart p14:bwMode="auto" r:id="rId14">
             <p14:nvContentPartPr>
               <p14:cNvPr id="8" name="Inkt 7">
@@ -3997,7 +8444,7 @@
             </p14:xfrm>
           </p:contentPart>
         </mc:Choice>
-        <mc:Fallback>
+        <mc:Fallback xmlns="">
           <p:pic>
             <p:nvPicPr>
               <p:cNvPr id="8" name="Inkt 7">
@@ -4424,8 +8871,8 @@
         </p:blipFill>
         <p:spPr>
           <a:xfrm rot="5400000">
-            <a:off x="4704921" y="3445992"/>
-            <a:ext cx="2782156" cy="3311611"/>
+            <a:off x="4641069" y="4180901"/>
+            <a:ext cx="2111100" cy="2512850"/>
           </a:xfrm>
           <a:prstGeom prst="rect">
             <a:avLst/>
@@ -4522,6 +8969,216 @@
           </a:prstGeom>
         </p:spPr>
       </p:pic>
+      <p:sp>
+        <p:nvSpPr>
+          <p:cNvPr id="4" name="Tekstvak 3">
+            <a:extLst>
+              <a:ext uri="{FF2B5EF4-FFF2-40B4-BE49-F238E27FC236}">
+                <a16:creationId xmlns:a16="http://schemas.microsoft.com/office/drawing/2014/main" id="{6F84A9D6-5941-9697-816C-461868EAC566}"/>
+              </a:ext>
+            </a:extLst>
+          </p:cNvPr>
+          <p:cNvSpPr txBox="1"/>
+          <p:nvPr/>
+        </p:nvSpPr>
+        <p:spPr>
+          <a:xfrm>
+            <a:off x="1426108" y="3643110"/>
+            <a:ext cx="962250" cy="584775"/>
+          </a:xfrm>
+          <a:prstGeom prst="rect">
+            <a:avLst/>
+          </a:prstGeom>
+          <a:noFill/>
+        </p:spPr>
+        <p:txBody>
+          <a:bodyPr wrap="square" rtlCol="0">
+            <a:spAutoFit/>
+          </a:bodyPr>
+          <a:lstStyle/>
+          <a:p>
+            <a:r>
+              <a:rPr lang="nl-NL" sz="3200" dirty="0"/>
+              <a:t>LED</a:t>
+            </a:r>
+          </a:p>
+        </p:txBody>
+      </p:sp>
+      <p:sp>
+        <p:nvSpPr>
+          <p:cNvPr id="6" name="Tekstvak 5">
+            <a:extLst>
+              <a:ext uri="{FF2B5EF4-FFF2-40B4-BE49-F238E27FC236}">
+                <a16:creationId xmlns:a16="http://schemas.microsoft.com/office/drawing/2014/main" id="{D42E24BC-D9D9-1A3F-225B-3376E095B0A9}"/>
+              </a:ext>
+            </a:extLst>
+          </p:cNvPr>
+          <p:cNvSpPr txBox="1"/>
+          <p:nvPr/>
+        </p:nvSpPr>
+        <p:spPr>
+          <a:xfrm>
+            <a:off x="2747159" y="3643110"/>
+            <a:ext cx="2133918" cy="584775"/>
+          </a:xfrm>
+          <a:prstGeom prst="rect">
+            <a:avLst/>
+          </a:prstGeom>
+          <a:noFill/>
+        </p:spPr>
+        <p:txBody>
+          <a:bodyPr wrap="none" rtlCol="0">
+            <a:spAutoFit/>
+          </a:bodyPr>
+          <a:lstStyle/>
+          <a:p>
+            <a:r>
+              <a:rPr lang="nl-NL" sz="3200" dirty="0"/>
+              <a:t>POTMETER</a:t>
+            </a:r>
+          </a:p>
+        </p:txBody>
+      </p:sp>
+      <p:sp>
+        <p:nvSpPr>
+          <p:cNvPr id="8" name="Tekstvak 7">
+            <a:extLst>
+              <a:ext uri="{FF2B5EF4-FFF2-40B4-BE49-F238E27FC236}">
+                <a16:creationId xmlns:a16="http://schemas.microsoft.com/office/drawing/2014/main" id="{D3FB7CA9-11E8-1AF6-6544-CA95FD986A4A}"/>
+              </a:ext>
+            </a:extLst>
+          </p:cNvPr>
+          <p:cNvSpPr txBox="1"/>
+          <p:nvPr/>
+        </p:nvSpPr>
+        <p:spPr>
+          <a:xfrm>
+            <a:off x="5273312" y="3613000"/>
+            <a:ext cx="920445" cy="584775"/>
+          </a:xfrm>
+          <a:prstGeom prst="rect">
+            <a:avLst/>
+          </a:prstGeom>
+          <a:noFill/>
+        </p:spPr>
+        <p:txBody>
+          <a:bodyPr wrap="none" rtlCol="0">
+            <a:spAutoFit/>
+          </a:bodyPr>
+          <a:lstStyle/>
+          <a:p>
+            <a:r>
+              <a:rPr lang="nl-NL" sz="3200" dirty="0"/>
+              <a:t>LDR</a:t>
+            </a:r>
+          </a:p>
+        </p:txBody>
+      </p:sp>
+      <p:sp>
+        <p:nvSpPr>
+          <p:cNvPr id="10" name="Tekstvak 9">
+            <a:extLst>
+              <a:ext uri="{FF2B5EF4-FFF2-40B4-BE49-F238E27FC236}">
+                <a16:creationId xmlns:a16="http://schemas.microsoft.com/office/drawing/2014/main" id="{03E5AF6A-9B5F-A3A4-773D-C9E14A93921E}"/>
+              </a:ext>
+            </a:extLst>
+          </p:cNvPr>
+          <p:cNvSpPr txBox="1"/>
+          <p:nvPr/>
+        </p:nvSpPr>
+        <p:spPr>
+          <a:xfrm>
+            <a:off x="6686035" y="3578183"/>
+            <a:ext cx="3110147" cy="584775"/>
+          </a:xfrm>
+          <a:prstGeom prst="rect">
+            <a:avLst/>
+          </a:prstGeom>
+          <a:noFill/>
+        </p:spPr>
+        <p:txBody>
+          <a:bodyPr wrap="none" rtlCol="0">
+            <a:spAutoFit/>
+          </a:bodyPr>
+          <a:lstStyle/>
+          <a:p>
+            <a:r>
+              <a:rPr lang="nl-NL" sz="3200" dirty="0"/>
+              <a:t>TOUCH BUTTON</a:t>
+            </a:r>
+          </a:p>
+        </p:txBody>
+      </p:sp>
+      <p:sp>
+        <p:nvSpPr>
+          <p:cNvPr id="12" name="Tekstvak 11">
+            <a:extLst>
+              <a:ext uri="{FF2B5EF4-FFF2-40B4-BE49-F238E27FC236}">
+                <a16:creationId xmlns:a16="http://schemas.microsoft.com/office/drawing/2014/main" id="{F9E4EBD1-2229-B480-D255-2E24C0378985}"/>
+              </a:ext>
+            </a:extLst>
+          </p:cNvPr>
+          <p:cNvSpPr txBox="1"/>
+          <p:nvPr/>
+        </p:nvSpPr>
+        <p:spPr>
+          <a:xfrm>
+            <a:off x="1194073" y="5089034"/>
+            <a:ext cx="3106171" cy="584775"/>
+          </a:xfrm>
+          <a:prstGeom prst="rect">
+            <a:avLst/>
+          </a:prstGeom>
+          <a:noFill/>
+        </p:spPr>
+        <p:txBody>
+          <a:bodyPr wrap="none" rtlCol="0">
+            <a:spAutoFit/>
+          </a:bodyPr>
+          <a:lstStyle/>
+          <a:p>
+            <a:r>
+              <a:rPr lang="nl-NL" sz="3200" dirty="0"/>
+              <a:t>MIDI INTERFACE</a:t>
+            </a:r>
+          </a:p>
+        </p:txBody>
+      </p:sp>
+      <p:sp>
+        <p:nvSpPr>
+          <p:cNvPr id="14" name="Tekstvak 13">
+            <a:extLst>
+              <a:ext uri="{FF2B5EF4-FFF2-40B4-BE49-F238E27FC236}">
+                <a16:creationId xmlns:a16="http://schemas.microsoft.com/office/drawing/2014/main" id="{68CFFB45-3919-5647-57CD-523405735C85}"/>
+              </a:ext>
+            </a:extLst>
+          </p:cNvPr>
+          <p:cNvSpPr txBox="1"/>
+          <p:nvPr/>
+        </p:nvSpPr>
+        <p:spPr>
+          <a:xfrm>
+            <a:off x="8717394" y="4311555"/>
+            <a:ext cx="3474606" cy="584775"/>
+          </a:xfrm>
+          <a:prstGeom prst="rect">
+            <a:avLst/>
+          </a:prstGeom>
+          <a:noFill/>
+        </p:spPr>
+        <p:txBody>
+          <a:bodyPr wrap="none" rtlCol="0">
+            <a:spAutoFit/>
+          </a:bodyPr>
+          <a:lstStyle/>
+          <a:p>
+            <a:r>
+              <a:rPr lang="nl-NL" sz="3200" dirty="0"/>
+              <a:t>AFSTAND SENSOR</a:t>
+            </a:r>
+          </a:p>
+        </p:txBody>
+      </p:sp>
     </p:spTree>
     <p:extLst>
       <p:ext uri="{BB962C8B-B14F-4D97-AF65-F5344CB8AC3E}">
@@ -4557,7 +9214,7 @@
           <p:cNvPr id="2" name="Titel 1">
             <a:extLst>
               <a:ext uri="{FF2B5EF4-FFF2-40B4-BE49-F238E27FC236}">
-                <a16:creationId xmlns:a16="http://schemas.microsoft.com/office/drawing/2014/main" id="{91CFB12E-E098-50F1-C48C-69AD0235790A}"/>
+                <a16:creationId xmlns:a16="http://schemas.microsoft.com/office/drawing/2014/main" id="{290A7A2C-ADB8-B985-E3DF-89A2726F217C}"/>
               </a:ext>
             </a:extLst>
           </p:cNvPr>
@@ -4574,12 +9231,8 @@
           <a:lstStyle/>
           <a:p>
             <a:r>
-              <a:rPr lang="nl-NL" dirty="0"/>
-              <a:t>MIDI </a:t>
-            </a:r>
-            <a:r>
               <a:rPr lang="nl-NL" dirty="0" err="1"/>
-              <a:t>commands</a:t>
+              <a:t>To</a:t>
             </a:r>
             <a:r>
               <a:rPr lang="nl-NL" dirty="0"/>
@@ -4587,17 +9240,20 @@
             </a:r>
             <a:r>
               <a:rPr lang="nl-NL" dirty="0" err="1"/>
-              <a:t>used</a:t>
+              <a:t>be</a:t>
             </a:r>
             <a:r>
               <a:rPr lang="nl-NL" dirty="0"/>
-              <a:t> in </a:t>
+              <a:t> </a:t>
             </a:r>
             <a:r>
               <a:rPr lang="nl-NL" dirty="0" err="1"/>
-              <a:t>examples</a:t>
-            </a:r>
-            <a:endParaRPr lang="nl-NL" dirty="0"/>
+              <a:t>sure</a:t>
+            </a:r>
+            <a:r>
+              <a:rPr lang="nl-NL" dirty="0"/>
+              <a:t> !</a:t>
+            </a:r>
           </a:p>
         </p:txBody>
       </p:sp>
@@ -4606,7 +9262,7 @@
           <p:cNvPr id="3" name="Tijdelijke aanduiding voor inhoud 2">
             <a:extLst>
               <a:ext uri="{FF2B5EF4-FFF2-40B4-BE49-F238E27FC236}">
-                <a16:creationId xmlns:a16="http://schemas.microsoft.com/office/drawing/2014/main" id="{E79B0622-07CC-00B2-D654-DF98093A8CB9}"/>
+                <a16:creationId xmlns:a16="http://schemas.microsoft.com/office/drawing/2014/main" id="{7F84A152-D15A-7015-B65F-B29E671C76CB}"/>
               </a:ext>
             </a:extLst>
           </p:cNvPr>
@@ -4624,103 +9280,192 @@
           <a:p>
             <a:r>
               <a:rPr lang="nl-NL" dirty="0" err="1"/>
-              <a:t>Note</a:t>
+              <a:t>Don’t</a:t>
             </a:r>
             <a:r>
               <a:rPr lang="nl-NL" dirty="0"/>
-              <a:t> On/Off = </a:t>
+              <a:t> </a:t>
             </a:r>
             <a:r>
               <a:rPr lang="nl-NL" dirty="0" err="1"/>
-              <a:t>Note</a:t>
+              <a:t>connect</a:t>
             </a:r>
             <a:r>
               <a:rPr lang="nl-NL" dirty="0"/>
-              <a:t> No. (0-127 ), </a:t>
+              <a:t> </a:t>
             </a:r>
             <a:r>
               <a:rPr lang="nl-NL" dirty="0" err="1"/>
-              <a:t>velocity</a:t>
+              <a:t>anything</a:t>
             </a:r>
             <a:r>
               <a:rPr lang="nl-NL" dirty="0"/>
-              <a:t> ( 0 -127 ) , </a:t>
-            </a:r>
-          </a:p>
-          <a:p>
-            <a:pPr marL="0" indent="0">
-              <a:buNone/>
-            </a:pPr>
+              <a:t> </a:t>
+            </a:r>
+            <a:r>
+              <a:rPr lang="nl-NL" dirty="0" err="1"/>
+              <a:t>while</a:t>
+            </a:r>
             <a:r>
               <a:rPr lang="nl-NL" dirty="0"/>
-              <a:t>   </a:t>
+              <a:t> </a:t>
             </a:r>
             <a:r>
               <a:rPr lang="nl-NL" dirty="0" err="1"/>
-              <a:t>channel</a:t>
+              <a:t>powered</a:t>
             </a:r>
             <a:r>
               <a:rPr lang="nl-NL" dirty="0"/>
-              <a:t> (1 – 16)</a:t>
+              <a:t> </a:t>
+            </a:r>
+            <a:r>
+              <a:rPr lang="nl-NL" dirty="0" err="1"/>
+              <a:t>through</a:t>
+            </a:r>
+            <a:r>
+              <a:rPr lang="nl-NL" dirty="0"/>
+              <a:t> USB</a:t>
+            </a:r>
+          </a:p>
+          <a:p>
+            <a:r>
+              <a:rPr lang="nl-NL" dirty="0" err="1"/>
+              <a:t>Don’t</a:t>
+            </a:r>
+            <a:r>
+              <a:rPr lang="nl-NL" dirty="0"/>
+              <a:t> set </a:t>
+            </a:r>
+            <a:r>
+              <a:rPr lang="nl-NL" dirty="0" err="1"/>
+              <a:t>the</a:t>
+            </a:r>
+            <a:r>
+              <a:rPr lang="nl-NL" dirty="0"/>
+              <a:t> switch on </a:t>
+            </a:r>
+            <a:r>
+              <a:rPr lang="nl-NL" dirty="0" err="1"/>
+              <a:t>the</a:t>
+            </a:r>
+            <a:r>
+              <a:rPr lang="nl-NL" dirty="0"/>
+              <a:t> </a:t>
+            </a:r>
+            <a:r>
+              <a:rPr lang="nl-NL" dirty="0" err="1"/>
+              <a:t>shield</a:t>
+            </a:r>
+            <a:r>
+              <a:rPr lang="nl-NL" dirty="0"/>
+              <a:t> </a:t>
+            </a:r>
+            <a:r>
+              <a:rPr lang="nl-NL" dirty="0" err="1"/>
+              <a:t>to</a:t>
+            </a:r>
+            <a:r>
+              <a:rPr lang="nl-NL" dirty="0"/>
+              <a:t> 5V..keep </a:t>
+            </a:r>
+            <a:r>
+              <a:rPr lang="nl-NL" dirty="0" err="1"/>
+              <a:t>it</a:t>
+            </a:r>
+            <a:r>
+              <a:rPr lang="nl-NL" dirty="0"/>
+              <a:t> on 3.3V</a:t>
+            </a:r>
+          </a:p>
+          <a:p>
+            <a:r>
+              <a:rPr lang="nl-NL" dirty="0"/>
+              <a:t>Make </a:t>
+            </a:r>
+            <a:r>
+              <a:rPr lang="nl-NL" dirty="0" err="1"/>
+              <a:t>sure</a:t>
+            </a:r>
+            <a:r>
+              <a:rPr lang="nl-NL" dirty="0"/>
+              <a:t> </a:t>
+            </a:r>
+            <a:r>
+              <a:rPr lang="nl-NL" dirty="0" err="1"/>
+              <a:t>the</a:t>
+            </a:r>
+            <a:r>
+              <a:rPr lang="nl-NL" dirty="0"/>
+              <a:t> sensors do </a:t>
+            </a:r>
+            <a:r>
+              <a:rPr lang="nl-NL" dirty="0" err="1"/>
+              <a:t>not</a:t>
+            </a:r>
+            <a:r>
+              <a:rPr lang="nl-NL" dirty="0"/>
+              <a:t> </a:t>
+            </a:r>
+            <a:r>
+              <a:rPr lang="nl-NL" dirty="0" err="1"/>
+              <a:t>touch</a:t>
+            </a:r>
+            <a:r>
+              <a:rPr lang="nl-NL" dirty="0"/>
+              <a:t> </a:t>
+            </a:r>
+            <a:r>
+              <a:rPr lang="nl-NL" dirty="0" err="1"/>
+              <a:t>anything</a:t>
+            </a:r>
+            <a:r>
+              <a:rPr lang="nl-NL" dirty="0"/>
+              <a:t> metal</a:t>
+            </a:r>
+          </a:p>
+          <a:p>
+            <a:r>
+              <a:rPr lang="nl-NL" dirty="0" err="1"/>
+              <a:t>Ask</a:t>
+            </a:r>
+            <a:r>
+              <a:rPr lang="nl-NL" dirty="0"/>
+              <a:t> </a:t>
+            </a:r>
+            <a:r>
+              <a:rPr lang="nl-NL" dirty="0" err="1"/>
+              <a:t>if</a:t>
+            </a:r>
+            <a:r>
+              <a:rPr lang="nl-NL" dirty="0"/>
+              <a:t> </a:t>
+            </a:r>
+            <a:r>
+              <a:rPr lang="nl-NL" dirty="0" err="1"/>
+              <a:t>not</a:t>
+            </a:r>
+            <a:r>
+              <a:rPr lang="nl-NL" dirty="0"/>
+              <a:t> </a:t>
+            </a:r>
+            <a:r>
+              <a:rPr lang="nl-NL" dirty="0" err="1"/>
+              <a:t>sure</a:t>
+            </a:r>
+            <a:r>
+              <a:rPr lang="nl-NL" dirty="0"/>
+              <a:t> ;-)</a:t>
             </a:r>
           </a:p>
           <a:p>
             <a:endParaRPr lang="nl-NL" dirty="0"/>
-          </a:p>
-          <a:p>
-            <a:r>
-              <a:rPr lang="nl-NL" dirty="0"/>
-              <a:t>Control Change = Controller No. ( 1 – 127 ), </a:t>
-            </a:r>
-            <a:r>
-              <a:rPr lang="nl-NL" dirty="0" err="1"/>
-              <a:t>value</a:t>
-            </a:r>
-            <a:r>
-              <a:rPr lang="nl-NL" dirty="0"/>
-              <a:t> ( 0- 127),</a:t>
-            </a:r>
-          </a:p>
-          <a:p>
-            <a:pPr marL="0" indent="0">
-              <a:buNone/>
-            </a:pPr>
-            <a:r>
-              <a:rPr lang="nl-NL" dirty="0"/>
-              <a:t>   </a:t>
-            </a:r>
-            <a:r>
-              <a:rPr lang="nl-NL" dirty="0" err="1"/>
-              <a:t>channel</a:t>
-            </a:r>
-            <a:r>
-              <a:rPr lang="nl-NL" dirty="0"/>
-              <a:t> ( 1- 16)</a:t>
-            </a:r>
-          </a:p>
-          <a:p>
-            <a:endParaRPr lang="nl-NL" dirty="0"/>
-          </a:p>
-          <a:p>
-            <a:r>
-              <a:rPr lang="nl-NL" dirty="0"/>
-              <a:t>MIDI </a:t>
-            </a:r>
-            <a:r>
-              <a:rPr lang="nl-NL" dirty="0" err="1"/>
-              <a:t>Clock</a:t>
-            </a:r>
-            <a:r>
-              <a:rPr lang="nl-NL" dirty="0"/>
-              <a:t> / Start / Stop/ Continue</a:t>
-            </a:r>
           </a:p>
         </p:txBody>
       </p:sp>
     </p:spTree>
     <p:extLst>
       <p:ext uri="{BB962C8B-B14F-4D97-AF65-F5344CB8AC3E}">
-        <p14:creationId xmlns:p14="http://schemas.microsoft.com/office/powerpoint/2010/main" val="1767756192"/>
+        <p14:creationId xmlns:p14="http://schemas.microsoft.com/office/powerpoint/2010/main" val="1016665378"/>
       </p:ext>
     </p:extLst>
   </p:cSld>
@@ -4752,7 +9497,7 @@
           <p:cNvPr id="2" name="Titel 1">
             <a:extLst>
               <a:ext uri="{FF2B5EF4-FFF2-40B4-BE49-F238E27FC236}">
-                <a16:creationId xmlns:a16="http://schemas.microsoft.com/office/drawing/2014/main" id="{290A7A2C-ADB8-B985-E3DF-89A2726F217C}"/>
+                <a16:creationId xmlns:a16="http://schemas.microsoft.com/office/drawing/2014/main" id="{9C50D905-7C47-2777-7845-C3923AB58CA7}"/>
               </a:ext>
             </a:extLst>
           </p:cNvPr>
@@ -4763,34 +9508,28 @@
             <p:ph type="title"/>
           </p:nvPr>
         </p:nvSpPr>
-        <p:spPr/>
+        <p:spPr>
+          <a:xfrm>
+            <a:off x="838200" y="365125"/>
+            <a:ext cx="10515600" cy="4525852"/>
+          </a:xfrm>
+        </p:spPr>
         <p:txBody>
           <a:bodyPr/>
           <a:lstStyle/>
           <a:p>
+            <a:pPr algn="ctr"/>
+            <a:r>
+              <a:rPr lang="nl-NL" dirty="0"/>
+              <a:t>Have Fun </a:t>
+            </a:r>
             <a:r>
               <a:rPr lang="nl-NL" dirty="0" err="1"/>
-              <a:t>To</a:t>
+              <a:t>and</a:t>
             </a:r>
             <a:r>
               <a:rPr lang="nl-NL" dirty="0"/>
-              <a:t> </a:t>
-            </a:r>
-            <a:r>
-              <a:rPr lang="nl-NL" dirty="0" err="1"/>
-              <a:t>be</a:t>
-            </a:r>
-            <a:r>
-              <a:rPr lang="nl-NL" dirty="0"/>
-              <a:t> </a:t>
-            </a:r>
-            <a:r>
-              <a:rPr lang="nl-NL" dirty="0" err="1"/>
-              <a:t>sure</a:t>
-            </a:r>
-            <a:r>
-              <a:rPr lang="nl-NL" dirty="0"/>
-              <a:t> !</a:t>
+              <a:t> Rock On !</a:t>
             </a:r>
           </a:p>
         </p:txBody>
@@ -4800,7 +9539,7 @@
           <p:cNvPr id="3" name="Tijdelijke aanduiding voor inhoud 2">
             <a:extLst>
               <a:ext uri="{FF2B5EF4-FFF2-40B4-BE49-F238E27FC236}">
-                <a16:creationId xmlns:a16="http://schemas.microsoft.com/office/drawing/2014/main" id="{7F84A152-D15A-7015-B65F-B29E671C76CB}"/>
+                <a16:creationId xmlns:a16="http://schemas.microsoft.com/office/drawing/2014/main" id="{85922AF3-F5F4-E118-2F7E-E64D81132EEC}"/>
               </a:ext>
             </a:extLst>
           </p:cNvPr>
@@ -4816,194 +9555,14 @@
           <a:bodyPr/>
           <a:lstStyle/>
           <a:p>
-            <a:r>
-              <a:rPr lang="nl-NL" dirty="0" err="1"/>
-              <a:t>Don’t</a:t>
-            </a:r>
-            <a:r>
-              <a:rPr lang="nl-NL" dirty="0"/>
-              <a:t> </a:t>
-            </a:r>
-            <a:r>
-              <a:rPr lang="nl-NL" dirty="0" err="1"/>
-              <a:t>connect</a:t>
-            </a:r>
-            <a:r>
-              <a:rPr lang="nl-NL" dirty="0"/>
-              <a:t> </a:t>
-            </a:r>
-            <a:r>
-              <a:rPr lang="nl-NL" dirty="0" err="1"/>
-              <a:t>anything</a:t>
-            </a:r>
-            <a:r>
-              <a:rPr lang="nl-NL" dirty="0"/>
-              <a:t> </a:t>
-            </a:r>
-            <a:r>
-              <a:rPr lang="nl-NL" dirty="0" err="1"/>
-              <a:t>while</a:t>
-            </a:r>
-            <a:r>
-              <a:rPr lang="nl-NL" dirty="0"/>
-              <a:t> </a:t>
-            </a:r>
-            <a:r>
-              <a:rPr lang="nl-NL" dirty="0" err="1"/>
-              <a:t>powered</a:t>
-            </a:r>
-            <a:r>
-              <a:rPr lang="nl-NL" dirty="0"/>
-              <a:t> </a:t>
-            </a:r>
-            <a:r>
-              <a:rPr lang="nl-NL" dirty="0" err="1"/>
-              <a:t>through</a:t>
-            </a:r>
-            <a:r>
-              <a:rPr lang="nl-NL" dirty="0"/>
-              <a:t> USB</a:t>
-            </a:r>
-          </a:p>
-          <a:p>
-            <a:r>
-              <a:rPr lang="nl-NL" dirty="0" err="1"/>
-              <a:t>Don’t</a:t>
-            </a:r>
-            <a:r>
-              <a:rPr lang="nl-NL" dirty="0"/>
-              <a:t> set </a:t>
-            </a:r>
-            <a:r>
-              <a:rPr lang="nl-NL" dirty="0" err="1"/>
-              <a:t>the</a:t>
-            </a:r>
-            <a:r>
-              <a:rPr lang="nl-NL" dirty="0"/>
-              <a:t> switch on </a:t>
-            </a:r>
-            <a:r>
-              <a:rPr lang="nl-NL" dirty="0" err="1"/>
-              <a:t>the</a:t>
-            </a:r>
-            <a:r>
-              <a:rPr lang="nl-NL" dirty="0"/>
-              <a:t> </a:t>
-            </a:r>
-            <a:r>
-              <a:rPr lang="nl-NL" dirty="0" err="1"/>
-              <a:t>shield</a:t>
-            </a:r>
-            <a:r>
-              <a:rPr lang="nl-NL" dirty="0"/>
-              <a:t> </a:t>
-            </a:r>
-            <a:r>
-              <a:rPr lang="nl-NL" dirty="0" err="1"/>
-              <a:t>to</a:t>
-            </a:r>
-            <a:r>
-              <a:rPr lang="nl-NL" dirty="0"/>
-              <a:t> 5V..keep </a:t>
-            </a:r>
-            <a:r>
-              <a:rPr lang="nl-NL" dirty="0" err="1"/>
-              <a:t>it</a:t>
-            </a:r>
-            <a:r>
-              <a:rPr lang="nl-NL" dirty="0"/>
-              <a:t> on 3.3V</a:t>
-            </a:r>
-          </a:p>
-          <a:p>
-            <a:r>
-              <a:rPr lang="nl-NL" dirty="0"/>
-              <a:t>Make </a:t>
-            </a:r>
-            <a:r>
-              <a:rPr lang="nl-NL" dirty="0" err="1"/>
-              <a:t>sure</a:t>
-            </a:r>
-            <a:r>
-              <a:rPr lang="nl-NL" dirty="0"/>
-              <a:t> </a:t>
-            </a:r>
-            <a:r>
-              <a:rPr lang="nl-NL" dirty="0" err="1"/>
-              <a:t>the</a:t>
-            </a:r>
-            <a:r>
-              <a:rPr lang="nl-NL" dirty="0"/>
-              <a:t> sensors do </a:t>
-            </a:r>
-            <a:r>
-              <a:rPr lang="nl-NL" dirty="0" err="1"/>
-              <a:t>not</a:t>
-            </a:r>
-            <a:r>
-              <a:rPr lang="nl-NL" dirty="0"/>
-              <a:t> </a:t>
-            </a:r>
-            <a:r>
-              <a:rPr lang="nl-NL" dirty="0" err="1"/>
-              <a:t>touch</a:t>
-            </a:r>
-            <a:r>
-              <a:rPr lang="nl-NL" dirty="0"/>
-              <a:t> </a:t>
-            </a:r>
-            <a:r>
-              <a:rPr lang="nl-NL" dirty="0" err="1"/>
-              <a:t>anything</a:t>
-            </a:r>
-            <a:r>
-              <a:rPr lang="nl-NL" dirty="0"/>
-              <a:t> metal</a:t>
-            </a:r>
-          </a:p>
-          <a:p>
-            <a:r>
-              <a:rPr lang="nl-NL" dirty="0" err="1"/>
-              <a:t>Ask</a:t>
-            </a:r>
-            <a:r>
-              <a:rPr lang="nl-NL" dirty="0"/>
-              <a:t> </a:t>
-            </a:r>
-            <a:r>
-              <a:rPr lang="nl-NL" dirty="0" err="1"/>
-              <a:t>if</a:t>
-            </a:r>
-            <a:r>
-              <a:rPr lang="nl-NL" dirty="0"/>
-              <a:t> </a:t>
-            </a:r>
-            <a:r>
-              <a:rPr lang="nl-NL" dirty="0" err="1"/>
-              <a:t>not</a:t>
-            </a:r>
-            <a:r>
-              <a:rPr lang="nl-NL" dirty="0"/>
-              <a:t> </a:t>
-            </a:r>
-            <a:r>
-              <a:rPr lang="nl-NL" dirty="0" err="1"/>
-              <a:t>sure</a:t>
-            </a:r>
-            <a:r>
-              <a:rPr lang="nl-NL" dirty="0"/>
-              <a:t> ;-)</a:t>
-            </a:r>
-          </a:p>
-          <a:p>
-            <a:endParaRPr lang="nl-NL" dirty="0"/>
+            <a:endParaRPr lang="nl-NL"/>
           </a:p>
         </p:txBody>
       </p:sp>
     </p:spTree>
     <p:extLst>
       <p:ext uri="{BB962C8B-B14F-4D97-AF65-F5344CB8AC3E}">
-        <p14:creationId xmlns:p14="http://schemas.microsoft.com/office/powerpoint/2010/main" val="1016665378"/>
+        <p14:creationId xmlns:p14="http://schemas.microsoft.com/office/powerpoint/2010/main" val="2019184130"/>
       </p:ext>
     </p:extLst>
   </p:cSld>
@@ -5016,9 +9575,23 @@
 <file path=ppt/slides/slide7.xml><?xml version="1.0" encoding="utf-8"?>
 <p:sld xmlns:a="http://schemas.openxmlformats.org/drawingml/2006/main" xmlns:r="http://schemas.openxmlformats.org/officeDocument/2006/relationships" xmlns:p="http://schemas.openxmlformats.org/presentationml/2006/main">
   <p:cSld>
+    <p:bg>
+      <p:bgPr>
+        <a:solidFill>
+          <a:schemeClr val="bg1"/>
+        </a:solidFill>
+        <a:effectLst/>
+      </p:bgPr>
+    </p:bg>
     <p:spTree>
       <p:nvGrpSpPr>
-        <p:cNvPr id="1" name=""/>
+        <p:cNvPr id="1" name="">
+          <a:extLst>
+            <a:ext uri="{FF2B5EF4-FFF2-40B4-BE49-F238E27FC236}">
+              <a16:creationId xmlns:a16="http://schemas.microsoft.com/office/drawing/2014/main" id="{C21A0E90-5304-7DE9-518D-444E29E3305E}"/>
+            </a:ext>
+          </a:extLst>
+        </p:cNvPr>
         <p:cNvGrpSpPr/>
         <p:nvPr/>
       </p:nvGrpSpPr>
@@ -5030,12 +9603,72 @@
           <a:chExt cx="0" cy="0"/>
         </a:xfrm>
       </p:grpSpPr>
+      <p:sp useBgFill="1">
+        <p:nvSpPr>
+          <p:cNvPr id="11" name="Rectangle 10">
+            <a:extLst>
+              <a:ext uri="{FF2B5EF4-FFF2-40B4-BE49-F238E27FC236}">
+                <a16:creationId xmlns:a16="http://schemas.microsoft.com/office/drawing/2014/main" id="{C4E02FC5-BA48-43AE-AF91-855FC49E8476}"/>
+              </a:ext>
+              <a:ext uri="{C183D7F6-B498-43B3-948B-1728B52AA6E4}">
+                <adec:decorative xmlns:adec="http://schemas.microsoft.com/office/drawing/2017/decorative" val="1"/>
+              </a:ext>
+            </a:extLst>
+          </p:cNvPr>
+          <p:cNvSpPr>
+            <a:spLocks noGrp="1" noRot="1" noChangeAspect="1" noMove="1" noResize="1" noEditPoints="1" noAdjustHandles="1" noChangeArrowheads="1" noChangeShapeType="1" noTextEdit="1"/>
+          </p:cNvSpPr>
+          <p:nvPr>
+            <p:extLst>
+              <p:ext uri="{386F3935-93C4-4BCD-93E2-E3B085C9AB24}">
+                <p16:designElem xmlns:p16="http://schemas.microsoft.com/office/powerpoint/2015/main" val="1"/>
+              </p:ext>
+            </p:extLst>
+          </p:nvPr>
+        </p:nvSpPr>
+        <p:spPr>
+          <a:xfrm>
+            <a:off x="0" y="0"/>
+            <a:ext cx="12191999" cy="6857365"/>
+          </a:xfrm>
+          <a:prstGeom prst="rect">
+            <a:avLst/>
+          </a:prstGeom>
+          <a:ln>
+            <a:noFill/>
+          </a:ln>
+        </p:spPr>
+        <p:style>
+          <a:lnRef idx="2">
+            <a:schemeClr val="accent1">
+              <a:shade val="50000"/>
+            </a:schemeClr>
+          </a:lnRef>
+          <a:fillRef idx="1">
+            <a:schemeClr val="accent1"/>
+          </a:fillRef>
+          <a:effectRef idx="0">
+            <a:schemeClr val="accent1"/>
+          </a:effectRef>
+          <a:fontRef idx="minor">
+            <a:schemeClr val="lt1"/>
+          </a:fontRef>
+        </p:style>
+        <p:txBody>
+          <a:bodyPr rtlCol="0" anchor="ctr"/>
+          <a:lstStyle/>
+          <a:p>
+            <a:pPr algn="ctr"/>
+            <a:endParaRPr lang="en-US"/>
+          </a:p>
+        </p:txBody>
+      </p:sp>
       <p:sp>
         <p:nvSpPr>
           <p:cNvPr id="2" name="Titel 1">
             <a:extLst>
               <a:ext uri="{FF2B5EF4-FFF2-40B4-BE49-F238E27FC236}">
-                <a16:creationId xmlns:a16="http://schemas.microsoft.com/office/drawing/2014/main" id="{9C50D905-7C47-2777-7845-C3923AB58CA7}"/>
+                <a16:creationId xmlns:a16="http://schemas.microsoft.com/office/drawing/2014/main" id="{92C641B2-8B30-7093-01B2-C0F2E345B9B0}"/>
               </a:ext>
             </a:extLst>
           </p:cNvPr>
@@ -5048,36 +9681,532 @@
         </p:nvSpPr>
         <p:spPr>
           <a:xfrm>
-            <a:off x="838200" y="365125"/>
-            <a:ext cx="10515600" cy="4525852"/>
-          </a:xfrm>
-        </p:spPr>
-        <p:txBody>
-          <a:bodyPr/>
-          <a:lstStyle/>
-          <a:p>
-            <a:pPr algn="ctr"/>
-            <a:r>
-              <a:rPr lang="nl-NL" dirty="0"/>
-              <a:t>Have Fun </a:t>
-            </a:r>
-            <a:r>
-              <a:rPr lang="nl-NL" dirty="0" err="1"/>
-              <a:t>and</a:t>
-            </a:r>
-            <a:r>
-              <a:rPr lang="nl-NL" dirty="0"/>
-              <a:t> Rock On !</a:t>
-            </a:r>
-          </a:p>
-        </p:txBody>
-      </p:sp>
-      <p:sp>
-        <p:nvSpPr>
-          <p:cNvPr id="3" name="Tijdelijke aanduiding voor inhoud 2">
+            <a:off x="1113810" y="2960716"/>
+            <a:ext cx="4036334" cy="2387600"/>
+          </a:xfrm>
+        </p:spPr>
+        <p:txBody>
+          <a:bodyPr vert="horz" lIns="91440" tIns="45720" rIns="91440" bIns="45720" rtlCol="0" anchor="t">
+            <a:normAutofit/>
+          </a:bodyPr>
+          <a:lstStyle/>
+          <a:p>
+            <a:r>
+              <a:rPr lang="en-US" sz="5400" kern="1200" dirty="0">
+                <a:solidFill>
+                  <a:schemeClr val="tx1"/>
+                </a:solidFill>
+                <a:latin typeface="+mj-lt"/>
+                <a:ea typeface="+mj-ea"/>
+                <a:cs typeface="+mj-cs"/>
+              </a:rPr>
+              <a:t>About MIDI</a:t>
+            </a:r>
+            <a:br>
+              <a:rPr lang="en-US" sz="5400" kern="1200" dirty="0">
+                <a:solidFill>
+                  <a:schemeClr val="tx1"/>
+                </a:solidFill>
+                <a:latin typeface="+mj-lt"/>
+                <a:ea typeface="+mj-ea"/>
+                <a:cs typeface="+mj-cs"/>
+              </a:rPr>
+            </a:br>
+            <a:endParaRPr lang="en-US" sz="5400" kern="1200" dirty="0">
+              <a:solidFill>
+                <a:schemeClr val="tx1"/>
+              </a:solidFill>
+              <a:latin typeface="+mj-lt"/>
+              <a:ea typeface="+mj-ea"/>
+              <a:cs typeface="+mj-cs"/>
+            </a:endParaRPr>
+          </a:p>
+        </p:txBody>
+      </p:sp>
+      <p:grpSp>
+        <p:nvGrpSpPr>
+          <p:cNvPr id="13" name="Group 12">
             <a:extLst>
               <a:ext uri="{FF2B5EF4-FFF2-40B4-BE49-F238E27FC236}">
-                <a16:creationId xmlns:a16="http://schemas.microsoft.com/office/drawing/2014/main" id="{85922AF3-F5F4-E118-2F7E-E64D81132EEC}"/>
+                <a16:creationId xmlns:a16="http://schemas.microsoft.com/office/drawing/2014/main" id="{ACC38CDB-8607-79E3-8D1F-E9BA2FA1C498}"/>
+              </a:ext>
+              <a:ext uri="{C183D7F6-B498-43B3-948B-1728B52AA6E4}">
+                <adec:decorative xmlns:adec="http://schemas.microsoft.com/office/drawing/2017/decorative" val="1"/>
+              </a:ext>
+            </a:extLst>
+          </p:cNvPr>
+          <p:cNvGrpSpPr>
+            <a:grpSpLocks noGrp="1" noUngrp="1" noRot="1" noChangeAspect="1" noMove="1" noResize="1"/>
+          </p:cNvGrpSpPr>
+          <p:nvPr>
+            <p:extLst>
+              <p:ext uri="{386F3935-93C4-4BCD-93E2-E3B085C9AB24}">
+                <p16:designElem xmlns:p16="http://schemas.microsoft.com/office/powerpoint/2015/main" val="1"/>
+              </p:ext>
+            </p:extLst>
+          </p:nvPr>
+        </p:nvGrpSpPr>
+        <p:grpSpPr>
+          <a:xfrm>
+            <a:off x="0" y="2984992"/>
+            <a:ext cx="731521" cy="673460"/>
+            <a:chOff x="3940602" y="308034"/>
+            <a:chExt cx="2116791" cy="3428999"/>
+          </a:xfrm>
+          <a:solidFill>
+            <a:schemeClr val="accent4"/>
+          </a:solidFill>
+        </p:grpSpPr>
+        <p:sp>
+          <p:nvSpPr>
+            <p:cNvPr id="14" name="Rectangle 13">
+              <a:extLst>
+                <a:ext uri="{FF2B5EF4-FFF2-40B4-BE49-F238E27FC236}">
+                  <a16:creationId xmlns:a16="http://schemas.microsoft.com/office/drawing/2014/main" id="{2CBCA029-9732-11E9-DCBE-2F3AAF45007A}"/>
+                </a:ext>
+                <a:ext uri="{C183D7F6-B498-43B3-948B-1728B52AA6E4}">
+                  <adec:decorative xmlns:adec="http://schemas.microsoft.com/office/drawing/2017/decorative" val="1"/>
+                </a:ext>
+              </a:extLst>
+            </p:cNvPr>
+            <p:cNvSpPr/>
+            <p:nvPr>
+              <p:extLst>
+                <p:ext uri="{386F3935-93C4-4BCD-93E2-E3B085C9AB24}">
+                  <p16:designElem xmlns:p16="http://schemas.microsoft.com/office/powerpoint/2015/main" val="1"/>
+                </p:ext>
+              </p:extLst>
+            </p:nvPr>
+          </p:nvSpPr>
+          <p:spPr>
+            <a:xfrm>
+              <a:off x="3940602" y="308034"/>
+              <a:ext cx="566743" cy="3428999"/>
+            </a:xfrm>
+            <a:prstGeom prst="rect">
+              <a:avLst/>
+            </a:prstGeom>
+            <a:grpFill/>
+            <a:ln>
+              <a:noFill/>
+            </a:ln>
+          </p:spPr>
+          <p:style>
+            <a:lnRef idx="2">
+              <a:schemeClr val="accent1">
+                <a:shade val="50000"/>
+              </a:schemeClr>
+            </a:lnRef>
+            <a:fillRef idx="1">
+              <a:schemeClr val="accent1"/>
+            </a:fillRef>
+            <a:effectRef idx="0">
+              <a:schemeClr val="accent1"/>
+            </a:effectRef>
+            <a:fontRef idx="minor">
+              <a:schemeClr val="lt1"/>
+            </a:fontRef>
+          </p:style>
+          <p:txBody>
+            <a:bodyPr rtlCol="0" anchor="ctr"/>
+            <a:lstStyle/>
+            <a:p>
+              <a:pPr algn="ctr"/>
+              <a:endParaRPr lang="en-US"/>
+            </a:p>
+          </p:txBody>
+        </p:sp>
+        <p:sp>
+          <p:nvSpPr>
+            <p:cNvPr id="15" name="Rectangle 14">
+              <a:extLst>
+                <a:ext uri="{FF2B5EF4-FFF2-40B4-BE49-F238E27FC236}">
+                  <a16:creationId xmlns:a16="http://schemas.microsoft.com/office/drawing/2014/main" id="{09E819AA-7832-EB65-7502-745CC3C526FB}"/>
+                </a:ext>
+                <a:ext uri="{C183D7F6-B498-43B3-948B-1728B52AA6E4}">
+                  <adec:decorative xmlns:adec="http://schemas.microsoft.com/office/drawing/2017/decorative" val="1"/>
+                </a:ext>
+              </a:extLst>
+            </p:cNvPr>
+            <p:cNvSpPr/>
+            <p:nvPr>
+              <p:extLst>
+                <p:ext uri="{386F3935-93C4-4BCD-93E2-E3B085C9AB24}">
+                  <p16:designElem xmlns:p16="http://schemas.microsoft.com/office/powerpoint/2015/main" val="1"/>
+                </p:ext>
+              </p:extLst>
+            </p:nvPr>
+          </p:nvSpPr>
+          <p:spPr>
+            <a:xfrm>
+              <a:off x="4715626" y="308034"/>
+              <a:ext cx="566743" cy="3428999"/>
+            </a:xfrm>
+            <a:prstGeom prst="rect">
+              <a:avLst/>
+            </a:prstGeom>
+            <a:grpFill/>
+            <a:ln>
+              <a:noFill/>
+            </a:ln>
+          </p:spPr>
+          <p:style>
+            <a:lnRef idx="2">
+              <a:schemeClr val="accent1">
+                <a:shade val="50000"/>
+              </a:schemeClr>
+            </a:lnRef>
+            <a:fillRef idx="1">
+              <a:schemeClr val="accent1"/>
+            </a:fillRef>
+            <a:effectRef idx="0">
+              <a:schemeClr val="accent1"/>
+            </a:effectRef>
+            <a:fontRef idx="minor">
+              <a:schemeClr val="lt1"/>
+            </a:fontRef>
+          </p:style>
+          <p:txBody>
+            <a:bodyPr rtlCol="0" anchor="ctr"/>
+            <a:lstStyle/>
+            <a:p>
+              <a:pPr algn="ctr"/>
+              <a:endParaRPr lang="en-US"/>
+            </a:p>
+          </p:txBody>
+        </p:sp>
+        <p:sp>
+          <p:nvSpPr>
+            <p:cNvPr id="16" name="Rectangle 15">
+              <a:extLst>
+                <a:ext uri="{FF2B5EF4-FFF2-40B4-BE49-F238E27FC236}">
+                  <a16:creationId xmlns:a16="http://schemas.microsoft.com/office/drawing/2014/main" id="{45D790A7-90F0-FFAD-B217-547FECFB3FEB}"/>
+                </a:ext>
+                <a:ext uri="{C183D7F6-B498-43B3-948B-1728B52AA6E4}">
+                  <adec:decorative xmlns:adec="http://schemas.microsoft.com/office/drawing/2017/decorative" val="1"/>
+                </a:ext>
+              </a:extLst>
+            </p:cNvPr>
+            <p:cNvSpPr/>
+            <p:nvPr>
+              <p:extLst>
+                <p:ext uri="{386F3935-93C4-4BCD-93E2-E3B085C9AB24}">
+                  <p16:designElem xmlns:p16="http://schemas.microsoft.com/office/powerpoint/2015/main" val="1"/>
+                </p:ext>
+              </p:extLst>
+            </p:nvPr>
+          </p:nvSpPr>
+          <p:spPr>
+            <a:xfrm>
+              <a:off x="5490650" y="308034"/>
+              <a:ext cx="566743" cy="3428999"/>
+            </a:xfrm>
+            <a:prstGeom prst="rect">
+              <a:avLst/>
+            </a:prstGeom>
+            <a:grpFill/>
+            <a:ln>
+              <a:noFill/>
+            </a:ln>
+          </p:spPr>
+          <p:style>
+            <a:lnRef idx="2">
+              <a:schemeClr val="accent1">
+                <a:shade val="50000"/>
+              </a:schemeClr>
+            </a:lnRef>
+            <a:fillRef idx="1">
+              <a:schemeClr val="accent1"/>
+            </a:fillRef>
+            <a:effectRef idx="0">
+              <a:schemeClr val="accent1"/>
+            </a:effectRef>
+            <a:fontRef idx="minor">
+              <a:schemeClr val="lt1"/>
+            </a:fontRef>
+          </p:style>
+          <p:txBody>
+            <a:bodyPr rtlCol="0" anchor="ctr"/>
+            <a:lstStyle/>
+            <a:p>
+              <a:pPr algn="ctr"/>
+              <a:endParaRPr lang="en-US"/>
+            </a:p>
+          </p:txBody>
+        </p:sp>
+      </p:grpSp>
+      <p:sp>
+        <p:nvSpPr>
+          <p:cNvPr id="18" name="Rectangle 17">
+            <a:extLst>
+              <a:ext uri="{FF2B5EF4-FFF2-40B4-BE49-F238E27FC236}">
+                <a16:creationId xmlns:a16="http://schemas.microsoft.com/office/drawing/2014/main" id="{6250D6C2-2744-66D0-FDF4-EC4F5393FA32}"/>
+              </a:ext>
+              <a:ext uri="{C183D7F6-B498-43B3-948B-1728B52AA6E4}">
+                <adec:decorative xmlns:adec="http://schemas.microsoft.com/office/drawing/2017/decorative" val="1"/>
+              </a:ext>
+            </a:extLst>
+          </p:cNvPr>
+          <p:cNvSpPr>
+            <a:spLocks noGrp="1" noRot="1" noChangeAspect="1" noMove="1" noResize="1" noEditPoints="1" noAdjustHandles="1" noChangeArrowheads="1" noChangeShapeType="1" noTextEdit="1"/>
+          </p:cNvSpPr>
+          <p:nvPr>
+            <p:extLst>
+              <p:ext uri="{386F3935-93C4-4BCD-93E2-E3B085C9AB24}">
+                <p16:designElem xmlns:p16="http://schemas.microsoft.com/office/powerpoint/2015/main" val="1"/>
+              </p:ext>
+            </p:extLst>
+          </p:nvPr>
+        </p:nvSpPr>
+        <p:spPr>
+          <a:xfrm flipH="1">
+            <a:off x="10697670" y="0"/>
+            <a:ext cx="1494330" cy="6858000"/>
+          </a:xfrm>
+          <a:prstGeom prst="rect">
+            <a:avLst/>
+          </a:prstGeom>
+          <a:solidFill>
+            <a:schemeClr val="accent4"/>
+          </a:solidFill>
+          <a:ln>
+            <a:noFill/>
+          </a:ln>
+        </p:spPr>
+        <p:style>
+          <a:lnRef idx="2">
+            <a:schemeClr val="accent1">
+              <a:shade val="50000"/>
+            </a:schemeClr>
+          </a:lnRef>
+          <a:fillRef idx="1">
+            <a:schemeClr val="accent1"/>
+          </a:fillRef>
+          <a:effectRef idx="0">
+            <a:schemeClr val="accent1"/>
+          </a:effectRef>
+          <a:fontRef idx="minor">
+            <a:schemeClr val="lt1"/>
+          </a:fontRef>
+        </p:style>
+        <p:txBody>
+          <a:bodyPr rtlCol="0" anchor="ctr"/>
+          <a:lstStyle/>
+          <a:p>
+            <a:pPr algn="ctr"/>
+            <a:endParaRPr lang="en-US"/>
+          </a:p>
+        </p:txBody>
+      </p:sp>
+      <p:sp>
+        <p:nvSpPr>
+          <p:cNvPr id="20" name="Rectangle 19">
+            <a:extLst>
+              <a:ext uri="{FF2B5EF4-FFF2-40B4-BE49-F238E27FC236}">
+                <a16:creationId xmlns:a16="http://schemas.microsoft.com/office/drawing/2014/main" id="{EE5BFA68-5265-1BC9-2BD8-2C4329709882}"/>
+              </a:ext>
+              <a:ext uri="{C183D7F6-B498-43B3-948B-1728B52AA6E4}">
+                <adec:decorative xmlns:adec="http://schemas.microsoft.com/office/drawing/2017/decorative" val="1"/>
+              </a:ext>
+            </a:extLst>
+          </p:cNvPr>
+          <p:cNvSpPr>
+            <a:spLocks noGrp="1" noRot="1" noChangeAspect="1" noMove="1" noResize="1" noEditPoints="1" noAdjustHandles="1" noChangeArrowheads="1" noChangeShapeType="1" noTextEdit="1"/>
+          </p:cNvSpPr>
+          <p:nvPr>
+            <p:extLst>
+              <p:ext uri="{386F3935-93C4-4BCD-93E2-E3B085C9AB24}">
+                <p16:designElem xmlns:p16="http://schemas.microsoft.com/office/powerpoint/2015/main" val="1"/>
+              </p:ext>
+            </p:extLst>
+          </p:nvPr>
+        </p:nvSpPr>
+        <p:spPr>
+          <a:xfrm>
+            <a:off x="5685810" y="391886"/>
+            <a:ext cx="6009366" cy="6017078"/>
+          </a:xfrm>
+          <a:prstGeom prst="rect">
+            <a:avLst/>
+          </a:prstGeom>
+          <a:solidFill>
+            <a:schemeClr val="bg1"/>
+          </a:solidFill>
+          <a:ln>
+            <a:noFill/>
+          </a:ln>
+          <a:effectLst>
+            <a:outerShdw blurRad="139700" dist="127000" dir="5400000" algn="t" rotWithShape="0">
+              <a:prstClr val="black">
+                <a:alpha val="15000"/>
+              </a:prstClr>
+            </a:outerShdw>
+          </a:effectLst>
+        </p:spPr>
+        <p:style>
+          <a:lnRef idx="2">
+            <a:schemeClr val="accent1">
+              <a:shade val="50000"/>
+            </a:schemeClr>
+          </a:lnRef>
+          <a:fillRef idx="1">
+            <a:schemeClr val="accent1"/>
+          </a:fillRef>
+          <a:effectRef idx="0">
+            <a:schemeClr val="accent1"/>
+          </a:effectRef>
+          <a:fontRef idx="minor">
+            <a:schemeClr val="lt1"/>
+          </a:fontRef>
+        </p:style>
+        <p:txBody>
+          <a:bodyPr rtlCol="0" anchor="ctr"/>
+          <a:lstStyle/>
+          <a:p>
+            <a:pPr algn="ctr"/>
+            <a:endParaRPr lang="en-US"/>
+          </a:p>
+        </p:txBody>
+      </p:sp>
+      <p:pic>
+        <p:nvPicPr>
+          <p:cNvPr id="8" name="Tijdelijke aanduiding voor inhoud 7">
+            <a:extLst>
+              <a:ext uri="{FF2B5EF4-FFF2-40B4-BE49-F238E27FC236}">
+                <a16:creationId xmlns:a16="http://schemas.microsoft.com/office/drawing/2014/main" id="{3B316DAF-9BA8-F1CC-2CD4-70CEADAD3563}"/>
+              </a:ext>
+            </a:extLst>
+          </p:cNvPr>
+          <p:cNvPicPr>
+            <a:picLocks noGrp="1" noChangeAspect="1"/>
+          </p:cNvPicPr>
+          <p:nvPr>
+            <p:ph idx="1"/>
+          </p:nvPr>
+        </p:nvPicPr>
+        <p:blipFill>
+          <a:blip r:embed="rId2"/>
+          <a:stretch>
+            <a:fillRect/>
+          </a:stretch>
+        </p:blipFill>
+        <p:spPr>
+          <a:xfrm>
+            <a:off x="4874905" y="1650872"/>
+            <a:ext cx="5822765" cy="3639228"/>
+          </a:xfrm>
+        </p:spPr>
+      </p:pic>
+    </p:spTree>
+    <p:extLst>
+      <p:ext uri="{BB962C8B-B14F-4D97-AF65-F5344CB8AC3E}">
+        <p14:creationId xmlns:p14="http://schemas.microsoft.com/office/powerpoint/2010/main" val="1343471179"/>
+      </p:ext>
+    </p:extLst>
+  </p:cSld>
+  <p:clrMapOvr>
+    <a:masterClrMapping/>
+  </p:clrMapOvr>
+</p:sld>
+</file>
+
+<file path=ppt/slides/slide8.xml><?xml version="1.0" encoding="utf-8"?>
+<p:sld xmlns:a="http://schemas.openxmlformats.org/drawingml/2006/main" xmlns:r="http://schemas.openxmlformats.org/officeDocument/2006/relationships" xmlns:p="http://schemas.openxmlformats.org/presentationml/2006/main">
+  <p:cSld>
+    <p:bg>
+      <p:bgPr>
+        <a:solidFill>
+          <a:schemeClr val="bg1"/>
+        </a:solidFill>
+        <a:effectLst/>
+      </p:bgPr>
+    </p:bg>
+    <p:spTree>
+      <p:nvGrpSpPr>
+        <p:cNvPr id="1" name="">
+          <a:extLst>
+            <a:ext uri="{FF2B5EF4-FFF2-40B4-BE49-F238E27FC236}">
+              <a16:creationId xmlns:a16="http://schemas.microsoft.com/office/drawing/2014/main" id="{5FA53318-BF16-2E14-2A66-7B9E4008CFEA}"/>
+            </a:ext>
+          </a:extLst>
+        </p:cNvPr>
+        <p:cNvGrpSpPr/>
+        <p:nvPr/>
+      </p:nvGrpSpPr>
+      <p:grpSpPr>
+        <a:xfrm>
+          <a:off x="0" y="0"/>
+          <a:ext cx="0" cy="0"/>
+          <a:chOff x="0" y="0"/>
+          <a:chExt cx="0" cy="0"/>
+        </a:xfrm>
+      </p:grpSpPr>
+      <p:sp useBgFill="1">
+        <p:nvSpPr>
+          <p:cNvPr id="11" name="Rectangle 10">
+            <a:extLst>
+              <a:ext uri="{FF2B5EF4-FFF2-40B4-BE49-F238E27FC236}">
+                <a16:creationId xmlns:a16="http://schemas.microsoft.com/office/drawing/2014/main" id="{A62A3DF7-52E2-9FB9-43EF-AA72812553AF}"/>
+              </a:ext>
+              <a:ext uri="{C183D7F6-B498-43B3-948B-1728B52AA6E4}">
+                <adec:decorative xmlns:adec="http://schemas.microsoft.com/office/drawing/2017/decorative" val="1"/>
+              </a:ext>
+            </a:extLst>
+          </p:cNvPr>
+          <p:cNvSpPr>
+            <a:spLocks noGrp="1" noRot="1" noChangeAspect="1" noMove="1" noResize="1" noEditPoints="1" noAdjustHandles="1" noChangeArrowheads="1" noChangeShapeType="1" noTextEdit="1"/>
+          </p:cNvSpPr>
+          <p:nvPr>
+            <p:extLst>
+              <p:ext uri="{386F3935-93C4-4BCD-93E2-E3B085C9AB24}">
+                <p16:designElem xmlns:p16="http://schemas.microsoft.com/office/powerpoint/2015/main" val="1"/>
+              </p:ext>
+            </p:extLst>
+          </p:nvPr>
+        </p:nvSpPr>
+        <p:spPr>
+          <a:xfrm>
+            <a:off x="0" y="0"/>
+            <a:ext cx="12191999" cy="6857365"/>
+          </a:xfrm>
+          <a:prstGeom prst="rect">
+            <a:avLst/>
+          </a:prstGeom>
+          <a:ln>
+            <a:noFill/>
+          </a:ln>
+        </p:spPr>
+        <p:style>
+          <a:lnRef idx="2">
+            <a:schemeClr val="accent1">
+              <a:shade val="50000"/>
+            </a:schemeClr>
+          </a:lnRef>
+          <a:fillRef idx="1">
+            <a:schemeClr val="accent1"/>
+          </a:fillRef>
+          <a:effectRef idx="0">
+            <a:schemeClr val="accent1"/>
+          </a:effectRef>
+          <a:fontRef idx="minor">
+            <a:schemeClr val="lt1"/>
+          </a:fontRef>
+        </p:style>
+        <p:txBody>
+          <a:bodyPr rtlCol="0" anchor="ctr"/>
+          <a:lstStyle/>
+          <a:p>
+            <a:pPr algn="ctr"/>
+            <a:endParaRPr lang="en-US"/>
+          </a:p>
+        </p:txBody>
+      </p:sp>
+      <p:sp>
+        <p:nvSpPr>
+          <p:cNvPr id="2" name="Titel 1">
+            <a:extLst>
+              <a:ext uri="{FF2B5EF4-FFF2-40B4-BE49-F238E27FC236}">
+                <a16:creationId xmlns:a16="http://schemas.microsoft.com/office/drawing/2014/main" id="{FC2EC86B-6E4A-C5D6-6B90-207DBE33C8D2}"/>
               </a:ext>
             </a:extLst>
           </p:cNvPr>
@@ -5085,22 +10214,979 @@
             <a:spLocks noGrp="1"/>
           </p:cNvSpPr>
           <p:nvPr>
+            <p:ph type="title"/>
+          </p:nvPr>
+        </p:nvSpPr>
+        <p:spPr>
+          <a:xfrm>
+            <a:off x="1113810" y="2960716"/>
+            <a:ext cx="4036334" cy="2387600"/>
+          </a:xfrm>
+        </p:spPr>
+        <p:txBody>
+          <a:bodyPr vert="horz" lIns="91440" tIns="45720" rIns="91440" bIns="45720" rtlCol="0" anchor="t">
+            <a:normAutofit/>
+          </a:bodyPr>
+          <a:lstStyle/>
+          <a:p>
+            <a:endParaRPr lang="en-US" sz="5400" kern="1200" dirty="0">
+              <a:solidFill>
+                <a:schemeClr val="tx1"/>
+              </a:solidFill>
+              <a:latin typeface="+mj-lt"/>
+              <a:ea typeface="+mj-ea"/>
+              <a:cs typeface="+mj-cs"/>
+            </a:endParaRPr>
+          </a:p>
+        </p:txBody>
+      </p:sp>
+      <p:grpSp>
+        <p:nvGrpSpPr>
+          <p:cNvPr id="13" name="Group 12">
+            <a:extLst>
+              <a:ext uri="{FF2B5EF4-FFF2-40B4-BE49-F238E27FC236}">
+                <a16:creationId xmlns:a16="http://schemas.microsoft.com/office/drawing/2014/main" id="{660FAE7D-BB2D-B00B-F4DF-9B2273A9136D}"/>
+              </a:ext>
+              <a:ext uri="{C183D7F6-B498-43B3-948B-1728B52AA6E4}">
+                <adec:decorative xmlns:adec="http://schemas.microsoft.com/office/drawing/2017/decorative" val="1"/>
+              </a:ext>
+            </a:extLst>
+          </p:cNvPr>
+          <p:cNvGrpSpPr>
+            <a:grpSpLocks noGrp="1" noUngrp="1" noRot="1" noChangeAspect="1" noMove="1" noResize="1"/>
+          </p:cNvGrpSpPr>
+          <p:nvPr>
+            <p:extLst>
+              <p:ext uri="{386F3935-93C4-4BCD-93E2-E3B085C9AB24}">
+                <p16:designElem xmlns:p16="http://schemas.microsoft.com/office/powerpoint/2015/main" val="1"/>
+              </p:ext>
+            </p:extLst>
+          </p:nvPr>
+        </p:nvGrpSpPr>
+        <p:grpSpPr>
+          <a:xfrm>
+            <a:off x="0" y="2984992"/>
+            <a:ext cx="731521" cy="673460"/>
+            <a:chOff x="3940602" y="308034"/>
+            <a:chExt cx="2116791" cy="3428999"/>
+          </a:xfrm>
+          <a:solidFill>
+            <a:schemeClr val="accent4"/>
+          </a:solidFill>
+        </p:grpSpPr>
+        <p:sp>
+          <p:nvSpPr>
+            <p:cNvPr id="14" name="Rectangle 13">
+              <a:extLst>
+                <a:ext uri="{FF2B5EF4-FFF2-40B4-BE49-F238E27FC236}">
+                  <a16:creationId xmlns:a16="http://schemas.microsoft.com/office/drawing/2014/main" id="{20416C90-8FE9-2B1C-0915-B026085F06C1}"/>
+                </a:ext>
+                <a:ext uri="{C183D7F6-B498-43B3-948B-1728B52AA6E4}">
+                  <adec:decorative xmlns:adec="http://schemas.microsoft.com/office/drawing/2017/decorative" val="1"/>
+                </a:ext>
+              </a:extLst>
+            </p:cNvPr>
+            <p:cNvSpPr/>
+            <p:nvPr>
+              <p:extLst>
+                <p:ext uri="{386F3935-93C4-4BCD-93E2-E3B085C9AB24}">
+                  <p16:designElem xmlns:p16="http://schemas.microsoft.com/office/powerpoint/2015/main" val="1"/>
+                </p:ext>
+              </p:extLst>
+            </p:nvPr>
+          </p:nvSpPr>
+          <p:spPr>
+            <a:xfrm>
+              <a:off x="3940602" y="308034"/>
+              <a:ext cx="566743" cy="3428999"/>
+            </a:xfrm>
+            <a:prstGeom prst="rect">
+              <a:avLst/>
+            </a:prstGeom>
+            <a:grpFill/>
+            <a:ln>
+              <a:noFill/>
+            </a:ln>
+          </p:spPr>
+          <p:style>
+            <a:lnRef idx="2">
+              <a:schemeClr val="accent1">
+                <a:shade val="50000"/>
+              </a:schemeClr>
+            </a:lnRef>
+            <a:fillRef idx="1">
+              <a:schemeClr val="accent1"/>
+            </a:fillRef>
+            <a:effectRef idx="0">
+              <a:schemeClr val="accent1"/>
+            </a:effectRef>
+            <a:fontRef idx="minor">
+              <a:schemeClr val="lt1"/>
+            </a:fontRef>
+          </p:style>
+          <p:txBody>
+            <a:bodyPr rtlCol="0" anchor="ctr"/>
+            <a:lstStyle/>
+            <a:p>
+              <a:pPr algn="ctr"/>
+              <a:endParaRPr lang="en-US"/>
+            </a:p>
+          </p:txBody>
+        </p:sp>
+        <p:sp>
+          <p:nvSpPr>
+            <p:cNvPr id="15" name="Rectangle 14">
+              <a:extLst>
+                <a:ext uri="{FF2B5EF4-FFF2-40B4-BE49-F238E27FC236}">
+                  <a16:creationId xmlns:a16="http://schemas.microsoft.com/office/drawing/2014/main" id="{F29771C6-2036-14EB-433E-D5435F36AC7F}"/>
+                </a:ext>
+                <a:ext uri="{C183D7F6-B498-43B3-948B-1728B52AA6E4}">
+                  <adec:decorative xmlns:adec="http://schemas.microsoft.com/office/drawing/2017/decorative" val="1"/>
+                </a:ext>
+              </a:extLst>
+            </p:cNvPr>
+            <p:cNvSpPr/>
+            <p:nvPr>
+              <p:extLst>
+                <p:ext uri="{386F3935-93C4-4BCD-93E2-E3B085C9AB24}">
+                  <p16:designElem xmlns:p16="http://schemas.microsoft.com/office/powerpoint/2015/main" val="1"/>
+                </p:ext>
+              </p:extLst>
+            </p:nvPr>
+          </p:nvSpPr>
+          <p:spPr>
+            <a:xfrm>
+              <a:off x="4715626" y="308034"/>
+              <a:ext cx="566743" cy="3428999"/>
+            </a:xfrm>
+            <a:prstGeom prst="rect">
+              <a:avLst/>
+            </a:prstGeom>
+            <a:grpFill/>
+            <a:ln>
+              <a:noFill/>
+            </a:ln>
+          </p:spPr>
+          <p:style>
+            <a:lnRef idx="2">
+              <a:schemeClr val="accent1">
+                <a:shade val="50000"/>
+              </a:schemeClr>
+            </a:lnRef>
+            <a:fillRef idx="1">
+              <a:schemeClr val="accent1"/>
+            </a:fillRef>
+            <a:effectRef idx="0">
+              <a:schemeClr val="accent1"/>
+            </a:effectRef>
+            <a:fontRef idx="minor">
+              <a:schemeClr val="lt1"/>
+            </a:fontRef>
+          </p:style>
+          <p:txBody>
+            <a:bodyPr rtlCol="0" anchor="ctr"/>
+            <a:lstStyle/>
+            <a:p>
+              <a:pPr algn="ctr"/>
+              <a:endParaRPr lang="en-US"/>
+            </a:p>
+          </p:txBody>
+        </p:sp>
+        <p:sp>
+          <p:nvSpPr>
+            <p:cNvPr id="16" name="Rectangle 15">
+              <a:extLst>
+                <a:ext uri="{FF2B5EF4-FFF2-40B4-BE49-F238E27FC236}">
+                  <a16:creationId xmlns:a16="http://schemas.microsoft.com/office/drawing/2014/main" id="{CB55786F-2CE3-AEEA-33EE-61E4AA9FDFFC}"/>
+                </a:ext>
+                <a:ext uri="{C183D7F6-B498-43B3-948B-1728B52AA6E4}">
+                  <adec:decorative xmlns:adec="http://schemas.microsoft.com/office/drawing/2017/decorative" val="1"/>
+                </a:ext>
+              </a:extLst>
+            </p:cNvPr>
+            <p:cNvSpPr/>
+            <p:nvPr>
+              <p:extLst>
+                <p:ext uri="{386F3935-93C4-4BCD-93E2-E3B085C9AB24}">
+                  <p16:designElem xmlns:p16="http://schemas.microsoft.com/office/powerpoint/2015/main" val="1"/>
+                </p:ext>
+              </p:extLst>
+            </p:nvPr>
+          </p:nvSpPr>
+          <p:spPr>
+            <a:xfrm>
+              <a:off x="5490650" y="308034"/>
+              <a:ext cx="566743" cy="3428999"/>
+            </a:xfrm>
+            <a:prstGeom prst="rect">
+              <a:avLst/>
+            </a:prstGeom>
+            <a:grpFill/>
+            <a:ln>
+              <a:noFill/>
+            </a:ln>
+          </p:spPr>
+          <p:style>
+            <a:lnRef idx="2">
+              <a:schemeClr val="accent1">
+                <a:shade val="50000"/>
+              </a:schemeClr>
+            </a:lnRef>
+            <a:fillRef idx="1">
+              <a:schemeClr val="accent1"/>
+            </a:fillRef>
+            <a:effectRef idx="0">
+              <a:schemeClr val="accent1"/>
+            </a:effectRef>
+            <a:fontRef idx="minor">
+              <a:schemeClr val="lt1"/>
+            </a:fontRef>
+          </p:style>
+          <p:txBody>
+            <a:bodyPr rtlCol="0" anchor="ctr"/>
+            <a:lstStyle/>
+            <a:p>
+              <a:pPr algn="ctr"/>
+              <a:endParaRPr lang="en-US"/>
+            </a:p>
+          </p:txBody>
+        </p:sp>
+      </p:grpSp>
+      <p:sp>
+        <p:nvSpPr>
+          <p:cNvPr id="18" name="Rectangle 17">
+            <a:extLst>
+              <a:ext uri="{FF2B5EF4-FFF2-40B4-BE49-F238E27FC236}">
+                <a16:creationId xmlns:a16="http://schemas.microsoft.com/office/drawing/2014/main" id="{4EEA7EB0-FC39-7876-D4DA-D99C813C70C2}"/>
+              </a:ext>
+              <a:ext uri="{C183D7F6-B498-43B3-948B-1728B52AA6E4}">
+                <adec:decorative xmlns:adec="http://schemas.microsoft.com/office/drawing/2017/decorative" val="1"/>
+              </a:ext>
+            </a:extLst>
+          </p:cNvPr>
+          <p:cNvSpPr>
+            <a:spLocks noGrp="1" noRot="1" noChangeAspect="1" noMove="1" noResize="1" noEditPoints="1" noAdjustHandles="1" noChangeArrowheads="1" noChangeShapeType="1" noTextEdit="1"/>
+          </p:cNvSpPr>
+          <p:nvPr>
+            <p:extLst>
+              <p:ext uri="{386F3935-93C4-4BCD-93E2-E3B085C9AB24}">
+                <p16:designElem xmlns:p16="http://schemas.microsoft.com/office/powerpoint/2015/main" val="1"/>
+              </p:ext>
+            </p:extLst>
+          </p:nvPr>
+        </p:nvSpPr>
+        <p:spPr>
+          <a:xfrm flipH="1">
+            <a:off x="10697670" y="0"/>
+            <a:ext cx="1494330" cy="6858000"/>
+          </a:xfrm>
+          <a:prstGeom prst="rect">
+            <a:avLst/>
+          </a:prstGeom>
+          <a:solidFill>
+            <a:schemeClr val="accent4"/>
+          </a:solidFill>
+          <a:ln>
+            <a:noFill/>
+          </a:ln>
+        </p:spPr>
+        <p:style>
+          <a:lnRef idx="2">
+            <a:schemeClr val="accent1">
+              <a:shade val="50000"/>
+            </a:schemeClr>
+          </a:lnRef>
+          <a:fillRef idx="1">
+            <a:schemeClr val="accent1"/>
+          </a:fillRef>
+          <a:effectRef idx="0">
+            <a:schemeClr val="accent1"/>
+          </a:effectRef>
+          <a:fontRef idx="minor">
+            <a:schemeClr val="lt1"/>
+          </a:fontRef>
+        </p:style>
+        <p:txBody>
+          <a:bodyPr rtlCol="0" anchor="ctr"/>
+          <a:lstStyle/>
+          <a:p>
+            <a:pPr algn="ctr"/>
+            <a:endParaRPr lang="en-US"/>
+          </a:p>
+        </p:txBody>
+      </p:sp>
+      <p:sp>
+        <p:nvSpPr>
+          <p:cNvPr id="20" name="Rectangle 19">
+            <a:extLst>
+              <a:ext uri="{FF2B5EF4-FFF2-40B4-BE49-F238E27FC236}">
+                <a16:creationId xmlns:a16="http://schemas.microsoft.com/office/drawing/2014/main" id="{C15C484E-17D9-422E-E09C-FC78A4AAEB41}"/>
+              </a:ext>
+              <a:ext uri="{C183D7F6-B498-43B3-948B-1728B52AA6E4}">
+                <adec:decorative xmlns:adec="http://schemas.microsoft.com/office/drawing/2017/decorative" val="1"/>
+              </a:ext>
+            </a:extLst>
+          </p:cNvPr>
+          <p:cNvSpPr>
+            <a:spLocks noGrp="1" noRot="1" noChangeAspect="1" noMove="1" noResize="1" noEditPoints="1" noAdjustHandles="1" noChangeArrowheads="1" noChangeShapeType="1" noTextEdit="1"/>
+          </p:cNvSpPr>
+          <p:nvPr>
+            <p:extLst>
+              <p:ext uri="{386F3935-93C4-4BCD-93E2-E3B085C9AB24}">
+                <p16:designElem xmlns:p16="http://schemas.microsoft.com/office/powerpoint/2015/main" val="1"/>
+              </p:ext>
+            </p:extLst>
+          </p:nvPr>
+        </p:nvSpPr>
+        <p:spPr>
+          <a:xfrm>
+            <a:off x="5685810" y="391886"/>
+            <a:ext cx="6009366" cy="6017078"/>
+          </a:xfrm>
+          <a:prstGeom prst="rect">
+            <a:avLst/>
+          </a:prstGeom>
+          <a:solidFill>
+            <a:schemeClr val="bg1"/>
+          </a:solidFill>
+          <a:ln>
+            <a:noFill/>
+          </a:ln>
+          <a:effectLst>
+            <a:outerShdw blurRad="139700" dist="127000" dir="5400000" algn="t" rotWithShape="0">
+              <a:prstClr val="black">
+                <a:alpha val="15000"/>
+              </a:prstClr>
+            </a:outerShdw>
+          </a:effectLst>
+        </p:spPr>
+        <p:style>
+          <a:lnRef idx="2">
+            <a:schemeClr val="accent1">
+              <a:shade val="50000"/>
+            </a:schemeClr>
+          </a:lnRef>
+          <a:fillRef idx="1">
+            <a:schemeClr val="accent1"/>
+          </a:fillRef>
+          <a:effectRef idx="0">
+            <a:schemeClr val="accent1"/>
+          </a:effectRef>
+          <a:fontRef idx="minor">
+            <a:schemeClr val="lt1"/>
+          </a:fontRef>
+        </p:style>
+        <p:txBody>
+          <a:bodyPr rtlCol="0" anchor="ctr"/>
+          <a:lstStyle/>
+          <a:p>
+            <a:pPr algn="ctr"/>
+            <a:endParaRPr lang="en-US"/>
+          </a:p>
+        </p:txBody>
+      </p:sp>
+      <p:pic>
+        <p:nvPicPr>
+          <p:cNvPr id="7" name="Tijdelijke aanduiding voor inhoud 6" descr="Afbeelding met tekst, piano, Keyboard, keyboard&#10;&#10;Door AI gegenereerde inhoud is mogelijk onjuist.">
+            <a:extLst>
+              <a:ext uri="{FF2B5EF4-FFF2-40B4-BE49-F238E27FC236}">
+                <a16:creationId xmlns:a16="http://schemas.microsoft.com/office/drawing/2014/main" id="{A9404388-4A9E-08A0-3315-AB0AB7311356}"/>
+              </a:ext>
+            </a:extLst>
+          </p:cNvPr>
+          <p:cNvPicPr>
+            <a:picLocks noGrp="1" noChangeAspect="1"/>
+          </p:cNvPicPr>
+          <p:nvPr>
             <p:ph idx="1"/>
           </p:nvPr>
-        </p:nvSpPr>
-        <p:spPr/>
-        <p:txBody>
-          <a:bodyPr/>
-          <a:lstStyle/>
-          <a:p>
-            <a:endParaRPr lang="nl-NL"/>
-          </a:p>
-        </p:txBody>
-      </p:sp>
+        </p:nvPicPr>
+        <p:blipFill>
+          <a:blip r:embed="rId2"/>
+          <a:stretch>
+            <a:fillRect/>
+          </a:stretch>
+        </p:blipFill>
+        <p:spPr>
+          <a:xfrm>
+            <a:off x="1988841" y="569729"/>
+            <a:ext cx="7785647" cy="5839235"/>
+          </a:xfrm>
+        </p:spPr>
+      </p:pic>
     </p:spTree>
     <p:extLst>
       <p:ext uri="{BB962C8B-B14F-4D97-AF65-F5344CB8AC3E}">
-        <p14:creationId xmlns:p14="http://schemas.microsoft.com/office/powerpoint/2010/main" val="2019184130"/>
+        <p14:creationId xmlns:p14="http://schemas.microsoft.com/office/powerpoint/2010/main" val="1180266509"/>
+      </p:ext>
+    </p:extLst>
+  </p:cSld>
+  <p:clrMapOvr>
+    <a:masterClrMapping/>
+  </p:clrMapOvr>
+</p:sld>
+</file>
+
+<file path=ppt/slides/slide9.xml><?xml version="1.0" encoding="utf-8"?>
+<p:sld xmlns:a="http://schemas.openxmlformats.org/drawingml/2006/main" xmlns:r="http://schemas.openxmlformats.org/officeDocument/2006/relationships" xmlns:p="http://schemas.openxmlformats.org/presentationml/2006/main">
+  <p:cSld>
+    <p:bg>
+      <p:bgPr>
+        <a:solidFill>
+          <a:schemeClr val="bg1"/>
+        </a:solidFill>
+        <a:effectLst/>
+      </p:bgPr>
+    </p:bg>
+    <p:spTree>
+      <p:nvGrpSpPr>
+        <p:cNvPr id="1" name="">
+          <a:extLst>
+            <a:ext uri="{FF2B5EF4-FFF2-40B4-BE49-F238E27FC236}">
+              <a16:creationId xmlns:a16="http://schemas.microsoft.com/office/drawing/2014/main" id="{167CDA68-C77F-C00A-B400-378578052ABA}"/>
+            </a:ext>
+          </a:extLst>
+        </p:cNvPr>
+        <p:cNvGrpSpPr/>
+        <p:nvPr/>
+      </p:nvGrpSpPr>
+      <p:grpSpPr>
+        <a:xfrm>
+          <a:off x="0" y="0"/>
+          <a:ext cx="0" cy="0"/>
+          <a:chOff x="0" y="0"/>
+          <a:chExt cx="0" cy="0"/>
+        </a:xfrm>
+      </p:grpSpPr>
+      <p:sp useBgFill="1">
+        <p:nvSpPr>
+          <p:cNvPr id="11" name="Rectangle 10">
+            <a:extLst>
+              <a:ext uri="{FF2B5EF4-FFF2-40B4-BE49-F238E27FC236}">
+                <a16:creationId xmlns:a16="http://schemas.microsoft.com/office/drawing/2014/main" id="{47942995-B07F-4636-9A06-C6A104B260A8}"/>
+              </a:ext>
+              <a:ext uri="{C183D7F6-B498-43B3-948B-1728B52AA6E4}">
+                <adec:decorative xmlns:adec="http://schemas.microsoft.com/office/drawing/2017/decorative" val="1"/>
+              </a:ext>
+            </a:extLst>
+          </p:cNvPr>
+          <p:cNvSpPr>
+            <a:spLocks noGrp="1" noRot="1" noChangeAspect="1" noMove="1" noResize="1" noEditPoints="1" noAdjustHandles="1" noChangeArrowheads="1" noChangeShapeType="1" noTextEdit="1"/>
+          </p:cNvSpPr>
+          <p:nvPr>
+            <p:extLst>
+              <p:ext uri="{386F3935-93C4-4BCD-93E2-E3B085C9AB24}">
+                <p16:designElem xmlns:p16="http://schemas.microsoft.com/office/powerpoint/2015/main" val="1"/>
+              </p:ext>
+            </p:extLst>
+          </p:nvPr>
+        </p:nvSpPr>
+        <p:spPr>
+          <a:xfrm>
+            <a:off x="0" y="0"/>
+            <a:ext cx="12191999" cy="6857365"/>
+          </a:xfrm>
+          <a:prstGeom prst="rect">
+            <a:avLst/>
+          </a:prstGeom>
+          <a:ln>
+            <a:noFill/>
+          </a:ln>
+        </p:spPr>
+        <p:style>
+          <a:lnRef idx="2">
+            <a:schemeClr val="accent1">
+              <a:shade val="50000"/>
+            </a:schemeClr>
+          </a:lnRef>
+          <a:fillRef idx="1">
+            <a:schemeClr val="accent1"/>
+          </a:fillRef>
+          <a:effectRef idx="0">
+            <a:schemeClr val="accent1"/>
+          </a:effectRef>
+          <a:fontRef idx="minor">
+            <a:schemeClr val="lt1"/>
+          </a:fontRef>
+        </p:style>
+        <p:txBody>
+          <a:bodyPr rtlCol="0" anchor="ctr"/>
+          <a:lstStyle/>
+          <a:p>
+            <a:pPr algn="ctr"/>
+            <a:endParaRPr lang="en-US"/>
+          </a:p>
+        </p:txBody>
+      </p:sp>
+      <p:sp>
+        <p:nvSpPr>
+          <p:cNvPr id="2" name="Titel 1">
+            <a:extLst>
+              <a:ext uri="{FF2B5EF4-FFF2-40B4-BE49-F238E27FC236}">
+                <a16:creationId xmlns:a16="http://schemas.microsoft.com/office/drawing/2014/main" id="{7ECAF3D9-28EB-89BA-99C2-91344A4BA649}"/>
+              </a:ext>
+            </a:extLst>
+          </p:cNvPr>
+          <p:cNvSpPr>
+            <a:spLocks noGrp="1"/>
+          </p:cNvSpPr>
+          <p:nvPr>
+            <p:ph type="title"/>
+          </p:nvPr>
+        </p:nvSpPr>
+        <p:spPr>
+          <a:xfrm>
+            <a:off x="803499" y="1341657"/>
+            <a:ext cx="5336350" cy="5291507"/>
+          </a:xfrm>
+        </p:spPr>
+        <p:txBody>
+          <a:bodyPr vert="horz" lIns="91440" tIns="45720" rIns="91440" bIns="45720" rtlCol="0" anchor="t">
+            <a:normAutofit fontScale="90000"/>
+          </a:bodyPr>
+          <a:lstStyle/>
+          <a:p>
+            <a:r>
+              <a:rPr lang="en-US" sz="5400" dirty="0"/>
+              <a:t>Note On – Off =</a:t>
+            </a:r>
+            <a:br>
+              <a:rPr lang="en-US" sz="5400" dirty="0"/>
+            </a:br>
+            <a:r>
+              <a:rPr lang="en-US" sz="5400" dirty="0"/>
+              <a:t>Note + Velocity + Channel</a:t>
+            </a:r>
+            <a:br>
+              <a:rPr lang="en-US" sz="5400" dirty="0"/>
+            </a:br>
+            <a:br>
+              <a:rPr lang="en-US" sz="3200" dirty="0"/>
+            </a:br>
+            <a:r>
+              <a:rPr lang="en-US" sz="3600" dirty="0"/>
+              <a:t>Note = 0 – 127</a:t>
+            </a:r>
+            <a:br>
+              <a:rPr lang="en-US" sz="3600" dirty="0"/>
+            </a:br>
+            <a:r>
+              <a:rPr lang="en-US" sz="3600" dirty="0"/>
+              <a:t>Velocity = 0 – 127</a:t>
+            </a:r>
+            <a:br>
+              <a:rPr lang="en-US" sz="3600" dirty="0"/>
+            </a:br>
+            <a:r>
+              <a:rPr lang="en-US" sz="3600" dirty="0"/>
+              <a:t>Channel = 1 -16</a:t>
+            </a:r>
+            <a:br>
+              <a:rPr lang="en-US" sz="3200" dirty="0"/>
+            </a:br>
+            <a:br>
+              <a:rPr lang="en-US" sz="5400" dirty="0"/>
+            </a:br>
+            <a:br>
+              <a:rPr lang="en-US" sz="5400" kern="1200" dirty="0">
+                <a:solidFill>
+                  <a:schemeClr val="tx1"/>
+                </a:solidFill>
+                <a:latin typeface="+mj-lt"/>
+                <a:ea typeface="+mj-ea"/>
+                <a:cs typeface="+mj-cs"/>
+              </a:rPr>
+            </a:br>
+            <a:endParaRPr lang="en-US" sz="5400" kern="1200" dirty="0">
+              <a:solidFill>
+                <a:schemeClr val="tx1"/>
+              </a:solidFill>
+              <a:latin typeface="+mj-lt"/>
+              <a:ea typeface="+mj-ea"/>
+              <a:cs typeface="+mj-cs"/>
+            </a:endParaRPr>
+          </a:p>
+        </p:txBody>
+      </p:sp>
+      <p:grpSp>
+        <p:nvGrpSpPr>
+          <p:cNvPr id="13" name="Group 12">
+            <a:extLst>
+              <a:ext uri="{FF2B5EF4-FFF2-40B4-BE49-F238E27FC236}">
+                <a16:creationId xmlns:a16="http://schemas.microsoft.com/office/drawing/2014/main" id="{032D8612-31EB-44CF-A1D0-14FD4C705424}"/>
+              </a:ext>
+              <a:ext uri="{C183D7F6-B498-43B3-948B-1728B52AA6E4}">
+                <adec:decorative xmlns:adec="http://schemas.microsoft.com/office/drawing/2017/decorative" val="1"/>
+              </a:ext>
+            </a:extLst>
+          </p:cNvPr>
+          <p:cNvGrpSpPr>
+            <a:grpSpLocks noGrp="1" noUngrp="1" noRot="1" noChangeAspect="1" noMove="1" noResize="1"/>
+          </p:cNvGrpSpPr>
+          <p:nvPr>
+            <p:extLst>
+              <p:ext uri="{386F3935-93C4-4BCD-93E2-E3B085C9AB24}">
+                <p16:designElem xmlns:p16="http://schemas.microsoft.com/office/powerpoint/2015/main" val="1"/>
+              </p:ext>
+            </p:extLst>
+          </p:nvPr>
+        </p:nvGrpSpPr>
+        <p:grpSpPr>
+          <a:xfrm>
+            <a:off x="0" y="2984992"/>
+            <a:ext cx="731521" cy="673460"/>
+            <a:chOff x="3940602" y="308034"/>
+            <a:chExt cx="2116791" cy="3428999"/>
+          </a:xfrm>
+          <a:solidFill>
+            <a:schemeClr val="accent4"/>
+          </a:solidFill>
+        </p:grpSpPr>
+        <p:sp>
+          <p:nvSpPr>
+            <p:cNvPr id="14" name="Rectangle 13">
+              <a:extLst>
+                <a:ext uri="{FF2B5EF4-FFF2-40B4-BE49-F238E27FC236}">
+                  <a16:creationId xmlns:a16="http://schemas.microsoft.com/office/drawing/2014/main" id="{F19A4A0F-1B59-4DB0-9764-D10936E98770}"/>
+                </a:ext>
+                <a:ext uri="{C183D7F6-B498-43B3-948B-1728B52AA6E4}">
+                  <adec:decorative xmlns:adec="http://schemas.microsoft.com/office/drawing/2017/decorative" val="1"/>
+                </a:ext>
+              </a:extLst>
+            </p:cNvPr>
+            <p:cNvSpPr/>
+            <p:nvPr>
+              <p:extLst>
+                <p:ext uri="{386F3935-93C4-4BCD-93E2-E3B085C9AB24}">
+                  <p16:designElem xmlns:p16="http://schemas.microsoft.com/office/powerpoint/2015/main" val="1"/>
+                </p:ext>
+              </p:extLst>
+            </p:nvPr>
+          </p:nvSpPr>
+          <p:spPr>
+            <a:xfrm>
+              <a:off x="3940602" y="308034"/>
+              <a:ext cx="566743" cy="3428999"/>
+            </a:xfrm>
+            <a:prstGeom prst="rect">
+              <a:avLst/>
+            </a:prstGeom>
+            <a:grpFill/>
+            <a:ln>
+              <a:noFill/>
+            </a:ln>
+          </p:spPr>
+          <p:style>
+            <a:lnRef idx="2">
+              <a:schemeClr val="accent1">
+                <a:shade val="50000"/>
+              </a:schemeClr>
+            </a:lnRef>
+            <a:fillRef idx="1">
+              <a:schemeClr val="accent1"/>
+            </a:fillRef>
+            <a:effectRef idx="0">
+              <a:schemeClr val="accent1"/>
+            </a:effectRef>
+            <a:fontRef idx="minor">
+              <a:schemeClr val="lt1"/>
+            </a:fontRef>
+          </p:style>
+          <p:txBody>
+            <a:bodyPr rtlCol="0" anchor="ctr"/>
+            <a:lstStyle/>
+            <a:p>
+              <a:pPr algn="ctr"/>
+              <a:endParaRPr lang="en-US"/>
+            </a:p>
+          </p:txBody>
+        </p:sp>
+        <p:sp>
+          <p:nvSpPr>
+            <p:cNvPr id="15" name="Rectangle 14">
+              <a:extLst>
+                <a:ext uri="{FF2B5EF4-FFF2-40B4-BE49-F238E27FC236}">
+                  <a16:creationId xmlns:a16="http://schemas.microsoft.com/office/drawing/2014/main" id="{F399A70F-F8CD-4992-9EF5-6CF15472E73F}"/>
+                </a:ext>
+                <a:ext uri="{C183D7F6-B498-43B3-948B-1728B52AA6E4}">
+                  <adec:decorative xmlns:adec="http://schemas.microsoft.com/office/drawing/2017/decorative" val="1"/>
+                </a:ext>
+              </a:extLst>
+            </p:cNvPr>
+            <p:cNvSpPr/>
+            <p:nvPr>
+              <p:extLst>
+                <p:ext uri="{386F3935-93C4-4BCD-93E2-E3B085C9AB24}">
+                  <p16:designElem xmlns:p16="http://schemas.microsoft.com/office/powerpoint/2015/main" val="1"/>
+                </p:ext>
+              </p:extLst>
+            </p:nvPr>
+          </p:nvSpPr>
+          <p:spPr>
+            <a:xfrm>
+              <a:off x="4715626" y="308034"/>
+              <a:ext cx="566743" cy="3428999"/>
+            </a:xfrm>
+            <a:prstGeom prst="rect">
+              <a:avLst/>
+            </a:prstGeom>
+            <a:grpFill/>
+            <a:ln>
+              <a:noFill/>
+            </a:ln>
+          </p:spPr>
+          <p:style>
+            <a:lnRef idx="2">
+              <a:schemeClr val="accent1">
+                <a:shade val="50000"/>
+              </a:schemeClr>
+            </a:lnRef>
+            <a:fillRef idx="1">
+              <a:schemeClr val="accent1"/>
+            </a:fillRef>
+            <a:effectRef idx="0">
+              <a:schemeClr val="accent1"/>
+            </a:effectRef>
+            <a:fontRef idx="minor">
+              <a:schemeClr val="lt1"/>
+            </a:fontRef>
+          </p:style>
+          <p:txBody>
+            <a:bodyPr rtlCol="0" anchor="ctr"/>
+            <a:lstStyle/>
+            <a:p>
+              <a:pPr algn="ctr"/>
+              <a:endParaRPr lang="en-US"/>
+            </a:p>
+          </p:txBody>
+        </p:sp>
+        <p:sp>
+          <p:nvSpPr>
+            <p:cNvPr id="16" name="Rectangle 15">
+              <a:extLst>
+                <a:ext uri="{FF2B5EF4-FFF2-40B4-BE49-F238E27FC236}">
+                  <a16:creationId xmlns:a16="http://schemas.microsoft.com/office/drawing/2014/main" id="{48F4FEDC-6D80-458C-A665-075D9B9500FD}"/>
+                </a:ext>
+                <a:ext uri="{C183D7F6-B498-43B3-948B-1728B52AA6E4}">
+                  <adec:decorative xmlns:adec="http://schemas.microsoft.com/office/drawing/2017/decorative" val="1"/>
+                </a:ext>
+              </a:extLst>
+            </p:cNvPr>
+            <p:cNvSpPr/>
+            <p:nvPr>
+              <p:extLst>
+                <p:ext uri="{386F3935-93C4-4BCD-93E2-E3B085C9AB24}">
+                  <p16:designElem xmlns:p16="http://schemas.microsoft.com/office/powerpoint/2015/main" val="1"/>
+                </p:ext>
+              </p:extLst>
+            </p:nvPr>
+          </p:nvSpPr>
+          <p:spPr>
+            <a:xfrm>
+              <a:off x="5490650" y="308034"/>
+              <a:ext cx="566743" cy="3428999"/>
+            </a:xfrm>
+            <a:prstGeom prst="rect">
+              <a:avLst/>
+            </a:prstGeom>
+            <a:grpFill/>
+            <a:ln>
+              <a:noFill/>
+            </a:ln>
+          </p:spPr>
+          <p:style>
+            <a:lnRef idx="2">
+              <a:schemeClr val="accent1">
+                <a:shade val="50000"/>
+              </a:schemeClr>
+            </a:lnRef>
+            <a:fillRef idx="1">
+              <a:schemeClr val="accent1"/>
+            </a:fillRef>
+            <a:effectRef idx="0">
+              <a:schemeClr val="accent1"/>
+            </a:effectRef>
+            <a:fontRef idx="minor">
+              <a:schemeClr val="lt1"/>
+            </a:fontRef>
+          </p:style>
+          <p:txBody>
+            <a:bodyPr rtlCol="0" anchor="ctr"/>
+            <a:lstStyle/>
+            <a:p>
+              <a:pPr algn="ctr"/>
+              <a:endParaRPr lang="en-US"/>
+            </a:p>
+          </p:txBody>
+        </p:sp>
+      </p:grpSp>
+      <p:sp>
+        <p:nvSpPr>
+          <p:cNvPr id="18" name="Rectangle 17">
+            <a:extLst>
+              <a:ext uri="{FF2B5EF4-FFF2-40B4-BE49-F238E27FC236}">
+                <a16:creationId xmlns:a16="http://schemas.microsoft.com/office/drawing/2014/main" id="{B81933D1-5615-42C7-9C0B-4EB7105CCE2D}"/>
+              </a:ext>
+              <a:ext uri="{C183D7F6-B498-43B3-948B-1728B52AA6E4}">
+                <adec:decorative xmlns:adec="http://schemas.microsoft.com/office/drawing/2017/decorative" val="1"/>
+              </a:ext>
+            </a:extLst>
+          </p:cNvPr>
+          <p:cNvSpPr>
+            <a:spLocks noGrp="1" noRot="1" noChangeAspect="1" noMove="1" noResize="1" noEditPoints="1" noAdjustHandles="1" noChangeArrowheads="1" noChangeShapeType="1" noTextEdit="1"/>
+          </p:cNvSpPr>
+          <p:nvPr>
+            <p:extLst>
+              <p:ext uri="{386F3935-93C4-4BCD-93E2-E3B085C9AB24}">
+                <p16:designElem xmlns:p16="http://schemas.microsoft.com/office/powerpoint/2015/main" val="1"/>
+              </p:ext>
+            </p:extLst>
+          </p:nvPr>
+        </p:nvSpPr>
+        <p:spPr>
+          <a:xfrm flipH="1">
+            <a:off x="10697670" y="0"/>
+            <a:ext cx="1494330" cy="6858000"/>
+          </a:xfrm>
+          <a:prstGeom prst="rect">
+            <a:avLst/>
+          </a:prstGeom>
+          <a:solidFill>
+            <a:schemeClr val="accent4"/>
+          </a:solidFill>
+          <a:ln>
+            <a:noFill/>
+          </a:ln>
+        </p:spPr>
+        <p:style>
+          <a:lnRef idx="2">
+            <a:schemeClr val="accent1">
+              <a:shade val="50000"/>
+            </a:schemeClr>
+          </a:lnRef>
+          <a:fillRef idx="1">
+            <a:schemeClr val="accent1"/>
+          </a:fillRef>
+          <a:effectRef idx="0">
+            <a:schemeClr val="accent1"/>
+          </a:effectRef>
+          <a:fontRef idx="minor">
+            <a:schemeClr val="lt1"/>
+          </a:fontRef>
+        </p:style>
+        <p:txBody>
+          <a:bodyPr rtlCol="0" anchor="ctr"/>
+          <a:lstStyle/>
+          <a:p>
+            <a:pPr algn="ctr"/>
+            <a:endParaRPr lang="en-US"/>
+          </a:p>
+        </p:txBody>
+      </p:sp>
+      <p:sp>
+        <p:nvSpPr>
+          <p:cNvPr id="20" name="Rectangle 19">
+            <a:extLst>
+              <a:ext uri="{FF2B5EF4-FFF2-40B4-BE49-F238E27FC236}">
+                <a16:creationId xmlns:a16="http://schemas.microsoft.com/office/drawing/2014/main" id="{19C9EAEA-39D0-4B0E-A0EB-51E7B26740B1}"/>
+              </a:ext>
+              <a:ext uri="{C183D7F6-B498-43B3-948B-1728B52AA6E4}">
+                <adec:decorative xmlns:adec="http://schemas.microsoft.com/office/drawing/2017/decorative" val="1"/>
+              </a:ext>
+            </a:extLst>
+          </p:cNvPr>
+          <p:cNvSpPr>
+            <a:spLocks noGrp="1" noRot="1" noChangeAspect="1" noMove="1" noResize="1" noEditPoints="1" noAdjustHandles="1" noChangeArrowheads="1" noChangeShapeType="1" noTextEdit="1"/>
+          </p:cNvSpPr>
+          <p:nvPr>
+            <p:extLst>
+              <p:ext uri="{386F3935-93C4-4BCD-93E2-E3B085C9AB24}">
+                <p16:designElem xmlns:p16="http://schemas.microsoft.com/office/powerpoint/2015/main" val="1"/>
+              </p:ext>
+            </p:extLst>
+          </p:nvPr>
+        </p:nvSpPr>
+        <p:spPr>
+          <a:xfrm>
+            <a:off x="5685810" y="391886"/>
+            <a:ext cx="6009366" cy="6017078"/>
+          </a:xfrm>
+          <a:prstGeom prst="rect">
+            <a:avLst/>
+          </a:prstGeom>
+          <a:solidFill>
+            <a:schemeClr val="bg1"/>
+          </a:solidFill>
+          <a:ln>
+            <a:noFill/>
+          </a:ln>
+          <a:effectLst>
+            <a:outerShdw blurRad="139700" dist="127000" dir="5400000" algn="t" rotWithShape="0">
+              <a:prstClr val="black">
+                <a:alpha val="15000"/>
+              </a:prstClr>
+            </a:outerShdw>
+          </a:effectLst>
+        </p:spPr>
+        <p:style>
+          <a:lnRef idx="2">
+            <a:schemeClr val="accent1">
+              <a:shade val="50000"/>
+            </a:schemeClr>
+          </a:lnRef>
+          <a:fillRef idx="1">
+            <a:schemeClr val="accent1"/>
+          </a:fillRef>
+          <a:effectRef idx="0">
+            <a:schemeClr val="accent1"/>
+          </a:effectRef>
+          <a:fontRef idx="minor">
+            <a:schemeClr val="lt1"/>
+          </a:fontRef>
+        </p:style>
+        <p:txBody>
+          <a:bodyPr rtlCol="0" anchor="ctr"/>
+          <a:lstStyle/>
+          <a:p>
+            <a:pPr algn="ctr"/>
+            <a:endParaRPr lang="en-US"/>
+          </a:p>
+        </p:txBody>
+      </p:sp>
+      <p:pic>
+        <p:nvPicPr>
+          <p:cNvPr id="9" name="Afbeelding 8">
+            <a:extLst>
+              <a:ext uri="{FF2B5EF4-FFF2-40B4-BE49-F238E27FC236}">
+                <a16:creationId xmlns:a16="http://schemas.microsoft.com/office/drawing/2014/main" id="{965BA769-B18C-D139-3E4F-D80951FA8E58}"/>
+              </a:ext>
+            </a:extLst>
+          </p:cNvPr>
+          <p:cNvPicPr>
+            <a:picLocks noChangeAspect="1"/>
+          </p:cNvPicPr>
+          <p:nvPr/>
+        </p:nvPicPr>
+        <p:blipFill>
+          <a:blip r:embed="rId2"/>
+          <a:stretch>
+            <a:fillRect/>
+          </a:stretch>
+        </p:blipFill>
+        <p:spPr>
+          <a:xfrm>
+            <a:off x="5881665" y="1408892"/>
+            <a:ext cx="5396688" cy="4039580"/>
+          </a:xfrm>
+          <a:prstGeom prst="rect">
+            <a:avLst/>
+          </a:prstGeom>
+        </p:spPr>
+      </p:pic>
+    </p:spTree>
+    <p:extLst>
+      <p:ext uri="{BB962C8B-B14F-4D97-AF65-F5344CB8AC3E}">
+        <p14:creationId xmlns:p14="http://schemas.microsoft.com/office/powerpoint/2010/main" val="294325841"/>
       </p:ext>
     </p:extLst>
   </p:cSld>

--- a/Resonant_Frequencies_WS1/Resonant Frequencies WS1.pptx
+++ b/Resonant_Frequencies_WS1/Resonant Frequencies WS1.pptx
@@ -8029,11 +8029,7 @@
             </a:r>
             <a:r>
               <a:rPr lang="nl-NL" dirty="0"/>
-              <a:t> open </a:t>
-            </a:r>
-            <a:r>
-              <a:rPr lang="nl-NL"/>
-              <a:t>‘Blink’</a:t>
+              <a:t> open ‘Blink’</a:t>
             </a:r>
           </a:p>
         </p:txBody>

--- a/Resonant_Frequencies_WS1/Resonant Frequencies WS1.pptx
+++ b/Resonant_Frequencies_WS1/Resonant Frequencies WS1.pptx
@@ -425,7 +425,7 @@
           <a:p>
             <a:fld id="{300EF211-2BFB-6B4A-8ED9-E264860AF635}" type="datetimeFigureOut">
               <a:rPr lang="nl-NL" smtClean="0"/>
-              <a:t>25-11-2025</a:t>
+              <a:t>26-11-2025</a:t>
             </a:fld>
             <a:endParaRPr lang="nl-NL"/>
           </a:p>
@@ -467,7 +467,7 @@
           <a:p>
             <a:fld id="{D5E111BD-0E9D-6447-BCC7-BAE87DDFF598}" type="slidenum">
               <a:rPr lang="nl-NL" smtClean="0"/>
-              <a:t>‹nr.›</a:t>
+              <a:t>‹#›</a:t>
             </a:fld>
             <a:endParaRPr lang="nl-NL"/>
           </a:p>
@@ -595,7 +595,7 @@
           <a:p>
             <a:fld id="{300EF211-2BFB-6B4A-8ED9-E264860AF635}" type="datetimeFigureOut">
               <a:rPr lang="nl-NL" smtClean="0"/>
-              <a:t>25-11-2025</a:t>
+              <a:t>26-11-2025</a:t>
             </a:fld>
             <a:endParaRPr lang="nl-NL"/>
           </a:p>
@@ -637,7 +637,7 @@
           <a:p>
             <a:fld id="{D5E111BD-0E9D-6447-BCC7-BAE87DDFF598}" type="slidenum">
               <a:rPr lang="nl-NL" smtClean="0"/>
-              <a:t>‹nr.›</a:t>
+              <a:t>‹#›</a:t>
             </a:fld>
             <a:endParaRPr lang="nl-NL"/>
           </a:p>
@@ -775,7 +775,7 @@
           <a:p>
             <a:fld id="{300EF211-2BFB-6B4A-8ED9-E264860AF635}" type="datetimeFigureOut">
               <a:rPr lang="nl-NL" smtClean="0"/>
-              <a:t>25-11-2025</a:t>
+              <a:t>26-11-2025</a:t>
             </a:fld>
             <a:endParaRPr lang="nl-NL"/>
           </a:p>
@@ -817,7 +817,7 @@
           <a:p>
             <a:fld id="{D5E111BD-0E9D-6447-BCC7-BAE87DDFF598}" type="slidenum">
               <a:rPr lang="nl-NL" smtClean="0"/>
-              <a:t>‹nr.›</a:t>
+              <a:t>‹#›</a:t>
             </a:fld>
             <a:endParaRPr lang="nl-NL"/>
           </a:p>
@@ -945,7 +945,7 @@
           <a:p>
             <a:fld id="{300EF211-2BFB-6B4A-8ED9-E264860AF635}" type="datetimeFigureOut">
               <a:rPr lang="nl-NL" smtClean="0"/>
-              <a:t>25-11-2025</a:t>
+              <a:t>26-11-2025</a:t>
             </a:fld>
             <a:endParaRPr lang="nl-NL"/>
           </a:p>
@@ -987,7 +987,7 @@
           <a:p>
             <a:fld id="{D5E111BD-0E9D-6447-BCC7-BAE87DDFF598}" type="slidenum">
               <a:rPr lang="nl-NL" smtClean="0"/>
-              <a:t>‹nr.›</a:t>
+              <a:t>‹#›</a:t>
             </a:fld>
             <a:endParaRPr lang="nl-NL"/>
           </a:p>
@@ -1191,7 +1191,7 @@
           <a:p>
             <a:fld id="{300EF211-2BFB-6B4A-8ED9-E264860AF635}" type="datetimeFigureOut">
               <a:rPr lang="nl-NL" smtClean="0"/>
-              <a:t>25-11-2025</a:t>
+              <a:t>26-11-2025</a:t>
             </a:fld>
             <a:endParaRPr lang="nl-NL"/>
           </a:p>
@@ -1233,7 +1233,7 @@
           <a:p>
             <a:fld id="{D5E111BD-0E9D-6447-BCC7-BAE87DDFF598}" type="slidenum">
               <a:rPr lang="nl-NL" smtClean="0"/>
-              <a:t>‹nr.›</a:t>
+              <a:t>‹#›</a:t>
             </a:fld>
             <a:endParaRPr lang="nl-NL"/>
           </a:p>
@@ -1423,7 +1423,7 @@
           <a:p>
             <a:fld id="{300EF211-2BFB-6B4A-8ED9-E264860AF635}" type="datetimeFigureOut">
               <a:rPr lang="nl-NL" smtClean="0"/>
-              <a:t>25-11-2025</a:t>
+              <a:t>26-11-2025</a:t>
             </a:fld>
             <a:endParaRPr lang="nl-NL"/>
           </a:p>
@@ -1465,7 +1465,7 @@
           <a:p>
             <a:fld id="{D5E111BD-0E9D-6447-BCC7-BAE87DDFF598}" type="slidenum">
               <a:rPr lang="nl-NL" smtClean="0"/>
-              <a:t>‹nr.›</a:t>
+              <a:t>‹#›</a:t>
             </a:fld>
             <a:endParaRPr lang="nl-NL"/>
           </a:p>
@@ -1790,7 +1790,7 @@
           <a:p>
             <a:fld id="{300EF211-2BFB-6B4A-8ED9-E264860AF635}" type="datetimeFigureOut">
               <a:rPr lang="nl-NL" smtClean="0"/>
-              <a:t>25-11-2025</a:t>
+              <a:t>26-11-2025</a:t>
             </a:fld>
             <a:endParaRPr lang="nl-NL"/>
           </a:p>
@@ -1832,7 +1832,7 @@
           <a:p>
             <a:fld id="{D5E111BD-0E9D-6447-BCC7-BAE87DDFF598}" type="slidenum">
               <a:rPr lang="nl-NL" smtClean="0"/>
-              <a:t>‹nr.›</a:t>
+              <a:t>‹#›</a:t>
             </a:fld>
             <a:endParaRPr lang="nl-NL"/>
           </a:p>
@@ -1908,7 +1908,7 @@
           <a:p>
             <a:fld id="{300EF211-2BFB-6B4A-8ED9-E264860AF635}" type="datetimeFigureOut">
               <a:rPr lang="nl-NL" smtClean="0"/>
-              <a:t>25-11-2025</a:t>
+              <a:t>26-11-2025</a:t>
             </a:fld>
             <a:endParaRPr lang="nl-NL"/>
           </a:p>
@@ -1950,7 +1950,7 @@
           <a:p>
             <a:fld id="{D5E111BD-0E9D-6447-BCC7-BAE87DDFF598}" type="slidenum">
               <a:rPr lang="nl-NL" smtClean="0"/>
-              <a:t>‹nr.›</a:t>
+              <a:t>‹#›</a:t>
             </a:fld>
             <a:endParaRPr lang="nl-NL"/>
           </a:p>
@@ -2003,7 +2003,7 @@
           <a:p>
             <a:fld id="{300EF211-2BFB-6B4A-8ED9-E264860AF635}" type="datetimeFigureOut">
               <a:rPr lang="nl-NL" smtClean="0"/>
-              <a:t>25-11-2025</a:t>
+              <a:t>26-11-2025</a:t>
             </a:fld>
             <a:endParaRPr lang="nl-NL"/>
           </a:p>
@@ -2045,7 +2045,7 @@
           <a:p>
             <a:fld id="{D5E111BD-0E9D-6447-BCC7-BAE87DDFF598}" type="slidenum">
               <a:rPr lang="nl-NL" smtClean="0"/>
-              <a:t>‹nr.›</a:t>
+              <a:t>‹#›</a:t>
             </a:fld>
             <a:endParaRPr lang="nl-NL"/>
           </a:p>
@@ -2280,7 +2280,7 @@
           <a:p>
             <a:fld id="{300EF211-2BFB-6B4A-8ED9-E264860AF635}" type="datetimeFigureOut">
               <a:rPr lang="nl-NL" smtClean="0"/>
-              <a:t>25-11-2025</a:t>
+              <a:t>26-11-2025</a:t>
             </a:fld>
             <a:endParaRPr lang="nl-NL"/>
           </a:p>
@@ -2322,7 +2322,7 @@
           <a:p>
             <a:fld id="{D5E111BD-0E9D-6447-BCC7-BAE87DDFF598}" type="slidenum">
               <a:rPr lang="nl-NL" smtClean="0"/>
-              <a:t>‹nr.›</a:t>
+              <a:t>‹#›</a:t>
             </a:fld>
             <a:endParaRPr lang="nl-NL"/>
           </a:p>
@@ -2537,7 +2537,7 @@
           <a:p>
             <a:fld id="{300EF211-2BFB-6B4A-8ED9-E264860AF635}" type="datetimeFigureOut">
               <a:rPr lang="nl-NL" smtClean="0"/>
-              <a:t>25-11-2025</a:t>
+              <a:t>26-11-2025</a:t>
             </a:fld>
             <a:endParaRPr lang="nl-NL"/>
           </a:p>
@@ -2579,7 +2579,7 @@
           <a:p>
             <a:fld id="{D5E111BD-0E9D-6447-BCC7-BAE87DDFF598}" type="slidenum">
               <a:rPr lang="nl-NL" smtClean="0"/>
-              <a:t>‹nr.›</a:t>
+              <a:t>‹#›</a:t>
             </a:fld>
             <a:endParaRPr lang="nl-NL"/>
           </a:p>
@@ -2750,7 +2750,7 @@
           <a:p>
             <a:fld id="{300EF211-2BFB-6B4A-8ED9-E264860AF635}" type="datetimeFigureOut">
               <a:rPr lang="nl-NL" smtClean="0"/>
-              <a:t>25-11-2025</a:t>
+              <a:t>26-11-2025</a:t>
             </a:fld>
             <a:endParaRPr lang="nl-NL"/>
           </a:p>
@@ -2828,7 +2828,7 @@
           <a:p>
             <a:fld id="{D5E111BD-0E9D-6447-BCC7-BAE87DDFF598}" type="slidenum">
               <a:rPr lang="nl-NL" smtClean="0"/>
-              <a:t>‹nr.›</a:t>
+              <a:t>‹#›</a:t>
             </a:fld>
             <a:endParaRPr lang="nl-NL"/>
           </a:p>
@@ -7614,7 +7614,7 @@
         </p:nvSpPr>
         <p:spPr>
           <a:xfrm>
-            <a:off x="1099447" y="1332102"/>
+            <a:off x="197753" y="856944"/>
             <a:ext cx="5304529" cy="646331"/>
           </a:xfrm>
           <a:prstGeom prst="rect">
@@ -7713,7 +7713,7 @@
         </p:nvSpPr>
         <p:spPr>
           <a:xfrm>
-            <a:off x="1051507" y="2371621"/>
+            <a:off x="149813" y="1896463"/>
             <a:ext cx="4949817" cy="646331"/>
           </a:xfrm>
           <a:prstGeom prst="rect">
@@ -7803,7 +7803,7 @@
         </p:nvSpPr>
         <p:spPr>
           <a:xfrm>
-            <a:off x="1051507" y="3394782"/>
+            <a:off x="149813" y="2919624"/>
             <a:ext cx="6212278" cy="646331"/>
           </a:xfrm>
           <a:prstGeom prst="rect">
@@ -7900,7 +7900,7 @@
         </p:nvSpPr>
         <p:spPr>
           <a:xfrm>
-            <a:off x="1097041" y="4417943"/>
+            <a:off x="195347" y="3942785"/>
             <a:ext cx="5440785" cy="646331"/>
           </a:xfrm>
           <a:prstGeom prst="rect">
@@ -7989,8 +7989,8 @@
         </p:nvSpPr>
         <p:spPr>
           <a:xfrm>
-            <a:off x="3725839" y="5923128"/>
-            <a:ext cx="4935005" cy="369332"/>
+            <a:off x="179400" y="4797638"/>
+            <a:ext cx="11765016" cy="646331"/>
           </a:xfrm>
           <a:prstGeom prst="rect">
             <a:avLst/>
@@ -8029,7 +8029,113 @@
             </a:r>
             <a:r>
               <a:rPr lang="nl-NL" dirty="0"/>
-              <a:t> open ‘Blink’</a:t>
+              <a:t> open ‘1-Basic_Blink.ino’</a:t>
+            </a:r>
+          </a:p>
+          <a:p>
+            <a:r>
+              <a:rPr lang="nl-NL" dirty="0" err="1"/>
+              <a:t>https</a:t>
+            </a:r>
+            <a:r>
+              <a:rPr lang="nl-NL" dirty="0"/>
+              <a:t>://</a:t>
+            </a:r>
+            <a:r>
+              <a:rPr lang="nl-NL" dirty="0" err="1"/>
+              <a:t>github.com</a:t>
+            </a:r>
+            <a:r>
+              <a:rPr lang="nl-NL" dirty="0"/>
+              <a:t>/ichingxs4all/Midi-</a:t>
+            </a:r>
+            <a:r>
+              <a:rPr lang="nl-NL" dirty="0" err="1"/>
+              <a:t>MusicVilla</a:t>
+            </a:r>
+            <a:r>
+              <a:rPr lang="nl-NL" dirty="0"/>
+              <a:t>/releases/download/Resonant_Frequencies_WS2/Midi-</a:t>
+            </a:r>
+            <a:r>
+              <a:rPr lang="nl-NL" dirty="0" err="1"/>
+              <a:t>MusicVilla.zip</a:t>
+            </a:r>
+            <a:endParaRPr lang="nl-NL" dirty="0"/>
+          </a:p>
+        </p:txBody>
+      </p:sp>
+      <p:sp>
+        <p:nvSpPr>
+          <p:cNvPr id="5" name="Tekstvak 8">
+            <a:extLst>
+              <a:ext uri="{FF2B5EF4-FFF2-40B4-BE49-F238E27FC236}">
+                <a16:creationId xmlns:a16="http://schemas.microsoft.com/office/drawing/2014/main" id="{D8C68DDF-1DE0-6465-7F73-3B7F52A11922}"/>
+              </a:ext>
+            </a:extLst>
+          </p:cNvPr>
+          <p:cNvSpPr txBox="1"/>
+          <p:nvPr/>
+        </p:nvSpPr>
+        <p:spPr>
+          <a:xfrm>
+            <a:off x="179400" y="5662114"/>
+            <a:ext cx="6839821" cy="369332"/>
+          </a:xfrm>
+          <a:prstGeom prst="rect">
+            <a:avLst/>
+          </a:prstGeom>
+          <a:noFill/>
+        </p:spPr>
+        <p:txBody>
+          <a:bodyPr wrap="none" rtlCol="0">
+            <a:spAutoFit/>
+          </a:bodyPr>
+          <a:lstStyle/>
+          <a:p>
+            <a:r>
+              <a:rPr lang="nl-NL" dirty="0"/>
+              <a:t>Step 6: </a:t>
+            </a:r>
+            <a:r>
+              <a:rPr lang="nl-NL" dirty="0" err="1"/>
+              <a:t>Try</a:t>
+            </a:r>
+            <a:r>
+              <a:rPr lang="nl-NL" dirty="0"/>
+              <a:t> </a:t>
+            </a:r>
+            <a:r>
+              <a:rPr lang="nl-NL" dirty="0" err="1"/>
+              <a:t>to</a:t>
+            </a:r>
+            <a:r>
+              <a:rPr lang="nl-NL" dirty="0"/>
+              <a:t> Upload </a:t>
+            </a:r>
+            <a:r>
+              <a:rPr lang="nl-NL" dirty="0" err="1"/>
+              <a:t>the</a:t>
+            </a:r>
+            <a:r>
+              <a:rPr lang="nl-NL" dirty="0"/>
+              <a:t> Sketch </a:t>
+            </a:r>
+            <a:r>
+              <a:rPr lang="nl-NL" dirty="0" err="1"/>
+              <a:t>by</a:t>
+            </a:r>
+            <a:r>
+              <a:rPr lang="nl-NL" dirty="0"/>
+              <a:t> pressing </a:t>
+            </a:r>
+            <a:r>
+              <a:rPr lang="nl-NL" dirty="0" err="1"/>
+              <a:t>the</a:t>
+            </a:r>
+            <a:r>
+              <a:rPr lang="nl-NL" dirty="0"/>
+              <a:t> ‘Arrow Right’ button</a:t>
             </a:r>
           </a:p>
         </p:txBody>
